--- a/meeting_ppt/20210309.pptx
+++ b/meeting_ppt/20210309.pptx
@@ -5,24 +5,31 @@
     <p:sldMasterId id="2147483673" r:id="rId1"/>
   </p:sldMasterIdLst>
   <p:notesMasterIdLst>
-    <p:notesMasterId r:id="rId14"/>
+    <p:notesMasterId r:id="rId21"/>
   </p:notesMasterIdLst>
   <p:handoutMasterIdLst>
-    <p:handoutMasterId r:id="rId15"/>
+    <p:handoutMasterId r:id="rId22"/>
   </p:handoutMasterIdLst>
   <p:sldIdLst>
     <p:sldId id="257" r:id="rId2"/>
     <p:sldId id="263" r:id="rId3"/>
-    <p:sldId id="262" r:id="rId4"/>
-    <p:sldId id="265" r:id="rId5"/>
-    <p:sldId id="272" r:id="rId6"/>
-    <p:sldId id="270" r:id="rId7"/>
-    <p:sldId id="268" r:id="rId8"/>
-    <p:sldId id="269" r:id="rId9"/>
-    <p:sldId id="271" r:id="rId10"/>
-    <p:sldId id="273" r:id="rId11"/>
-    <p:sldId id="274" r:id="rId12"/>
-    <p:sldId id="275" r:id="rId13"/>
+    <p:sldId id="277" r:id="rId4"/>
+    <p:sldId id="276" r:id="rId5"/>
+    <p:sldId id="278" r:id="rId6"/>
+    <p:sldId id="265" r:id="rId7"/>
+    <p:sldId id="279" r:id="rId8"/>
+    <p:sldId id="280" r:id="rId9"/>
+    <p:sldId id="281" r:id="rId10"/>
+    <p:sldId id="272" r:id="rId11"/>
+    <p:sldId id="282" r:id="rId12"/>
+    <p:sldId id="283" r:id="rId13"/>
+    <p:sldId id="268" r:id="rId14"/>
+    <p:sldId id="269" r:id="rId15"/>
+    <p:sldId id="284" r:id="rId16"/>
+    <p:sldId id="285" r:id="rId17"/>
+    <p:sldId id="273" r:id="rId18"/>
+    <p:sldId id="274" r:id="rId19"/>
+    <p:sldId id="275" r:id="rId20"/>
   </p:sldIdLst>
   <p:sldSz cx="12192000" cy="6858000"/>
   <p:notesSz cx="6858000" cy="9144000"/>
@@ -216,7 +223,7 @@
             <a:pPr rtl="0"/>
             <a:fld id="{3AA7418C-1A37-4630-8C30-B2836F55C532}" type="datetime1">
               <a:rPr lang="zh-TW" altLang="en-US" smtClean="0"/>
-              <a:t>2021/3/7</a:t>
+              <a:t>2021/3/8</a:t>
             </a:fld>
             <a:endParaRPr lang="en-US" dirty="0"/>
           </a:p>
@@ -386,7 +393,7 @@
             <a:pPr rtl="0"/>
             <a:fld id="{AB916EA9-9B8C-4B06-BBDB-07A75F4AF607}" type="datetime1">
               <a:rPr lang="zh-TW" altLang="en-US" smtClean="0"/>
-              <a:t>2021/3/7</a:t>
+              <a:t>2021/3/8</a:t>
             </a:fld>
             <a:endParaRPr lang="en-US"/>
           </a:p>
@@ -1133,7 +1140,7 @@
           <a:p>
             <a:fld id="{4D9EAB54-90A7-4427-8D5D-1517AC1256FE}" type="datetime1">
               <a:rPr lang="zh-TW" altLang="en-US" smtClean="0"/>
-              <a:t>2021/3/7</a:t>
+              <a:t>2021/3/8</a:t>
             </a:fld>
             <a:endParaRPr lang="en-US" dirty="0"/>
           </a:p>
@@ -1342,7 +1349,7 @@
             <a:pPr rtl="0"/>
             <a:fld id="{0DE064CC-B997-463F-949D-526814740EEF}" type="datetime1">
               <a:rPr lang="zh-TW" altLang="en-US" smtClean="0"/>
-              <a:t>2021/3/7</a:t>
+              <a:t>2021/3/8</a:t>
             </a:fld>
             <a:endParaRPr lang="en-US"/>
           </a:p>
@@ -1526,7 +1533,7 @@
             <a:pPr rtl="0"/>
             <a:fld id="{22128EAF-448F-42C4-BB03-9B0CC8E0C77B}" type="datetime1">
               <a:rPr lang="zh-TW" altLang="en-US" smtClean="0"/>
-              <a:t>2021/3/7</a:t>
+              <a:t>2021/3/8</a:t>
             </a:fld>
             <a:endParaRPr lang="en-US"/>
           </a:p>
@@ -1700,7 +1707,7 @@
             <a:pPr rtl="0"/>
             <a:fld id="{CE847876-3A2B-49FA-B396-40048599C954}" type="datetime1">
               <a:rPr lang="zh-TW" altLang="en-US" smtClean="0"/>
-              <a:t>2021/3/7</a:t>
+              <a:t>2021/3/8</a:t>
             </a:fld>
             <a:endParaRPr lang="en-US"/>
           </a:p>
@@ -2304,7 +2311,7 @@
           <a:p>
             <a:fld id="{294347CA-4B58-4AEE-8DA6-4E2B096FC96F}" type="datetime1">
               <a:rPr lang="zh-TW" altLang="en-US" smtClean="0"/>
-              <a:t>2021/3/7</a:t>
+              <a:t>2021/3/8</a:t>
             </a:fld>
             <a:endParaRPr dirty="0"/>
           </a:p>
@@ -2631,7 +2638,7 @@
             <a:pPr rtl="0"/>
             <a:fld id="{23CCF91B-17D2-4072-B2E9-D16F58DFD8EB}" type="datetime1">
               <a:rPr lang="zh-TW" altLang="en-US" smtClean="0"/>
-              <a:t>2021/3/7</a:t>
+              <a:t>2021/3/8</a:t>
             </a:fld>
             <a:endParaRPr lang="en-US"/>
           </a:p>
@@ -3072,7 +3079,7 @@
             <a:pPr rtl="0"/>
             <a:fld id="{9651C41F-D9A3-457D-A3FA-0A5DBEF4266B}" type="datetime1">
               <a:rPr lang="zh-TW" altLang="en-US" smtClean="0"/>
-              <a:t>2021/3/7</a:t>
+              <a:t>2021/3/8</a:t>
             </a:fld>
             <a:endParaRPr lang="en-US" dirty="0"/>
           </a:p>
@@ -3194,7 +3201,7 @@
             <a:pPr rtl="0"/>
             <a:fld id="{A33183BB-2861-4A80-80A6-2C9B82653C78}" type="datetime1">
               <a:rPr lang="zh-TW" altLang="en-US" smtClean="0"/>
-              <a:t>2021/3/7</a:t>
+              <a:t>2021/3/8</a:t>
             </a:fld>
             <a:endParaRPr lang="en-US"/>
           </a:p>
@@ -3292,7 +3299,7 @@
             <a:pPr rtl="0"/>
             <a:fld id="{956085DB-A18D-4659-BA29-412FA9C45839}" type="datetime1">
               <a:rPr lang="zh-TW" altLang="en-US" smtClean="0"/>
-              <a:t>2021/3/7</a:t>
+              <a:t>2021/3/8</a:t>
             </a:fld>
             <a:endParaRPr lang="en-US"/>
           </a:p>
@@ -3730,7 +3737,7 @@
             <a:pPr rtl="0"/>
             <a:fld id="{453BEA6C-00E9-40EA-A338-3A3492325C3F}" type="datetime1">
               <a:rPr lang="zh-TW" altLang="en-US" smtClean="0"/>
-              <a:t>2021/3/7</a:t>
+              <a:t>2021/3/8</a:t>
             </a:fld>
             <a:endParaRPr lang="en-US" dirty="0"/>
           </a:p>
@@ -3996,7 +4003,7 @@
           <a:p>
             <a:fld id="{0827CC67-2DD7-42FE-B417-D6036783A853}" type="datetime1">
               <a:rPr lang="zh-TW" altLang="en-US" smtClean="0"/>
-              <a:t>2021/3/7</a:t>
+              <a:t>2021/3/8</a:t>
             </a:fld>
             <a:endParaRPr lang="en-US" dirty="0"/>
           </a:p>
@@ -4517,7 +4524,7 @@
           <a:p>
             <a:fld id="{46C11105-4E24-4682-A6F5-E2BADE4D0872}" type="datetime1">
               <a:rPr lang="zh-TW" altLang="en-US" smtClean="0"/>
-              <a:t>2021/3/7</a:t>
+              <a:t>2021/3/8</a:t>
             </a:fld>
             <a:endParaRPr lang="en-US" dirty="0"/>
           </a:p>
@@ -5243,7 +5250,7 @@
           <p:cNvPr id="2" name="標題 1">
             <a:extLst>
               <a:ext uri="{FF2B5EF4-FFF2-40B4-BE49-F238E27FC236}">
-                <a16:creationId xmlns:a16="http://schemas.microsoft.com/office/drawing/2014/main" id="{E7F56767-EA5C-4EE3-B495-0F1BC271BBCD}"/>
+                <a16:creationId xmlns:a16="http://schemas.microsoft.com/office/drawing/2014/main" id="{D7403881-F59A-4151-A310-494FD2BE6834}"/>
               </a:ext>
             </a:extLst>
           </p:cNvPr>
@@ -5256,17 +5263,27 @@
         </p:nvSpPr>
         <p:spPr>
           <a:xfrm>
-            <a:off x="1066800" y="499338"/>
-            <a:ext cx="10058400" cy="957606"/>
+            <a:off x="1066800" y="642594"/>
+            <a:ext cx="10058400" cy="607086"/>
           </a:xfrm>
         </p:spPr>
         <p:txBody>
-          <a:bodyPr/>
+          <a:bodyPr>
+            <a:normAutofit fontScale="90000"/>
+          </a:bodyPr>
           <a:lstStyle/>
           <a:p>
             <a:r>
               <a:rPr lang="en-US" altLang="zh-TW" dirty="0"/>
-              <a:t>Result(spacy)</a:t>
+              <a:t>Result (</a:t>
+            </a:r>
+            <a:r>
+              <a:rPr lang="en-US" altLang="zh-TW" dirty="0" err="1"/>
+              <a:t>SQuAD+spaCy</a:t>
+            </a:r>
+            <a:r>
+              <a:rPr lang="en-US" altLang="zh-TW" dirty="0"/>
+              <a:t>)</a:t>
             </a:r>
             <a:endParaRPr lang="zh-TW" altLang="en-US" dirty="0"/>
           </a:p>
@@ -5277,7 +5294,7 @@
           <p:cNvPr id="3" name="內容版面配置區 2">
             <a:extLst>
               <a:ext uri="{FF2B5EF4-FFF2-40B4-BE49-F238E27FC236}">
-                <a16:creationId xmlns:a16="http://schemas.microsoft.com/office/drawing/2014/main" id="{B1E0FCB0-CDD5-4978-A660-D0A1D88B836A}"/>
+                <a16:creationId xmlns:a16="http://schemas.microsoft.com/office/drawing/2014/main" id="{73A0045B-F87A-4893-83FE-4EDF497A1B8D}"/>
               </a:ext>
             </a:extLst>
           </p:cNvPr>
@@ -5290,243 +5307,191 @@
         </p:nvSpPr>
         <p:spPr>
           <a:xfrm>
-            <a:off x="792480" y="1173480"/>
-            <a:ext cx="10058400" cy="4741164"/>
+            <a:off x="1066800" y="1146048"/>
+            <a:ext cx="10058400" cy="4806696"/>
           </a:xfrm>
         </p:spPr>
         <p:txBody>
           <a:bodyPr>
-            <a:noAutofit/>
+            <a:normAutofit/>
           </a:bodyPr>
           <a:lstStyle/>
           <a:p>
             <a:r>
-              <a:rPr lang="en-US" altLang="zh-TW" sz="1800" dirty="0"/>
-              <a:t>Text = Attending to the </a:t>
-            </a:r>
-            <a:r>
-              <a:rPr lang="en-US" altLang="zh-TW" sz="1800" dirty="0">
-                <a:solidFill>
-                  <a:schemeClr val="accent2"/>
-                </a:solidFill>
-              </a:rPr>
-              <a:t>Baghdad</a:t>
-            </a:r>
-            <a:r>
-              <a:rPr lang="en-US" altLang="zh-TW" sz="1800" dirty="0"/>
-              <a:t> church where he works as a caretaker, </a:t>
-            </a:r>
-            <a:r>
-              <a:rPr lang="en-US" altLang="zh-TW" sz="1800" dirty="0" err="1">
-                <a:solidFill>
-                  <a:schemeClr val="accent2"/>
-                </a:solidFill>
-              </a:rPr>
-              <a:t>Natiq</a:t>
-            </a:r>
-            <a:r>
-              <a:rPr lang="en-US" altLang="zh-TW" sz="1800" dirty="0">
-                <a:solidFill>
-                  <a:schemeClr val="accent2"/>
-                </a:solidFill>
-              </a:rPr>
-              <a:t> Anwar </a:t>
-            </a:r>
-            <a:r>
-              <a:rPr lang="en-US" altLang="zh-TW" sz="1800" dirty="0"/>
-              <a:t>relives the most horrific experience of his life each and every </a:t>
-            </a:r>
-            <a:r>
-              <a:rPr lang="en-US" altLang="zh-TW" sz="1800" dirty="0" err="1">
-                <a:solidFill>
-                  <a:schemeClr val="accent2"/>
-                </a:solidFill>
-              </a:rPr>
-              <a:t>day</a:t>
-            </a:r>
-            <a:r>
-              <a:rPr lang="en-US" altLang="zh-TW" sz="1800" dirty="0" err="1"/>
-              <a:t>.Near</a:t>
-            </a:r>
-            <a:r>
-              <a:rPr lang="en-US" altLang="zh-TW" sz="1800" dirty="0"/>
-              <a:t> the pew where the 66-year-old sits, a scattering of crimson tiles marks the places where churchgoers and clergy died </a:t>
-            </a:r>
-            <a:r>
-              <a:rPr lang="en-US" altLang="zh-TW" sz="1800" dirty="0">
-                <a:solidFill>
-                  <a:schemeClr val="accent2"/>
-                </a:solidFill>
-              </a:rPr>
-              <a:t>10</a:t>
-            </a:r>
-            <a:r>
-              <a:rPr lang="en-US" altLang="zh-TW" sz="1800" dirty="0"/>
-              <a:t> years </a:t>
-            </a:r>
-            <a:r>
-              <a:rPr lang="en-US" altLang="zh-TW" sz="1800" dirty="0" err="1"/>
-              <a:t>ago.The</a:t>
-            </a:r>
-            <a:r>
-              <a:rPr lang="en-US" altLang="zh-TW" sz="1800" dirty="0"/>
-              <a:t> sacristy, a tiny room next to the altar, is packed with bad memories. Dozens of worshipers sought refuge here as terrorists laid siege to the church. Many were gunned down, or killed by grenades, leaving behind blood-stained hand prints on the walls. </a:t>
-            </a:r>
-            <a:r>
-              <a:rPr lang="en-US" altLang="zh-TW" sz="1800" dirty="0" err="1">
-                <a:solidFill>
-                  <a:schemeClr val="accent2"/>
-                </a:solidFill>
-              </a:rPr>
-              <a:t>Natiq</a:t>
-            </a:r>
-            <a:r>
-              <a:rPr lang="en-US" altLang="zh-TW" sz="1800" dirty="0"/>
-              <a:t>, as well as his wife and child, were among </a:t>
-            </a:r>
-            <a:r>
-              <a:rPr lang="en-US" altLang="zh-TW" sz="1800" dirty="0" err="1"/>
-              <a:t>them.</a:t>
-            </a:r>
-            <a:r>
-              <a:rPr lang="en-US" altLang="zh-TW" sz="1800" dirty="0" err="1">
-                <a:solidFill>
-                  <a:schemeClr val="accent2"/>
-                </a:solidFill>
-              </a:rPr>
-              <a:t>Today</a:t>
-            </a:r>
-            <a:r>
-              <a:rPr lang="en-US" altLang="zh-TW" sz="1800" dirty="0"/>
-              <a:t>, Our Lady of Salvation Church is adorned with the engraved names of those who were murdered on that </a:t>
-            </a:r>
-            <a:r>
-              <a:rPr lang="en-US" altLang="zh-TW" sz="1800" dirty="0">
-                <a:solidFill>
-                  <a:schemeClr val="accent2"/>
-                </a:solidFill>
-              </a:rPr>
-              <a:t>day</a:t>
-            </a:r>
-            <a:r>
-              <a:rPr lang="en-US" altLang="zh-TW" sz="1800" dirty="0"/>
-              <a:t> -- 51 congregants and two </a:t>
-            </a:r>
-            <a:r>
-              <a:rPr lang="en-US" altLang="zh-TW" sz="1800" dirty="0" err="1"/>
-              <a:t>priests.The</a:t>
-            </a:r>
-            <a:r>
-              <a:rPr lang="en-US" altLang="zh-TW" sz="1800" dirty="0"/>
-              <a:t> attack left </a:t>
-            </a:r>
-            <a:r>
-              <a:rPr lang="en-US" altLang="zh-TW" sz="1800" dirty="0">
-                <a:solidFill>
-                  <a:schemeClr val="accent2"/>
-                </a:solidFill>
-              </a:rPr>
-              <a:t>Anwar</a:t>
-            </a:r>
-            <a:r>
-              <a:rPr lang="en-US" altLang="zh-TW" sz="1800" dirty="0"/>
-              <a:t> partially blinded, his right arm badly </a:t>
-            </a:r>
-            <a:r>
-              <a:rPr lang="en-US" altLang="zh-TW" sz="1800" dirty="0" err="1"/>
-              <a:t>injured.Eyes</a:t>
-            </a:r>
-            <a:r>
-              <a:rPr lang="en-US" altLang="zh-TW" sz="1800" dirty="0"/>
-              <a:t> half closed, he looks towards a new addition to the church: A white throne, positioned below a towering collage of the parish's martyrs. </a:t>
-            </a:r>
-            <a:r>
-              <a:rPr lang="en-US" altLang="zh-TW" sz="1800" dirty="0">
-                <a:solidFill>
-                  <a:schemeClr val="accent2"/>
-                </a:solidFill>
-              </a:rPr>
-              <a:t>Pope Francis </a:t>
-            </a:r>
-            <a:r>
-              <a:rPr lang="en-US" altLang="zh-TW" sz="1800" dirty="0"/>
-              <a:t>is set to deliver a speech here when he arrives in </a:t>
-            </a:r>
-            <a:r>
-              <a:rPr lang="en-US" altLang="zh-TW" sz="1800" dirty="0">
-                <a:solidFill>
-                  <a:schemeClr val="accent2"/>
-                </a:solidFill>
-              </a:rPr>
-              <a:t>Iraq</a:t>
-            </a:r>
-            <a:r>
-              <a:rPr lang="en-US" altLang="zh-TW" sz="1800" dirty="0"/>
+              <a:rPr lang="en-US" altLang="zh-TW" sz="2000" dirty="0"/>
+              <a:t>Text =</a:t>
+            </a:r>
+            <a:r>
+              <a:rPr lang="zh-TW" altLang="en-US" sz="2000" dirty="0"/>
+              <a:t> </a:t>
+            </a:r>
+            <a:r>
+              <a:rPr lang="en-US" altLang="zh-TW" sz="2000" dirty="0">
+                <a:solidFill>
+                  <a:srgbClr val="FF0000"/>
+                </a:solidFill>
+              </a:rPr>
+              <a:t>The US Food and Drug Administration</a:t>
+            </a:r>
+            <a:r>
+              <a:rPr lang="en-US" altLang="zh-TW" sz="2000" dirty="0"/>
               <a:t> on </a:t>
             </a:r>
             <a:r>
-              <a:rPr lang="en-US" altLang="zh-TW" sz="1800" dirty="0" err="1">
-                <a:solidFill>
-                  <a:schemeClr val="accent2"/>
+              <a:rPr lang="en-US" altLang="zh-TW" sz="2000" dirty="0">
+                <a:solidFill>
+                  <a:srgbClr val="FF0000"/>
                 </a:solidFill>
               </a:rPr>
               <a:t>Friday</a:t>
             </a:r>
             <a:r>
-              <a:rPr lang="en-US" altLang="zh-TW" sz="1800" dirty="0" err="1"/>
-              <a:t>."I'm</a:t>
-            </a:r>
-            <a:r>
-              <a:rPr lang="en-US" altLang="zh-TW" sz="1800" dirty="0"/>
-              <a:t> extremely happy. I'm very, very happy," </a:t>
-            </a:r>
-            <a:r>
-              <a:rPr lang="en-US" altLang="zh-TW" sz="1800" dirty="0">
-                <a:solidFill>
-                  <a:schemeClr val="accent2"/>
-                </a:solidFill>
-              </a:rPr>
-              <a:t>Anwar</a:t>
-            </a:r>
-            <a:r>
-              <a:rPr lang="en-US" altLang="zh-TW" sz="1800" dirty="0"/>
-              <a:t> said, looking ahead to the visit. Despite his effusive words, the caretaker looks slightly non-plussed. "I want to tell him to look after us," he added, "because the state doesn't look after </a:t>
-            </a:r>
-            <a:r>
-              <a:rPr lang="en-US" altLang="zh-TW" sz="1800" dirty="0" err="1"/>
-              <a:t>us."But</a:t>
-            </a:r>
-            <a:r>
-              <a:rPr lang="en-US" altLang="zh-TW" sz="1800" dirty="0"/>
-              <a:t> </a:t>
-            </a:r>
-            <a:r>
-              <a:rPr lang="en-US" altLang="zh-TW" sz="1800" dirty="0">
-                <a:solidFill>
-                  <a:schemeClr val="accent2"/>
-                </a:solidFill>
-              </a:rPr>
-              <a:t>Anwar</a:t>
-            </a:r>
-            <a:r>
-              <a:rPr lang="en-US" altLang="zh-TW" sz="1800" dirty="0"/>
-              <a:t> will not be among the small gathering of church members to greet the </a:t>
-            </a:r>
-            <a:r>
-              <a:rPr lang="en-US" altLang="zh-TW" sz="1800" dirty="0">
-                <a:solidFill>
-                  <a:schemeClr val="accent2"/>
-                </a:solidFill>
-              </a:rPr>
-              <a:t>Pontiff</a:t>
-            </a:r>
-            <a:r>
-              <a:rPr lang="en-US" altLang="zh-TW" sz="1800" dirty="0"/>
-              <a:t> here during his historic visit. Because of the pandemic, crowds are being kept away.</a:t>
-            </a:r>
-          </a:p>
-          <a:p>
-            <a:endParaRPr lang="zh-TW" altLang="en-US" sz="1800" dirty="0"/>
+              <a:rPr lang="en-US" altLang="zh-TW" sz="2000" dirty="0"/>
+              <a:t> said that people should not use </a:t>
+            </a:r>
+            <a:r>
+              <a:rPr lang="en-US" altLang="zh-TW" sz="2000" dirty="0">
+                <a:solidFill>
+                  <a:srgbClr val="FF0000"/>
+                </a:solidFill>
+              </a:rPr>
+              <a:t>ivermectin</a:t>
+            </a:r>
+            <a:r>
+              <a:rPr lang="en-US" altLang="zh-TW" sz="2000" dirty="0"/>
+              <a:t> to attempt to treat or prevent </a:t>
+            </a:r>
+            <a:r>
+              <a:rPr lang="en-US" altLang="zh-TW" sz="2000" dirty="0">
+                <a:solidFill>
+                  <a:srgbClr val="FF0000"/>
+                </a:solidFill>
+              </a:rPr>
+              <a:t>Covid-19</a:t>
+            </a:r>
+            <a:r>
+              <a:rPr lang="en-US" altLang="zh-TW" sz="2000" dirty="0"/>
+              <a:t>. The drug is typically used to treat </a:t>
+            </a:r>
+            <a:r>
+              <a:rPr lang="en-US" altLang="zh-TW" sz="2000" dirty="0">
+                <a:solidFill>
+                  <a:srgbClr val="FF0000"/>
+                </a:solidFill>
+              </a:rPr>
+              <a:t>parasites</a:t>
+            </a:r>
+            <a:r>
+              <a:rPr lang="en-US" altLang="zh-TW" sz="2000" dirty="0"/>
+              <a:t>, such as </a:t>
+            </a:r>
+            <a:r>
+              <a:rPr lang="en-US" altLang="zh-TW" sz="2000" dirty="0">
+                <a:solidFill>
+                  <a:srgbClr val="FF0000"/>
+                </a:solidFill>
+              </a:rPr>
+              <a:t>lice and </a:t>
+            </a:r>
+            <a:r>
+              <a:rPr lang="en-US" altLang="zh-TW" sz="2000" dirty="0" err="1">
+                <a:solidFill>
+                  <a:srgbClr val="FF0000"/>
+                </a:solidFill>
+              </a:rPr>
+              <a:t>scabies</a:t>
+            </a:r>
+            <a:r>
+              <a:rPr lang="en-US" altLang="zh-TW" sz="2000" dirty="0" err="1"/>
+              <a:t>."There</a:t>
+            </a:r>
+            <a:r>
+              <a:rPr lang="en-US" altLang="zh-TW" sz="2000" dirty="0"/>
+              <a:t> seems to be a growing interest in a drug called ivermectin to treat humans with </a:t>
+            </a:r>
+            <a:r>
+              <a:rPr lang="en-US" altLang="zh-TW" sz="2000" dirty="0">
+                <a:solidFill>
+                  <a:srgbClr val="FF0000"/>
+                </a:solidFill>
+              </a:rPr>
+              <a:t>COVID-19</a:t>
+            </a:r>
+            <a:r>
+              <a:rPr lang="en-US" altLang="zh-TW" sz="2000" dirty="0"/>
+              <a:t>. Ivermectin is often used in the </a:t>
+            </a:r>
+            <a:r>
+              <a:rPr lang="en-US" altLang="zh-TW" sz="2000" dirty="0">
+                <a:solidFill>
+                  <a:srgbClr val="FF0000"/>
+                </a:solidFill>
+              </a:rPr>
+              <a:t>U.S.</a:t>
+            </a:r>
+            <a:r>
+              <a:rPr lang="en-US" altLang="zh-TW" sz="2000" dirty="0"/>
+              <a:t> to treat or prevent parasites in animals. The </a:t>
+            </a:r>
+            <a:r>
+              <a:rPr lang="en-US" altLang="zh-TW" sz="2000" dirty="0">
+                <a:solidFill>
+                  <a:srgbClr val="FF0000"/>
+                </a:solidFill>
+              </a:rPr>
+              <a:t>FDA</a:t>
+            </a:r>
+            <a:r>
+              <a:rPr lang="en-US" altLang="zh-TW" sz="2000" dirty="0"/>
+              <a:t> has received multiple reports of patients who have required medical support and been hospitalized after self-medicating with ivermectin intended for </a:t>
+            </a:r>
+            <a:r>
+              <a:rPr lang="en-US" altLang="zh-TW" sz="2000" dirty="0">
+                <a:solidFill>
+                  <a:srgbClr val="FF0000"/>
+                </a:solidFill>
+              </a:rPr>
+              <a:t>horses</a:t>
+            </a:r>
+            <a:r>
+              <a:rPr lang="en-US" altLang="zh-TW" sz="2000" dirty="0"/>
+              <a:t>," the agency's announcement said on </a:t>
+            </a:r>
+            <a:r>
+              <a:rPr lang="en-US" altLang="zh-TW" sz="2000" dirty="0" err="1"/>
+              <a:t>Friday.The</a:t>
+            </a:r>
+            <a:r>
+              <a:rPr lang="en-US" altLang="zh-TW" sz="2000" dirty="0"/>
+              <a:t> announcement noted that the </a:t>
+            </a:r>
+            <a:r>
+              <a:rPr lang="en-US" altLang="zh-TW" sz="2000" dirty="0">
+                <a:solidFill>
+                  <a:srgbClr val="FF0000"/>
+                </a:solidFill>
+              </a:rPr>
+              <a:t>FDA</a:t>
+            </a:r>
+            <a:r>
+              <a:rPr lang="en-US" altLang="zh-TW" sz="2000" dirty="0"/>
+              <a:t> has not approved ivermectin to treat or prevent Covid-19 in humans and the drug is not an anti</a:t>
+            </a:r>
+            <a:r>
+              <a:rPr lang="en-US" altLang="zh-TW" sz="2000" dirty="0">
+                <a:solidFill>
+                  <a:srgbClr val="FF0000"/>
+                </a:solidFill>
+              </a:rPr>
+              <a:t>-viral</a:t>
+            </a:r>
+            <a:r>
+              <a:rPr lang="en-US" altLang="zh-TW" sz="2000" dirty="0"/>
+              <a:t> medication. </a:t>
+            </a:r>
+          </a:p>
+          <a:p>
+            <a:endParaRPr lang="zh-TW" altLang="en-US" sz="2000" dirty="0"/>
           </a:p>
         </p:txBody>
       </p:sp>
@@ -5535,7 +5500,7 @@
           <p:cNvPr id="4" name="日期版面配置區 3">
             <a:extLst>
               <a:ext uri="{FF2B5EF4-FFF2-40B4-BE49-F238E27FC236}">
-                <a16:creationId xmlns:a16="http://schemas.microsoft.com/office/drawing/2014/main" id="{EDE68752-682C-45BC-A0AC-4CCED83D1CD9}"/>
+                <a16:creationId xmlns:a16="http://schemas.microsoft.com/office/drawing/2014/main" id="{E6460A80-FEAB-4C74-A357-E212772A8F58}"/>
               </a:ext>
             </a:extLst>
           </p:cNvPr>
@@ -5554,7 +5519,7 @@
             <a:pPr rtl="0"/>
             <a:fld id="{CE847876-3A2B-49FA-B396-40048599C954}" type="datetime1">
               <a:rPr lang="zh-TW" altLang="en-US" smtClean="0"/>
-              <a:t>2021/3/7</a:t>
+              <a:t>2021/3/8</a:t>
             </a:fld>
             <a:endParaRPr lang="en-US"/>
           </a:p>
@@ -5563,7 +5528,7 @@
     </p:spTree>
     <p:extLst>
       <p:ext uri="{BB962C8B-B14F-4D97-AF65-F5344CB8AC3E}">
-        <p14:creationId xmlns:p14="http://schemas.microsoft.com/office/powerpoint/2010/main" val="3093352781"/>
+        <p14:creationId xmlns:p14="http://schemas.microsoft.com/office/powerpoint/2010/main" val="1718701095"/>
       </p:ext>
     </p:extLst>
   </p:cSld>
@@ -5595,7 +5560,7 @@
           <p:cNvPr id="2" name="標題 1">
             <a:extLst>
               <a:ext uri="{FF2B5EF4-FFF2-40B4-BE49-F238E27FC236}">
-                <a16:creationId xmlns:a16="http://schemas.microsoft.com/office/drawing/2014/main" id="{E7F56767-EA5C-4EE3-B495-0F1BC271BBCD}"/>
+                <a16:creationId xmlns:a16="http://schemas.microsoft.com/office/drawing/2014/main" id="{02224C6F-1EEB-4818-9E71-AD6BEDD1D213}"/>
               </a:ext>
             </a:extLst>
           </p:cNvPr>
@@ -5603,30 +5568,17 @@
             <a:spLocks noGrp="1"/>
           </p:cNvSpPr>
           <p:nvPr>
-            <p:ph type="title"/>
-          </p:nvPr>
-        </p:nvSpPr>
-        <p:spPr>
-          <a:xfrm>
-            <a:off x="1066800" y="499338"/>
-            <a:ext cx="10058400" cy="957606"/>
-          </a:xfrm>
-        </p:spPr>
+            <p:ph type="ctrTitle"/>
+          </p:nvPr>
+        </p:nvSpPr>
+        <p:spPr/>
         <p:txBody>
           <a:bodyPr/>
           <a:lstStyle/>
           <a:p>
             <a:r>
               <a:rPr lang="en-US" altLang="zh-TW" dirty="0"/>
-              <a:t>Result(</a:t>
-            </a:r>
-            <a:r>
-              <a:rPr lang="en-US" altLang="zh-TW" dirty="0" err="1"/>
-              <a:t>SQuAD+spacy</a:t>
-            </a:r>
-            <a:r>
-              <a:rPr lang="en-US" altLang="zh-TW" dirty="0"/>
-              <a:t>)</a:t>
+              <a:t>example3</a:t>
             </a:r>
             <a:endParaRPr lang="zh-TW" altLang="en-US" dirty="0"/>
           </a:p>
@@ -5634,10 +5586,10 @@
       </p:sp>
       <p:sp>
         <p:nvSpPr>
-          <p:cNvPr id="3" name="內容版面配置區 2">
+          <p:cNvPr id="3" name="副標題 2">
             <a:extLst>
               <a:ext uri="{FF2B5EF4-FFF2-40B4-BE49-F238E27FC236}">
-                <a16:creationId xmlns:a16="http://schemas.microsoft.com/office/drawing/2014/main" id="{B1E0FCB0-CDD5-4978-A660-D0A1D88B836A}"/>
+                <a16:creationId xmlns:a16="http://schemas.microsoft.com/office/drawing/2014/main" id="{E5E3CAFD-AA88-4668-A508-CC22707928AF}"/>
               </a:ext>
             </a:extLst>
           </p:cNvPr>
@@ -5645,385 +5597,15 @@
             <a:spLocks noGrp="1"/>
           </p:cNvSpPr>
           <p:nvPr>
-            <p:ph idx="1"/>
-          </p:nvPr>
-        </p:nvSpPr>
-        <p:spPr>
-          <a:xfrm>
-            <a:off x="792480" y="1173480"/>
-            <a:ext cx="10058400" cy="4741164"/>
-          </a:xfrm>
-        </p:spPr>
-        <p:txBody>
-          <a:bodyPr>
-            <a:noAutofit/>
-          </a:bodyPr>
+            <p:ph type="subTitle" idx="1"/>
+          </p:nvPr>
+        </p:nvSpPr>
+        <p:spPr/>
+        <p:txBody>
+          <a:bodyPr/>
           <a:lstStyle/>
           <a:p>
-            <a:r>
-              <a:rPr lang="en-US" altLang="zh-TW" sz="1800" dirty="0"/>
-              <a:t>Text = Attending to the </a:t>
-            </a:r>
-            <a:r>
-              <a:rPr lang="en-US" altLang="zh-TW" sz="1800" dirty="0">
-                <a:solidFill>
-                  <a:schemeClr val="accent2"/>
-                </a:solidFill>
-                <a:highlight>
-                  <a:srgbClr val="FFFF00"/>
-                </a:highlight>
-              </a:rPr>
-              <a:t>Baghdad</a:t>
-            </a:r>
-            <a:r>
-              <a:rPr lang="en-US" altLang="zh-TW" sz="1800" dirty="0">
-                <a:highlight>
-                  <a:srgbClr val="FFFF00"/>
-                </a:highlight>
-              </a:rPr>
-              <a:t> church </a:t>
-            </a:r>
-            <a:r>
-              <a:rPr lang="en-US" altLang="zh-TW" sz="1800" dirty="0"/>
-              <a:t>where he works as a caretaker, </a:t>
-            </a:r>
-            <a:r>
-              <a:rPr lang="en-US" altLang="zh-TW" sz="1800" dirty="0" err="1">
-                <a:solidFill>
-                  <a:schemeClr val="accent2"/>
-                </a:solidFill>
-                <a:highlight>
-                  <a:srgbClr val="FFFF00"/>
-                </a:highlight>
-              </a:rPr>
-              <a:t>Natiq</a:t>
-            </a:r>
-            <a:r>
-              <a:rPr lang="en-US" altLang="zh-TW" sz="1800" dirty="0">
-                <a:solidFill>
-                  <a:schemeClr val="accent2"/>
-                </a:solidFill>
-                <a:highlight>
-                  <a:srgbClr val="FFFF00"/>
-                </a:highlight>
-              </a:rPr>
-              <a:t> Anwar </a:t>
-            </a:r>
-            <a:r>
-              <a:rPr lang="en-US" altLang="zh-TW" sz="1800" dirty="0"/>
-              <a:t>relives the most horrific experience of his life </a:t>
-            </a:r>
-            <a:r>
-              <a:rPr lang="en-US" altLang="zh-TW" sz="1800" dirty="0">
-                <a:highlight>
-                  <a:srgbClr val="FFFF00"/>
-                </a:highlight>
-              </a:rPr>
-              <a:t>each</a:t>
-            </a:r>
-            <a:r>
-              <a:rPr lang="en-US" altLang="zh-TW" sz="1800" dirty="0"/>
-              <a:t> and </a:t>
-            </a:r>
-            <a:r>
-              <a:rPr lang="en-US" altLang="zh-TW" sz="1800" dirty="0">
-                <a:highlight>
-                  <a:srgbClr val="FFFF00"/>
-                </a:highlight>
-              </a:rPr>
-              <a:t>every </a:t>
-            </a:r>
-            <a:r>
-              <a:rPr lang="en-US" altLang="zh-TW" sz="1800" dirty="0" err="1">
-                <a:solidFill>
-                  <a:schemeClr val="accent2"/>
-                </a:solidFill>
-                <a:highlight>
-                  <a:srgbClr val="FFFF00"/>
-                </a:highlight>
-              </a:rPr>
-              <a:t>day</a:t>
-            </a:r>
-            <a:r>
-              <a:rPr lang="en-US" altLang="zh-TW" sz="1800" dirty="0" err="1"/>
-              <a:t>.Near</a:t>
-            </a:r>
-            <a:r>
-              <a:rPr lang="en-US" altLang="zh-TW" sz="1800" dirty="0"/>
-              <a:t> the pew where the </a:t>
-            </a:r>
-            <a:r>
-              <a:rPr lang="en-US" altLang="zh-TW" sz="1800" dirty="0">
-                <a:highlight>
-                  <a:srgbClr val="FFFF00"/>
-                </a:highlight>
-              </a:rPr>
-              <a:t>66-year-old</a:t>
-            </a:r>
-            <a:r>
-              <a:rPr lang="en-US" altLang="zh-TW" sz="1800" dirty="0"/>
-              <a:t> sits, a scattering of </a:t>
-            </a:r>
-            <a:r>
-              <a:rPr lang="en-US" altLang="zh-TW" sz="1800" dirty="0">
-                <a:highlight>
-                  <a:srgbClr val="FFFF00"/>
-                </a:highlight>
-              </a:rPr>
-              <a:t>crimson</a:t>
-            </a:r>
-            <a:r>
-              <a:rPr lang="en-US" altLang="zh-TW" sz="1800" dirty="0"/>
-              <a:t> tiles marks the places where churchgoers and clergy died </a:t>
-            </a:r>
-            <a:r>
-              <a:rPr lang="en-US" altLang="zh-TW" sz="1800" dirty="0">
-                <a:solidFill>
-                  <a:schemeClr val="accent2"/>
-                </a:solidFill>
-                <a:highlight>
-                  <a:srgbClr val="FFFF00"/>
-                </a:highlight>
-              </a:rPr>
-              <a:t>10</a:t>
-            </a:r>
-            <a:r>
-              <a:rPr lang="en-US" altLang="zh-TW" sz="1800" dirty="0">
-                <a:highlight>
-                  <a:srgbClr val="FFFF00"/>
-                </a:highlight>
-              </a:rPr>
-              <a:t> years </a:t>
-            </a:r>
-            <a:r>
-              <a:rPr lang="en-US" altLang="zh-TW" sz="1800" dirty="0" err="1">
-                <a:highlight>
-                  <a:srgbClr val="FFFF00"/>
-                </a:highlight>
-              </a:rPr>
-              <a:t>ago</a:t>
-            </a:r>
-            <a:r>
-              <a:rPr lang="en-US" altLang="zh-TW" sz="1800" dirty="0" err="1"/>
-              <a:t>.The</a:t>
-            </a:r>
-            <a:r>
-              <a:rPr lang="en-US" altLang="zh-TW" sz="1800" dirty="0"/>
-              <a:t> sacristy, a tiny room next to the altar, is packed with bad memories. Dozens of worshipers sought refuge here as terrorists laid siege to the church. Many were gunned down, or killed by grenades, leaving behind blood-stained hand prints on the walls. </a:t>
-            </a:r>
-            <a:r>
-              <a:rPr lang="en-US" altLang="zh-TW" sz="1800" dirty="0" err="1">
-                <a:solidFill>
-                  <a:schemeClr val="accent2"/>
-                </a:solidFill>
-              </a:rPr>
-              <a:t>Natiq</a:t>
-            </a:r>
-            <a:r>
-              <a:rPr lang="en-US" altLang="zh-TW" sz="1800" dirty="0"/>
-              <a:t>, as well as his wife and child, were among </a:t>
-            </a:r>
-            <a:r>
-              <a:rPr lang="en-US" altLang="zh-TW" sz="1800" dirty="0" err="1"/>
-              <a:t>them.</a:t>
-            </a:r>
-            <a:r>
-              <a:rPr lang="en-US" altLang="zh-TW" sz="1800" dirty="0" err="1">
-                <a:solidFill>
-                  <a:schemeClr val="accent2"/>
-                </a:solidFill>
-                <a:highlight>
-                  <a:srgbClr val="FFFF00"/>
-                </a:highlight>
-              </a:rPr>
-              <a:t>Today</a:t>
-            </a:r>
-            <a:r>
-              <a:rPr lang="en-US" altLang="zh-TW" sz="1800" dirty="0"/>
-              <a:t>, </a:t>
-            </a:r>
-            <a:r>
-              <a:rPr lang="en-US" altLang="zh-TW" sz="1800" dirty="0">
-                <a:highlight>
-                  <a:srgbClr val="FFFF00"/>
-                </a:highlight>
-              </a:rPr>
-              <a:t>Our Lady of Salvation Church</a:t>
-            </a:r>
-            <a:r>
-              <a:rPr lang="en-US" altLang="zh-TW" sz="1800" dirty="0"/>
-              <a:t> is adorned with the engraved names of those who were murdered on </a:t>
-            </a:r>
-            <a:r>
-              <a:rPr lang="en-US" altLang="zh-TW" sz="1800" dirty="0">
-                <a:highlight>
-                  <a:srgbClr val="FFFF00"/>
-                </a:highlight>
-              </a:rPr>
-              <a:t>that </a:t>
-            </a:r>
-            <a:r>
-              <a:rPr lang="en-US" altLang="zh-TW" sz="1800" dirty="0">
-                <a:solidFill>
-                  <a:schemeClr val="accent2"/>
-                </a:solidFill>
-                <a:highlight>
-                  <a:srgbClr val="FFFF00"/>
-                </a:highlight>
-              </a:rPr>
-              <a:t>day</a:t>
-            </a:r>
-            <a:r>
-              <a:rPr lang="en-US" altLang="zh-TW" sz="1800" dirty="0">
-                <a:highlight>
-                  <a:srgbClr val="FFFF00"/>
-                </a:highlight>
-              </a:rPr>
-              <a:t> -- 51 </a:t>
-            </a:r>
-            <a:r>
-              <a:rPr lang="en-US" altLang="zh-TW" sz="1800" dirty="0"/>
-              <a:t>congregants and </a:t>
-            </a:r>
-            <a:r>
-              <a:rPr lang="en-US" altLang="zh-TW" sz="1800" dirty="0">
-                <a:highlight>
-                  <a:srgbClr val="FFFF00"/>
-                </a:highlight>
-              </a:rPr>
-              <a:t>two</a:t>
-            </a:r>
-            <a:r>
-              <a:rPr lang="en-US" altLang="zh-TW" sz="1800" dirty="0"/>
-              <a:t> </a:t>
-            </a:r>
-            <a:r>
-              <a:rPr lang="en-US" altLang="zh-TW" sz="1800" dirty="0" err="1"/>
-              <a:t>priests.The</a:t>
-            </a:r>
-            <a:r>
-              <a:rPr lang="en-US" altLang="zh-TW" sz="1800" dirty="0"/>
-              <a:t> attack left </a:t>
-            </a:r>
-            <a:r>
-              <a:rPr lang="en-US" altLang="zh-TW" sz="1800" dirty="0">
-                <a:solidFill>
-                  <a:schemeClr val="accent2"/>
-                </a:solidFill>
-              </a:rPr>
-              <a:t>Anwar</a:t>
-            </a:r>
-            <a:r>
-              <a:rPr lang="en-US" altLang="zh-TW" sz="1800" dirty="0"/>
-              <a:t> partially blinded, his right arm badly </a:t>
-            </a:r>
-            <a:r>
-              <a:rPr lang="en-US" altLang="zh-TW" sz="1800" dirty="0" err="1"/>
-              <a:t>injured.Eyes</a:t>
-            </a:r>
-            <a:r>
-              <a:rPr lang="en-US" altLang="zh-TW" sz="1800" dirty="0"/>
-              <a:t> half closed, he looks towards a new addition to the church: A white throne, positioned below a towering collage of the parish's martyrs. </a:t>
-            </a:r>
-            <a:r>
-              <a:rPr lang="en-US" altLang="zh-TW" sz="1800" dirty="0">
-                <a:solidFill>
-                  <a:schemeClr val="accent2"/>
-                </a:solidFill>
-              </a:rPr>
-              <a:t>Pope Francis </a:t>
-            </a:r>
-            <a:r>
-              <a:rPr lang="en-US" altLang="zh-TW" sz="1800" dirty="0"/>
-              <a:t>is set to deliver a speech here when he arrives in </a:t>
-            </a:r>
-            <a:r>
-              <a:rPr lang="en-US" altLang="zh-TW" sz="1800" dirty="0">
-                <a:solidFill>
-                  <a:schemeClr val="accent2"/>
-                </a:solidFill>
-                <a:highlight>
-                  <a:srgbClr val="FFFF00"/>
-                </a:highlight>
-              </a:rPr>
-              <a:t>Iraq</a:t>
-            </a:r>
-            <a:r>
-              <a:rPr lang="en-US" altLang="zh-TW" sz="1800" dirty="0"/>
-              <a:t> on </a:t>
-            </a:r>
-            <a:r>
-              <a:rPr lang="en-US" altLang="zh-TW" sz="1800" dirty="0" err="1">
-                <a:solidFill>
-                  <a:schemeClr val="accent2"/>
-                </a:solidFill>
-                <a:highlight>
-                  <a:srgbClr val="FFFF00"/>
-                </a:highlight>
-              </a:rPr>
-              <a:t>Friday</a:t>
-            </a:r>
-            <a:r>
-              <a:rPr lang="en-US" altLang="zh-TW" sz="1800" dirty="0" err="1"/>
-              <a:t>."I'm</a:t>
-            </a:r>
-            <a:r>
-              <a:rPr lang="en-US" altLang="zh-TW" sz="1800" dirty="0"/>
-              <a:t> extremely happy. I'm very, very happy," </a:t>
-            </a:r>
-            <a:r>
-              <a:rPr lang="en-US" altLang="zh-TW" sz="1800" dirty="0">
-                <a:solidFill>
-                  <a:schemeClr val="accent2"/>
-                </a:solidFill>
-                <a:highlight>
-                  <a:srgbClr val="FFFF00"/>
-                </a:highlight>
-              </a:rPr>
-              <a:t>Anwar</a:t>
-            </a:r>
-            <a:r>
-              <a:rPr lang="en-US" altLang="zh-TW" sz="1800" dirty="0"/>
-              <a:t> said, looking ahead to the visit. Despite his effusive words, the caretaker looks slightly non-plussed. "I want to tell him to look after us," he added, "because the state doesn't look after </a:t>
-            </a:r>
-            <a:r>
-              <a:rPr lang="en-US" altLang="zh-TW" sz="1800" dirty="0" err="1"/>
-              <a:t>us."But</a:t>
-            </a:r>
-            <a:r>
-              <a:rPr lang="en-US" altLang="zh-TW" sz="1800" dirty="0"/>
-              <a:t> </a:t>
-            </a:r>
-            <a:r>
-              <a:rPr lang="en-US" altLang="zh-TW" sz="1800" dirty="0">
-                <a:solidFill>
-                  <a:schemeClr val="accent2"/>
-                </a:solidFill>
-              </a:rPr>
-              <a:t>Anwar</a:t>
-            </a:r>
-            <a:r>
-              <a:rPr lang="en-US" altLang="zh-TW" sz="1800" dirty="0"/>
-              <a:t> will not be among the small gathering of church members to greet the </a:t>
-            </a:r>
-            <a:r>
-              <a:rPr lang="en-US" altLang="zh-TW" sz="1800" dirty="0">
-                <a:solidFill>
-                  <a:schemeClr val="accent2"/>
-                </a:solidFill>
-                <a:highlight>
-                  <a:srgbClr val="FFFF00"/>
-                </a:highlight>
-              </a:rPr>
-              <a:t>Pontiff</a:t>
-            </a:r>
-            <a:r>
-              <a:rPr lang="en-US" altLang="zh-TW" sz="1800" dirty="0"/>
-              <a:t> here during his historic visit. Because of the pandemic, crowds are being kept away.</a:t>
-            </a:r>
-          </a:p>
-          <a:p>
-            <a:endParaRPr lang="zh-TW" altLang="en-US" sz="1800" dirty="0"/>
+            <a:endParaRPr lang="zh-TW" altLang="en-US"/>
           </a:p>
         </p:txBody>
       </p:sp>
@@ -6032,7 +5614,7 @@
           <p:cNvPr id="4" name="日期版面配置區 3">
             <a:extLst>
               <a:ext uri="{FF2B5EF4-FFF2-40B4-BE49-F238E27FC236}">
-                <a16:creationId xmlns:a16="http://schemas.microsoft.com/office/drawing/2014/main" id="{EDE68752-682C-45BC-A0AC-4CCED83D1CD9}"/>
+                <a16:creationId xmlns:a16="http://schemas.microsoft.com/office/drawing/2014/main" id="{9DD10169-5EB9-4392-A922-9B1244FD870E}"/>
               </a:ext>
             </a:extLst>
           </p:cNvPr>
@@ -6048,19 +5630,18 @@
           <a:bodyPr/>
           <a:lstStyle/>
           <a:p>
-            <a:pPr rtl="0"/>
-            <a:fld id="{CE847876-3A2B-49FA-B396-40048599C954}" type="datetime1">
+            <a:fld id="{4D9EAB54-90A7-4427-8D5D-1517AC1256FE}" type="datetime1">
               <a:rPr lang="zh-TW" altLang="en-US" smtClean="0"/>
-              <a:t>2021/3/7</a:t>
+              <a:t>2021/3/8</a:t>
             </a:fld>
-            <a:endParaRPr lang="en-US"/>
+            <a:endParaRPr lang="en-US" dirty="0"/>
           </a:p>
         </p:txBody>
       </p:sp>
     </p:spTree>
     <p:extLst>
       <p:ext uri="{BB962C8B-B14F-4D97-AF65-F5344CB8AC3E}">
-        <p14:creationId xmlns:p14="http://schemas.microsoft.com/office/powerpoint/2010/main" val="3745006435"/>
+        <p14:creationId xmlns:p14="http://schemas.microsoft.com/office/powerpoint/2010/main" val="1471984750"/>
       </p:ext>
     </p:extLst>
   </p:cSld>
@@ -6092,6 +5673,1977 @@
           <p:cNvPr id="2" name="標題 1">
             <a:extLst>
               <a:ext uri="{FF2B5EF4-FFF2-40B4-BE49-F238E27FC236}">
+                <a16:creationId xmlns:a16="http://schemas.microsoft.com/office/drawing/2014/main" id="{94A2B766-5CDB-4599-B3DA-B53268F41928}"/>
+              </a:ext>
+            </a:extLst>
+          </p:cNvPr>
+          <p:cNvSpPr>
+            <a:spLocks noGrp="1"/>
+          </p:cNvSpPr>
+          <p:nvPr>
+            <p:ph type="title"/>
+          </p:nvPr>
+        </p:nvSpPr>
+        <p:spPr>
+          <a:xfrm>
+            <a:off x="1066800" y="642594"/>
+            <a:ext cx="10058400" cy="952526"/>
+          </a:xfrm>
+        </p:spPr>
+        <p:txBody>
+          <a:bodyPr/>
+          <a:lstStyle/>
+          <a:p>
+            <a:r>
+              <a:rPr lang="en-US" altLang="zh-TW" dirty="0"/>
+              <a:t>Result (</a:t>
+            </a:r>
+            <a:r>
+              <a:rPr lang="en-US" altLang="zh-TW" dirty="0" err="1"/>
+              <a:t>SQuAD</a:t>
+            </a:r>
+            <a:r>
+              <a:rPr lang="en-US" altLang="zh-TW" dirty="0"/>
+              <a:t>)</a:t>
+            </a:r>
+            <a:endParaRPr lang="zh-TW" altLang="en-US" dirty="0"/>
+          </a:p>
+        </p:txBody>
+      </p:sp>
+      <p:sp>
+        <p:nvSpPr>
+          <p:cNvPr id="3" name="內容版面配置區 2">
+            <a:extLst>
+              <a:ext uri="{FF2B5EF4-FFF2-40B4-BE49-F238E27FC236}">
+                <a16:creationId xmlns:a16="http://schemas.microsoft.com/office/drawing/2014/main" id="{9A681B59-C9CA-4AA0-8ADB-E58654A2CABE}"/>
+              </a:ext>
+            </a:extLst>
+          </p:cNvPr>
+          <p:cNvSpPr>
+            <a:spLocks noGrp="1"/>
+          </p:cNvSpPr>
+          <p:nvPr>
+            <p:ph idx="1"/>
+          </p:nvPr>
+        </p:nvSpPr>
+        <p:spPr>
+          <a:xfrm>
+            <a:off x="1066800" y="1463040"/>
+            <a:ext cx="10058400" cy="4489704"/>
+          </a:xfrm>
+        </p:spPr>
+        <p:txBody>
+          <a:bodyPr>
+            <a:normAutofit/>
+          </a:bodyPr>
+          <a:lstStyle/>
+          <a:p>
+            <a:r>
+              <a:rPr lang="en-US" altLang="zh-TW" sz="2000" dirty="0"/>
+              <a:t>Text = In January, the National Institutes of Health's Treatment Guidelines Panel said that there is not enough data to recommend for or against the drug to treat Covid-19 </a:t>
+            </a:r>
+            <a:r>
+              <a:rPr lang="en-US" altLang="zh-TW" sz="2000" dirty="0" err="1"/>
+              <a:t>patients.In</a:t>
+            </a:r>
+            <a:r>
+              <a:rPr lang="en-US" altLang="zh-TW" sz="2000" dirty="0"/>
+              <a:t> the JAMA study based in </a:t>
+            </a:r>
+            <a:r>
+              <a:rPr lang="en-US" altLang="zh-TW" sz="2000" dirty="0">
+                <a:solidFill>
+                  <a:srgbClr val="FF0000"/>
+                </a:solidFill>
+              </a:rPr>
+              <a:t>Cali</a:t>
+            </a:r>
+            <a:r>
+              <a:rPr lang="en-US" altLang="zh-TW" sz="2000" dirty="0"/>
+              <a:t>, Colombia, </a:t>
+            </a:r>
+            <a:r>
+              <a:rPr lang="en-US" altLang="zh-TW" sz="2000" dirty="0">
+                <a:solidFill>
+                  <a:srgbClr val="FF0000"/>
+                </a:solidFill>
+              </a:rPr>
+              <a:t>nearly 500</a:t>
+            </a:r>
+            <a:r>
+              <a:rPr lang="en-US" altLang="zh-TW" sz="2000" dirty="0"/>
+              <a:t> adults with mild disease who had symptoms for </a:t>
+            </a:r>
+            <a:r>
+              <a:rPr lang="en-US" altLang="zh-TW" sz="2000" dirty="0">
+                <a:solidFill>
+                  <a:srgbClr val="FF0000"/>
+                </a:solidFill>
+              </a:rPr>
+              <a:t>seven</a:t>
+            </a:r>
+            <a:r>
+              <a:rPr lang="en-US" altLang="zh-TW" sz="2000" dirty="0"/>
+              <a:t> days, volunteered to help test the drug. The trial is what's known as a double-blind randomized control trial, the gold-standard of </a:t>
+            </a:r>
+            <a:r>
+              <a:rPr lang="en-US" altLang="zh-TW" sz="2000" dirty="0" err="1"/>
+              <a:t>trials.Half</a:t>
+            </a:r>
+            <a:r>
+              <a:rPr lang="en-US" altLang="zh-TW" sz="2000" dirty="0"/>
+              <a:t> the volunteers received the drug for </a:t>
+            </a:r>
+            <a:r>
+              <a:rPr lang="en-US" altLang="zh-TW" sz="2000" dirty="0">
+                <a:solidFill>
+                  <a:srgbClr val="FF0000"/>
+                </a:solidFill>
+              </a:rPr>
+              <a:t>five</a:t>
+            </a:r>
+            <a:r>
+              <a:rPr lang="en-US" altLang="zh-TW" sz="2000" dirty="0"/>
+              <a:t> days, the other half got a placebo, and standard care. Patients were enrolled in the trial between July </a:t>
+            </a:r>
+            <a:r>
+              <a:rPr lang="en-US" altLang="zh-TW" sz="2000" dirty="0">
+                <a:solidFill>
+                  <a:srgbClr val="FF0000"/>
+                </a:solidFill>
+              </a:rPr>
+              <a:t>2020</a:t>
+            </a:r>
+            <a:r>
+              <a:rPr lang="en-US" altLang="zh-TW" sz="2000" dirty="0"/>
+              <a:t> and </a:t>
+            </a:r>
+            <a:r>
+              <a:rPr lang="en-US" altLang="zh-TW" sz="2000" dirty="0">
+                <a:solidFill>
+                  <a:srgbClr val="FF0000"/>
+                </a:solidFill>
+              </a:rPr>
+              <a:t>November 2020</a:t>
+            </a:r>
+            <a:r>
+              <a:rPr lang="en-US" altLang="zh-TW" sz="2000" dirty="0"/>
+              <a:t> and doctors followed up with them through December.</a:t>
+            </a:r>
+            <a:endParaRPr lang="zh-TW" altLang="en-US" sz="2000" dirty="0"/>
+          </a:p>
+        </p:txBody>
+      </p:sp>
+      <p:sp>
+        <p:nvSpPr>
+          <p:cNvPr id="4" name="日期版面配置區 3">
+            <a:extLst>
+              <a:ext uri="{FF2B5EF4-FFF2-40B4-BE49-F238E27FC236}">
+                <a16:creationId xmlns:a16="http://schemas.microsoft.com/office/drawing/2014/main" id="{5E652408-4941-4486-A0C3-BD0DDBEB31E9}"/>
+              </a:ext>
+            </a:extLst>
+          </p:cNvPr>
+          <p:cNvSpPr>
+            <a:spLocks noGrp="1"/>
+          </p:cNvSpPr>
+          <p:nvPr>
+            <p:ph type="dt" sz="half" idx="10"/>
+          </p:nvPr>
+        </p:nvSpPr>
+        <p:spPr/>
+        <p:txBody>
+          <a:bodyPr/>
+          <a:lstStyle/>
+          <a:p>
+            <a:pPr rtl="0"/>
+            <a:fld id="{CE847876-3A2B-49FA-B396-40048599C954}" type="datetime1">
+              <a:rPr lang="zh-TW" altLang="en-US" smtClean="0"/>
+              <a:t>2021/3/8</a:t>
+            </a:fld>
+            <a:endParaRPr lang="en-US"/>
+          </a:p>
+        </p:txBody>
+      </p:sp>
+    </p:spTree>
+    <p:extLst>
+      <p:ext uri="{BB962C8B-B14F-4D97-AF65-F5344CB8AC3E}">
+        <p14:creationId xmlns:p14="http://schemas.microsoft.com/office/powerpoint/2010/main" val="1391239810"/>
+      </p:ext>
+    </p:extLst>
+  </p:cSld>
+  <p:clrMapOvr>
+    <a:masterClrMapping/>
+  </p:clrMapOvr>
+</p:sld>
+</file>
+
+<file path=ppt/slides/slide13.xml><?xml version="1.0" encoding="utf-8"?>
+<p:sld xmlns:a="http://schemas.openxmlformats.org/drawingml/2006/main" xmlns:r="http://schemas.openxmlformats.org/officeDocument/2006/relationships" xmlns:p="http://schemas.openxmlformats.org/presentationml/2006/main">
+  <p:cSld>
+    <p:spTree>
+      <p:nvGrpSpPr>
+        <p:cNvPr id="1" name=""/>
+        <p:cNvGrpSpPr/>
+        <p:nvPr/>
+      </p:nvGrpSpPr>
+      <p:grpSpPr>
+        <a:xfrm>
+          <a:off x="0" y="0"/>
+          <a:ext cx="0" cy="0"/>
+          <a:chOff x="0" y="0"/>
+          <a:chExt cx="0" cy="0"/>
+        </a:xfrm>
+      </p:grpSpPr>
+      <p:sp>
+        <p:nvSpPr>
+          <p:cNvPr id="2" name="標題 1">
+            <a:extLst>
+              <a:ext uri="{FF2B5EF4-FFF2-40B4-BE49-F238E27FC236}">
+                <a16:creationId xmlns:a16="http://schemas.microsoft.com/office/drawing/2014/main" id="{94A2B766-5CDB-4599-B3DA-B53268F41928}"/>
+              </a:ext>
+            </a:extLst>
+          </p:cNvPr>
+          <p:cNvSpPr>
+            <a:spLocks noGrp="1"/>
+          </p:cNvSpPr>
+          <p:nvPr>
+            <p:ph type="title"/>
+          </p:nvPr>
+        </p:nvSpPr>
+        <p:spPr>
+          <a:xfrm>
+            <a:off x="1066800" y="642594"/>
+            <a:ext cx="10058400" cy="952526"/>
+          </a:xfrm>
+        </p:spPr>
+        <p:txBody>
+          <a:bodyPr/>
+          <a:lstStyle/>
+          <a:p>
+            <a:r>
+              <a:rPr lang="en-US" altLang="zh-TW" dirty="0"/>
+              <a:t>Result (</a:t>
+            </a:r>
+            <a:r>
+              <a:rPr lang="en-US" altLang="zh-TW" dirty="0" err="1"/>
+              <a:t>spaCy</a:t>
+            </a:r>
+            <a:r>
+              <a:rPr lang="en-US" altLang="zh-TW" dirty="0"/>
+              <a:t>)</a:t>
+            </a:r>
+            <a:endParaRPr lang="zh-TW" altLang="en-US" dirty="0"/>
+          </a:p>
+        </p:txBody>
+      </p:sp>
+      <p:sp>
+        <p:nvSpPr>
+          <p:cNvPr id="3" name="內容版面配置區 2">
+            <a:extLst>
+              <a:ext uri="{FF2B5EF4-FFF2-40B4-BE49-F238E27FC236}">
+                <a16:creationId xmlns:a16="http://schemas.microsoft.com/office/drawing/2014/main" id="{9A681B59-C9CA-4AA0-8ADB-E58654A2CABE}"/>
+              </a:ext>
+            </a:extLst>
+          </p:cNvPr>
+          <p:cNvSpPr>
+            <a:spLocks noGrp="1"/>
+          </p:cNvSpPr>
+          <p:nvPr>
+            <p:ph idx="1"/>
+          </p:nvPr>
+        </p:nvSpPr>
+        <p:spPr>
+          <a:xfrm>
+            <a:off x="1066800" y="1463040"/>
+            <a:ext cx="10058400" cy="4489704"/>
+          </a:xfrm>
+        </p:spPr>
+        <p:txBody>
+          <a:bodyPr>
+            <a:normAutofit/>
+          </a:bodyPr>
+          <a:lstStyle/>
+          <a:p>
+            <a:r>
+              <a:rPr lang="en-US" altLang="zh-TW" sz="2000" dirty="0"/>
+              <a:t>Text = In </a:t>
+            </a:r>
+            <a:r>
+              <a:rPr lang="en-US" altLang="zh-TW" sz="2000" dirty="0">
+                <a:solidFill>
+                  <a:srgbClr val="FF0000"/>
+                </a:solidFill>
+              </a:rPr>
+              <a:t>January</a:t>
+            </a:r>
+            <a:r>
+              <a:rPr lang="en-US" altLang="zh-TW" sz="2000" dirty="0"/>
+              <a:t>, the </a:t>
+            </a:r>
+            <a:r>
+              <a:rPr lang="en-US" altLang="zh-TW" sz="2000" dirty="0">
+                <a:solidFill>
+                  <a:srgbClr val="FF0000"/>
+                </a:solidFill>
+              </a:rPr>
+              <a:t>National Institutes of Health's Treatment Guidelines Panel </a:t>
+            </a:r>
+            <a:r>
+              <a:rPr lang="en-US" altLang="zh-TW" sz="2000" dirty="0"/>
+              <a:t>said that there is not enough data to recommend for or against the drug to treat Covid-19 </a:t>
+            </a:r>
+            <a:r>
+              <a:rPr lang="en-US" altLang="zh-TW" sz="2000" dirty="0" err="1"/>
+              <a:t>patients.In</a:t>
+            </a:r>
+            <a:r>
+              <a:rPr lang="en-US" altLang="zh-TW" sz="2000" dirty="0"/>
+              <a:t> the </a:t>
+            </a:r>
+            <a:r>
+              <a:rPr lang="en-US" altLang="zh-TW" sz="2000" dirty="0">
+                <a:solidFill>
+                  <a:srgbClr val="FF0000"/>
+                </a:solidFill>
+              </a:rPr>
+              <a:t>JAMA</a:t>
+            </a:r>
+            <a:r>
+              <a:rPr lang="en-US" altLang="zh-TW" sz="2000" dirty="0"/>
+              <a:t> study based in </a:t>
+            </a:r>
+            <a:r>
+              <a:rPr lang="en-US" altLang="zh-TW" sz="2000" dirty="0">
+                <a:solidFill>
+                  <a:srgbClr val="FF0000"/>
+                </a:solidFill>
+              </a:rPr>
+              <a:t>Cali</a:t>
+            </a:r>
+            <a:r>
+              <a:rPr lang="en-US" altLang="zh-TW" sz="2000" dirty="0"/>
+              <a:t>, </a:t>
+            </a:r>
+            <a:r>
+              <a:rPr lang="en-US" altLang="zh-TW" sz="2000" dirty="0">
+                <a:solidFill>
+                  <a:srgbClr val="FF0000"/>
+                </a:solidFill>
+              </a:rPr>
+              <a:t>Colombia</a:t>
+            </a:r>
+            <a:r>
+              <a:rPr lang="en-US" altLang="zh-TW" sz="2000" dirty="0"/>
+              <a:t>, nearly 500 adults with mild disease who had symptoms for </a:t>
+            </a:r>
+            <a:r>
+              <a:rPr lang="en-US" altLang="zh-TW" sz="2000" dirty="0">
+                <a:solidFill>
+                  <a:srgbClr val="FF0000"/>
+                </a:solidFill>
+              </a:rPr>
+              <a:t>seven </a:t>
+            </a:r>
+            <a:r>
+              <a:rPr lang="en-US" altLang="zh-TW" sz="2000" dirty="0"/>
+              <a:t>days, volunteered to help test the drug. The trial is what's known as a double-blind randomized control trial, the gold-standard of </a:t>
+            </a:r>
+            <a:r>
+              <a:rPr lang="en-US" altLang="zh-TW" sz="2000" dirty="0" err="1"/>
+              <a:t>trials.Half</a:t>
+            </a:r>
+            <a:r>
+              <a:rPr lang="en-US" altLang="zh-TW" sz="2000" dirty="0"/>
+              <a:t> the volunteers received the drug for </a:t>
+            </a:r>
+            <a:r>
+              <a:rPr lang="en-US" altLang="zh-TW" sz="2000" dirty="0">
+                <a:solidFill>
+                  <a:srgbClr val="FF0000"/>
+                </a:solidFill>
+              </a:rPr>
+              <a:t>five </a:t>
+            </a:r>
+            <a:r>
+              <a:rPr lang="en-US" altLang="zh-TW" sz="2000" dirty="0"/>
+              <a:t>days, the other half got a placebo, and standard care. Patients were enrolled in the trial </a:t>
+            </a:r>
+            <a:r>
+              <a:rPr lang="en-US" altLang="zh-TW" sz="2000" dirty="0">
+                <a:solidFill>
+                  <a:srgbClr val="FF0000"/>
+                </a:solidFill>
+              </a:rPr>
+              <a:t>between July 2020 and November 2020</a:t>
+            </a:r>
+            <a:r>
+              <a:rPr lang="en-US" altLang="zh-TW" sz="2000" dirty="0"/>
+              <a:t> and doctors followed up with them </a:t>
+            </a:r>
+            <a:r>
+              <a:rPr lang="en-US" altLang="zh-TW" sz="2000" dirty="0">
+                <a:solidFill>
+                  <a:schemeClr val="accent2"/>
+                </a:solidFill>
+              </a:rPr>
+              <a:t>through</a:t>
+            </a:r>
+            <a:r>
+              <a:rPr lang="en-US" altLang="zh-TW" sz="2000" dirty="0"/>
+              <a:t> </a:t>
+            </a:r>
+            <a:r>
+              <a:rPr lang="en-US" altLang="zh-TW" sz="2000" dirty="0">
+                <a:solidFill>
+                  <a:srgbClr val="FF0000"/>
+                </a:solidFill>
+              </a:rPr>
+              <a:t>December</a:t>
+            </a:r>
+            <a:r>
+              <a:rPr lang="en-US" altLang="zh-TW" sz="2000" dirty="0"/>
+              <a:t>.</a:t>
+            </a:r>
+            <a:endParaRPr lang="zh-TW" altLang="en-US" sz="2000" dirty="0"/>
+          </a:p>
+        </p:txBody>
+      </p:sp>
+      <p:sp>
+        <p:nvSpPr>
+          <p:cNvPr id="4" name="日期版面配置區 3">
+            <a:extLst>
+              <a:ext uri="{FF2B5EF4-FFF2-40B4-BE49-F238E27FC236}">
+                <a16:creationId xmlns:a16="http://schemas.microsoft.com/office/drawing/2014/main" id="{5E652408-4941-4486-A0C3-BD0DDBEB31E9}"/>
+              </a:ext>
+            </a:extLst>
+          </p:cNvPr>
+          <p:cNvSpPr>
+            <a:spLocks noGrp="1"/>
+          </p:cNvSpPr>
+          <p:nvPr>
+            <p:ph type="dt" sz="half" idx="10"/>
+          </p:nvPr>
+        </p:nvSpPr>
+        <p:spPr/>
+        <p:txBody>
+          <a:bodyPr/>
+          <a:lstStyle/>
+          <a:p>
+            <a:pPr rtl="0"/>
+            <a:fld id="{CE847876-3A2B-49FA-B396-40048599C954}" type="datetime1">
+              <a:rPr lang="zh-TW" altLang="en-US" smtClean="0"/>
+              <a:t>2021/3/8</a:t>
+            </a:fld>
+            <a:endParaRPr lang="en-US"/>
+          </a:p>
+        </p:txBody>
+      </p:sp>
+    </p:spTree>
+    <p:extLst>
+      <p:ext uri="{BB962C8B-B14F-4D97-AF65-F5344CB8AC3E}">
+        <p14:creationId xmlns:p14="http://schemas.microsoft.com/office/powerpoint/2010/main" val="2517168779"/>
+      </p:ext>
+    </p:extLst>
+  </p:cSld>
+  <p:clrMapOvr>
+    <a:masterClrMapping/>
+  </p:clrMapOvr>
+</p:sld>
+</file>
+
+<file path=ppt/slides/slide14.xml><?xml version="1.0" encoding="utf-8"?>
+<p:sld xmlns:a="http://schemas.openxmlformats.org/drawingml/2006/main" xmlns:r="http://schemas.openxmlformats.org/officeDocument/2006/relationships" xmlns:p="http://schemas.openxmlformats.org/presentationml/2006/main">
+  <p:cSld>
+    <p:spTree>
+      <p:nvGrpSpPr>
+        <p:cNvPr id="1" name=""/>
+        <p:cNvGrpSpPr/>
+        <p:nvPr/>
+      </p:nvGrpSpPr>
+      <p:grpSpPr>
+        <a:xfrm>
+          <a:off x="0" y="0"/>
+          <a:ext cx="0" cy="0"/>
+          <a:chOff x="0" y="0"/>
+          <a:chExt cx="0" cy="0"/>
+        </a:xfrm>
+      </p:grpSpPr>
+      <p:sp>
+        <p:nvSpPr>
+          <p:cNvPr id="2" name="標題 1">
+            <a:extLst>
+              <a:ext uri="{FF2B5EF4-FFF2-40B4-BE49-F238E27FC236}">
+                <a16:creationId xmlns:a16="http://schemas.microsoft.com/office/drawing/2014/main" id="{94A2B766-5CDB-4599-B3DA-B53268F41928}"/>
+              </a:ext>
+            </a:extLst>
+          </p:cNvPr>
+          <p:cNvSpPr>
+            <a:spLocks noGrp="1"/>
+          </p:cNvSpPr>
+          <p:nvPr>
+            <p:ph type="title"/>
+          </p:nvPr>
+        </p:nvSpPr>
+        <p:spPr>
+          <a:xfrm>
+            <a:off x="1066800" y="642594"/>
+            <a:ext cx="10058400" cy="952526"/>
+          </a:xfrm>
+        </p:spPr>
+        <p:txBody>
+          <a:bodyPr/>
+          <a:lstStyle/>
+          <a:p>
+            <a:r>
+              <a:rPr lang="en-US" altLang="zh-TW" dirty="0"/>
+              <a:t>Result (</a:t>
+            </a:r>
+            <a:r>
+              <a:rPr lang="en-US" altLang="zh-TW" dirty="0" err="1"/>
+              <a:t>SQuAD+spaCy</a:t>
+            </a:r>
+            <a:r>
+              <a:rPr lang="en-US" altLang="zh-TW" dirty="0"/>
+              <a:t>)</a:t>
+            </a:r>
+            <a:endParaRPr lang="zh-TW" altLang="en-US" dirty="0"/>
+          </a:p>
+        </p:txBody>
+      </p:sp>
+      <p:sp>
+        <p:nvSpPr>
+          <p:cNvPr id="3" name="內容版面配置區 2">
+            <a:extLst>
+              <a:ext uri="{FF2B5EF4-FFF2-40B4-BE49-F238E27FC236}">
+                <a16:creationId xmlns:a16="http://schemas.microsoft.com/office/drawing/2014/main" id="{9A681B59-C9CA-4AA0-8ADB-E58654A2CABE}"/>
+              </a:ext>
+            </a:extLst>
+          </p:cNvPr>
+          <p:cNvSpPr>
+            <a:spLocks noGrp="1"/>
+          </p:cNvSpPr>
+          <p:nvPr>
+            <p:ph idx="1"/>
+          </p:nvPr>
+        </p:nvSpPr>
+        <p:spPr>
+          <a:xfrm>
+            <a:off x="1066800" y="1463040"/>
+            <a:ext cx="10058400" cy="4489704"/>
+          </a:xfrm>
+        </p:spPr>
+        <p:txBody>
+          <a:bodyPr>
+            <a:normAutofit/>
+          </a:bodyPr>
+          <a:lstStyle/>
+          <a:p>
+            <a:r>
+              <a:rPr lang="en-US" altLang="zh-TW" sz="2000" dirty="0"/>
+              <a:t>Text = In </a:t>
+            </a:r>
+            <a:r>
+              <a:rPr lang="en-US" altLang="zh-TW" sz="2000" dirty="0">
+                <a:solidFill>
+                  <a:srgbClr val="FF0000"/>
+                </a:solidFill>
+              </a:rPr>
+              <a:t>January</a:t>
+            </a:r>
+            <a:r>
+              <a:rPr lang="en-US" altLang="zh-TW" sz="2000" dirty="0"/>
+              <a:t>, </a:t>
+            </a:r>
+            <a:r>
+              <a:rPr lang="en-US" altLang="zh-TW" sz="2000" dirty="0">
+                <a:solidFill>
+                  <a:srgbClr val="FF0000"/>
+                </a:solidFill>
+              </a:rPr>
+              <a:t>the National Institutes of Health's Treatment Guidelines Panel </a:t>
+            </a:r>
+            <a:r>
+              <a:rPr lang="en-US" altLang="zh-TW" sz="2000" dirty="0"/>
+              <a:t>said that there is not enough data to recommend for or against the drug to treat </a:t>
+            </a:r>
+            <a:r>
+              <a:rPr lang="en-US" altLang="zh-TW" sz="2000" dirty="0">
+                <a:solidFill>
+                  <a:srgbClr val="FF0000"/>
+                </a:solidFill>
+              </a:rPr>
+              <a:t>Covid-19</a:t>
+            </a:r>
+            <a:r>
+              <a:rPr lang="en-US" altLang="zh-TW" sz="2000" dirty="0"/>
+              <a:t> patients.</a:t>
+            </a:r>
+          </a:p>
+          <a:p>
+            <a:r>
+              <a:rPr lang="en-US" altLang="zh-TW" sz="2000" dirty="0"/>
+              <a:t>In the </a:t>
+            </a:r>
+            <a:r>
+              <a:rPr lang="en-US" altLang="zh-TW" sz="2000" dirty="0">
+                <a:solidFill>
+                  <a:srgbClr val="FF0000"/>
+                </a:solidFill>
+              </a:rPr>
+              <a:t>JAMA</a:t>
+            </a:r>
+            <a:r>
+              <a:rPr lang="en-US" altLang="zh-TW" sz="2000" dirty="0"/>
+              <a:t> study based in </a:t>
+            </a:r>
+            <a:r>
+              <a:rPr lang="en-US" altLang="zh-TW" sz="2000" dirty="0">
+                <a:solidFill>
+                  <a:srgbClr val="FF0000"/>
+                </a:solidFill>
+              </a:rPr>
+              <a:t>Cali</a:t>
+            </a:r>
+            <a:r>
+              <a:rPr lang="en-US" altLang="zh-TW" sz="2000" dirty="0"/>
+              <a:t>, </a:t>
+            </a:r>
+            <a:r>
+              <a:rPr lang="en-US" altLang="zh-TW" sz="2000" dirty="0">
+                <a:solidFill>
+                  <a:srgbClr val="FF0000"/>
+                </a:solidFill>
+              </a:rPr>
+              <a:t>Colombia</a:t>
+            </a:r>
+            <a:r>
+              <a:rPr lang="en-US" altLang="zh-TW" sz="2000" dirty="0"/>
+              <a:t>, </a:t>
+            </a:r>
+            <a:r>
+              <a:rPr lang="en-US" altLang="zh-TW" sz="2000" dirty="0">
+                <a:solidFill>
+                  <a:srgbClr val="FF0000"/>
+                </a:solidFill>
+              </a:rPr>
+              <a:t>nearly 500</a:t>
+            </a:r>
+            <a:r>
+              <a:rPr lang="en-US" altLang="zh-TW" sz="2000" dirty="0"/>
+              <a:t> adults with mild disease who had symptoms for </a:t>
+            </a:r>
+            <a:r>
+              <a:rPr lang="en-US" altLang="zh-TW" sz="2000" dirty="0">
+                <a:solidFill>
+                  <a:srgbClr val="FF0000"/>
+                </a:solidFill>
+              </a:rPr>
+              <a:t>seven days</a:t>
+            </a:r>
+            <a:r>
+              <a:rPr lang="en-US" altLang="zh-TW" sz="2000" dirty="0"/>
+              <a:t>, volunteered to help test the drug. The trial is what's known as a double-blind randomized control trial, the gold-standard of trials.</a:t>
+            </a:r>
+          </a:p>
+          <a:p>
+            <a:r>
+              <a:rPr lang="en-US" altLang="zh-TW" sz="2000" dirty="0">
+                <a:solidFill>
+                  <a:srgbClr val="FF0000"/>
+                </a:solidFill>
+              </a:rPr>
+              <a:t>Half</a:t>
+            </a:r>
+            <a:r>
+              <a:rPr lang="en-US" altLang="zh-TW" sz="2000" dirty="0"/>
+              <a:t> the volunteers received the drug for </a:t>
+            </a:r>
+            <a:r>
+              <a:rPr lang="en-US" altLang="zh-TW" sz="2000" dirty="0">
+                <a:solidFill>
+                  <a:srgbClr val="FF0000"/>
+                </a:solidFill>
+              </a:rPr>
+              <a:t>five days</a:t>
+            </a:r>
+            <a:r>
+              <a:rPr lang="en-US" altLang="zh-TW" sz="2000" dirty="0"/>
+              <a:t>, the other </a:t>
+            </a:r>
+            <a:r>
+              <a:rPr lang="en-US" altLang="zh-TW" sz="2000" dirty="0">
+                <a:solidFill>
+                  <a:srgbClr val="FF0000"/>
+                </a:solidFill>
+              </a:rPr>
+              <a:t>half</a:t>
+            </a:r>
+            <a:r>
+              <a:rPr lang="en-US" altLang="zh-TW" sz="2000" dirty="0"/>
+              <a:t> got a </a:t>
+            </a:r>
+            <a:r>
+              <a:rPr lang="en-US" altLang="zh-TW" sz="2000" dirty="0">
+                <a:solidFill>
+                  <a:srgbClr val="FF0000"/>
+                </a:solidFill>
+              </a:rPr>
+              <a:t>placebo</a:t>
+            </a:r>
+            <a:r>
+              <a:rPr lang="en-US" altLang="zh-TW" sz="2000" dirty="0"/>
+              <a:t>, and standard care. Patients were enrolled in the trial </a:t>
+            </a:r>
+            <a:r>
+              <a:rPr lang="en-US" altLang="zh-TW" sz="2000" dirty="0">
+                <a:solidFill>
+                  <a:srgbClr val="FF0000"/>
+                </a:solidFill>
+              </a:rPr>
+              <a:t>between July 2020 and November 2020</a:t>
+            </a:r>
+            <a:r>
+              <a:rPr lang="en-US" altLang="zh-TW" sz="2000" dirty="0"/>
+              <a:t> and doctors followed up with them through </a:t>
+            </a:r>
+            <a:r>
+              <a:rPr lang="en-US" altLang="zh-TW" sz="2000" dirty="0">
+                <a:solidFill>
+                  <a:srgbClr val="FF0000"/>
+                </a:solidFill>
+              </a:rPr>
+              <a:t>December</a:t>
+            </a:r>
+            <a:r>
+              <a:rPr lang="en-US" altLang="zh-TW" sz="2000" dirty="0"/>
+              <a:t>.</a:t>
+            </a:r>
+            <a:endParaRPr lang="zh-TW" altLang="en-US" sz="2000" dirty="0"/>
+          </a:p>
+        </p:txBody>
+      </p:sp>
+      <p:sp>
+        <p:nvSpPr>
+          <p:cNvPr id="4" name="日期版面配置區 3">
+            <a:extLst>
+              <a:ext uri="{FF2B5EF4-FFF2-40B4-BE49-F238E27FC236}">
+                <a16:creationId xmlns:a16="http://schemas.microsoft.com/office/drawing/2014/main" id="{5E652408-4941-4486-A0C3-BD0DDBEB31E9}"/>
+              </a:ext>
+            </a:extLst>
+          </p:cNvPr>
+          <p:cNvSpPr>
+            <a:spLocks noGrp="1"/>
+          </p:cNvSpPr>
+          <p:nvPr>
+            <p:ph type="dt" sz="half" idx="10"/>
+          </p:nvPr>
+        </p:nvSpPr>
+        <p:spPr/>
+        <p:txBody>
+          <a:bodyPr/>
+          <a:lstStyle/>
+          <a:p>
+            <a:pPr rtl="0"/>
+            <a:fld id="{CE847876-3A2B-49FA-B396-40048599C954}" type="datetime1">
+              <a:rPr lang="zh-TW" altLang="en-US" smtClean="0"/>
+              <a:t>2021/3/8</a:t>
+            </a:fld>
+            <a:endParaRPr lang="en-US"/>
+          </a:p>
+        </p:txBody>
+      </p:sp>
+    </p:spTree>
+    <p:extLst>
+      <p:ext uri="{BB962C8B-B14F-4D97-AF65-F5344CB8AC3E}">
+        <p14:creationId xmlns:p14="http://schemas.microsoft.com/office/powerpoint/2010/main" val="1724135615"/>
+      </p:ext>
+    </p:extLst>
+  </p:cSld>
+  <p:clrMapOvr>
+    <a:masterClrMapping/>
+  </p:clrMapOvr>
+</p:sld>
+</file>
+
+<file path=ppt/slides/slide15.xml><?xml version="1.0" encoding="utf-8"?>
+<p:sld xmlns:a="http://schemas.openxmlformats.org/drawingml/2006/main" xmlns:r="http://schemas.openxmlformats.org/officeDocument/2006/relationships" xmlns:p="http://schemas.openxmlformats.org/presentationml/2006/main">
+  <p:cSld>
+    <p:spTree>
+      <p:nvGrpSpPr>
+        <p:cNvPr id="1" name=""/>
+        <p:cNvGrpSpPr/>
+        <p:nvPr/>
+      </p:nvGrpSpPr>
+      <p:grpSpPr>
+        <a:xfrm>
+          <a:off x="0" y="0"/>
+          <a:ext cx="0" cy="0"/>
+          <a:chOff x="0" y="0"/>
+          <a:chExt cx="0" cy="0"/>
+        </a:xfrm>
+      </p:grpSpPr>
+      <p:sp>
+        <p:nvSpPr>
+          <p:cNvPr id="2" name="標題 1">
+            <a:extLst>
+              <a:ext uri="{FF2B5EF4-FFF2-40B4-BE49-F238E27FC236}">
+                <a16:creationId xmlns:a16="http://schemas.microsoft.com/office/drawing/2014/main" id="{28846EBA-3045-4AA6-B75C-BBF9DDEFA152}"/>
+              </a:ext>
+            </a:extLst>
+          </p:cNvPr>
+          <p:cNvSpPr>
+            <a:spLocks noGrp="1"/>
+          </p:cNvSpPr>
+          <p:nvPr>
+            <p:ph type="ctrTitle"/>
+          </p:nvPr>
+        </p:nvSpPr>
+        <p:spPr/>
+        <p:txBody>
+          <a:bodyPr/>
+          <a:lstStyle/>
+          <a:p>
+            <a:r>
+              <a:rPr lang="en-US" altLang="zh-TW" dirty="0"/>
+              <a:t>EXAMPLE4</a:t>
+            </a:r>
+            <a:endParaRPr lang="zh-TW" altLang="en-US" dirty="0"/>
+          </a:p>
+        </p:txBody>
+      </p:sp>
+      <p:sp>
+        <p:nvSpPr>
+          <p:cNvPr id="3" name="副標題 2">
+            <a:extLst>
+              <a:ext uri="{FF2B5EF4-FFF2-40B4-BE49-F238E27FC236}">
+                <a16:creationId xmlns:a16="http://schemas.microsoft.com/office/drawing/2014/main" id="{6FEAAA43-74A8-4F61-96BA-99484DE2927B}"/>
+              </a:ext>
+            </a:extLst>
+          </p:cNvPr>
+          <p:cNvSpPr>
+            <a:spLocks noGrp="1"/>
+          </p:cNvSpPr>
+          <p:nvPr>
+            <p:ph type="subTitle" idx="1"/>
+          </p:nvPr>
+        </p:nvSpPr>
+        <p:spPr/>
+        <p:txBody>
+          <a:bodyPr/>
+          <a:lstStyle/>
+          <a:p>
+            <a:endParaRPr lang="zh-TW" altLang="en-US"/>
+          </a:p>
+        </p:txBody>
+      </p:sp>
+      <p:sp>
+        <p:nvSpPr>
+          <p:cNvPr id="4" name="日期版面配置區 3">
+            <a:extLst>
+              <a:ext uri="{FF2B5EF4-FFF2-40B4-BE49-F238E27FC236}">
+                <a16:creationId xmlns:a16="http://schemas.microsoft.com/office/drawing/2014/main" id="{92A50E13-B59A-49DB-B447-75F63A78EC09}"/>
+              </a:ext>
+            </a:extLst>
+          </p:cNvPr>
+          <p:cNvSpPr>
+            <a:spLocks noGrp="1"/>
+          </p:cNvSpPr>
+          <p:nvPr>
+            <p:ph type="dt" sz="half" idx="10"/>
+          </p:nvPr>
+        </p:nvSpPr>
+        <p:spPr/>
+        <p:txBody>
+          <a:bodyPr/>
+          <a:lstStyle/>
+          <a:p>
+            <a:fld id="{4D9EAB54-90A7-4427-8D5D-1517AC1256FE}" type="datetime1">
+              <a:rPr lang="zh-TW" altLang="en-US" smtClean="0"/>
+              <a:t>2021/3/8</a:t>
+            </a:fld>
+            <a:endParaRPr lang="en-US" dirty="0"/>
+          </a:p>
+        </p:txBody>
+      </p:sp>
+    </p:spTree>
+    <p:extLst>
+      <p:ext uri="{BB962C8B-B14F-4D97-AF65-F5344CB8AC3E}">
+        <p14:creationId xmlns:p14="http://schemas.microsoft.com/office/powerpoint/2010/main" val="212837958"/>
+      </p:ext>
+    </p:extLst>
+  </p:cSld>
+  <p:clrMapOvr>
+    <a:masterClrMapping/>
+  </p:clrMapOvr>
+</p:sld>
+</file>
+
+<file path=ppt/slides/slide16.xml><?xml version="1.0" encoding="utf-8"?>
+<p:sld xmlns:a="http://schemas.openxmlformats.org/drawingml/2006/main" xmlns:r="http://schemas.openxmlformats.org/officeDocument/2006/relationships" xmlns:p="http://schemas.openxmlformats.org/presentationml/2006/main">
+  <p:cSld>
+    <p:spTree>
+      <p:nvGrpSpPr>
+        <p:cNvPr id="1" name=""/>
+        <p:cNvGrpSpPr/>
+        <p:nvPr/>
+      </p:nvGrpSpPr>
+      <p:grpSpPr>
+        <a:xfrm>
+          <a:off x="0" y="0"/>
+          <a:ext cx="0" cy="0"/>
+          <a:chOff x="0" y="0"/>
+          <a:chExt cx="0" cy="0"/>
+        </a:xfrm>
+      </p:grpSpPr>
+      <p:sp>
+        <p:nvSpPr>
+          <p:cNvPr id="2" name="標題 1">
+            <a:extLst>
+              <a:ext uri="{FF2B5EF4-FFF2-40B4-BE49-F238E27FC236}">
+                <a16:creationId xmlns:a16="http://schemas.microsoft.com/office/drawing/2014/main" id="{E7F56767-EA5C-4EE3-B495-0F1BC271BBCD}"/>
+              </a:ext>
+            </a:extLst>
+          </p:cNvPr>
+          <p:cNvSpPr>
+            <a:spLocks noGrp="1"/>
+          </p:cNvSpPr>
+          <p:nvPr>
+            <p:ph type="title"/>
+          </p:nvPr>
+        </p:nvSpPr>
+        <p:spPr>
+          <a:xfrm>
+            <a:off x="1066800" y="499338"/>
+            <a:ext cx="10058400" cy="957606"/>
+          </a:xfrm>
+        </p:spPr>
+        <p:txBody>
+          <a:bodyPr/>
+          <a:lstStyle/>
+          <a:p>
+            <a:r>
+              <a:rPr lang="en-US" altLang="zh-TW" dirty="0"/>
+              <a:t>Result(</a:t>
+            </a:r>
+            <a:r>
+              <a:rPr lang="en-US" altLang="zh-TW" dirty="0" err="1"/>
+              <a:t>SQuAD</a:t>
+            </a:r>
+            <a:r>
+              <a:rPr lang="en-US" altLang="zh-TW" dirty="0"/>
+              <a:t>)</a:t>
+            </a:r>
+            <a:endParaRPr lang="zh-TW" altLang="en-US" dirty="0"/>
+          </a:p>
+        </p:txBody>
+      </p:sp>
+      <p:sp>
+        <p:nvSpPr>
+          <p:cNvPr id="3" name="內容版面配置區 2">
+            <a:extLst>
+              <a:ext uri="{FF2B5EF4-FFF2-40B4-BE49-F238E27FC236}">
+                <a16:creationId xmlns:a16="http://schemas.microsoft.com/office/drawing/2014/main" id="{B1E0FCB0-CDD5-4978-A660-D0A1D88B836A}"/>
+              </a:ext>
+            </a:extLst>
+          </p:cNvPr>
+          <p:cNvSpPr>
+            <a:spLocks noGrp="1"/>
+          </p:cNvSpPr>
+          <p:nvPr>
+            <p:ph idx="1"/>
+          </p:nvPr>
+        </p:nvSpPr>
+        <p:spPr>
+          <a:xfrm>
+            <a:off x="792480" y="1173480"/>
+            <a:ext cx="10058400" cy="4741164"/>
+          </a:xfrm>
+        </p:spPr>
+        <p:txBody>
+          <a:bodyPr>
+            <a:noAutofit/>
+          </a:bodyPr>
+          <a:lstStyle/>
+          <a:p>
+            <a:r>
+              <a:rPr lang="en-US" altLang="zh-TW" sz="1800" dirty="0"/>
+              <a:t>Text = Attending to the Baghdad church where he works as a caretaker, </a:t>
+            </a:r>
+            <a:r>
+              <a:rPr lang="en-US" altLang="zh-TW" sz="1800" dirty="0" err="1">
+                <a:solidFill>
+                  <a:srgbClr val="FF0000"/>
+                </a:solidFill>
+              </a:rPr>
+              <a:t>Natiq</a:t>
+            </a:r>
+            <a:r>
+              <a:rPr lang="en-US" altLang="zh-TW" sz="1800" dirty="0">
+                <a:solidFill>
+                  <a:srgbClr val="FF0000"/>
+                </a:solidFill>
+              </a:rPr>
+              <a:t> Anwar </a:t>
+            </a:r>
+            <a:r>
+              <a:rPr lang="en-US" altLang="zh-TW" sz="1800" dirty="0"/>
+              <a:t>relives the most horrific experience of his life each and every </a:t>
+            </a:r>
+            <a:r>
+              <a:rPr lang="en-US" altLang="zh-TW" sz="1800" dirty="0" err="1"/>
+              <a:t>day.Near</a:t>
+            </a:r>
+            <a:r>
+              <a:rPr lang="en-US" altLang="zh-TW" sz="1800" dirty="0"/>
+              <a:t> the pew where the 66-year-old sits, a scattering of </a:t>
+            </a:r>
+            <a:r>
+              <a:rPr lang="en-US" altLang="zh-TW" sz="1800" dirty="0">
+                <a:solidFill>
+                  <a:srgbClr val="FF0000"/>
+                </a:solidFill>
+              </a:rPr>
+              <a:t>crimson</a:t>
+            </a:r>
+            <a:r>
+              <a:rPr lang="en-US" altLang="zh-TW" sz="1800" dirty="0"/>
+              <a:t> tiles marks the places where churchgoers and clergy died </a:t>
+            </a:r>
+            <a:r>
+              <a:rPr lang="en-US" altLang="zh-TW" sz="1800" dirty="0">
+                <a:solidFill>
+                  <a:srgbClr val="FF0000"/>
+                </a:solidFill>
+              </a:rPr>
+              <a:t>10 </a:t>
+            </a:r>
+            <a:r>
+              <a:rPr lang="en-US" altLang="zh-TW" sz="1800" dirty="0"/>
+              <a:t>years </a:t>
+            </a:r>
+            <a:r>
+              <a:rPr lang="en-US" altLang="zh-TW" sz="1800" dirty="0" err="1"/>
+              <a:t>ago.The</a:t>
+            </a:r>
+            <a:r>
+              <a:rPr lang="en-US" altLang="zh-TW" sz="1800" dirty="0"/>
+              <a:t> sacristy, a tiny room next to the altar, is packed with bad memories. Dozens of worshipers sought refuge here as terrorists laid siege to the church. Many were gunned down, or killed by grenades, leaving behind blood-stained hand prints on the walls. </a:t>
+            </a:r>
+            <a:r>
+              <a:rPr lang="en-US" altLang="zh-TW" sz="1800" dirty="0" err="1"/>
+              <a:t>Natiq</a:t>
+            </a:r>
+            <a:r>
+              <a:rPr lang="en-US" altLang="zh-TW" sz="1800" dirty="0"/>
+              <a:t>, as well as his wife and child, were among </a:t>
+            </a:r>
+            <a:r>
+              <a:rPr lang="en-US" altLang="zh-TW" sz="1800" dirty="0" err="1"/>
+              <a:t>them.Today</a:t>
+            </a:r>
+            <a:r>
+              <a:rPr lang="en-US" altLang="zh-TW" sz="1800" dirty="0"/>
+              <a:t>, Our Lady of Salvation Church is adorned with the engraved names of those who were murdered on that day -- 51 congregants and two </a:t>
+            </a:r>
+            <a:r>
+              <a:rPr lang="en-US" altLang="zh-TW" sz="1800" dirty="0" err="1"/>
+              <a:t>priests.The</a:t>
+            </a:r>
+            <a:r>
+              <a:rPr lang="en-US" altLang="zh-TW" sz="1800" dirty="0"/>
+              <a:t> attack left Anwar partially blinded, his right arm badly </a:t>
+            </a:r>
+            <a:r>
+              <a:rPr lang="en-US" altLang="zh-TW" sz="1800" dirty="0" err="1"/>
+              <a:t>injured.Eyes</a:t>
+            </a:r>
+            <a:r>
+              <a:rPr lang="en-US" altLang="zh-TW" sz="1800" dirty="0"/>
+              <a:t> half closed, he looks towards a new addition to the church: A white throne, positioned below a towering collage of the parish's martyrs. Pope </a:t>
+            </a:r>
+            <a:r>
+              <a:rPr lang="en-US" altLang="zh-TW" sz="1800" dirty="0">
+                <a:solidFill>
+                  <a:srgbClr val="FF0000"/>
+                </a:solidFill>
+              </a:rPr>
+              <a:t>Francis</a:t>
+            </a:r>
+            <a:r>
+              <a:rPr lang="en-US" altLang="zh-TW" sz="1800" dirty="0"/>
+              <a:t> is set to deliver a speech here when he arrives in Iraq on </a:t>
+            </a:r>
+            <a:r>
+              <a:rPr lang="en-US" altLang="zh-TW" sz="1800" dirty="0" err="1"/>
+              <a:t>Friday."I'm</a:t>
+            </a:r>
+            <a:r>
+              <a:rPr lang="en-US" altLang="zh-TW" sz="1800" dirty="0"/>
+              <a:t> extremely happy. I'm very, very happy," Anwar said, looking ahead to the visit. Despite his effusive words, the caretaker looks slightly non-plussed. "I want to tell him to look after us," he added, "because the state doesn't look after </a:t>
+            </a:r>
+            <a:r>
+              <a:rPr lang="en-US" altLang="zh-TW" sz="1800" dirty="0" err="1"/>
+              <a:t>us."But</a:t>
+            </a:r>
+            <a:r>
+              <a:rPr lang="en-US" altLang="zh-TW" sz="1800" dirty="0"/>
+              <a:t> Anwar will not be among the small gathering of church members to greet the Pontiff here during his historic visit. Because of the pandemic, crowds are being kept away.</a:t>
+            </a:r>
+          </a:p>
+          <a:p>
+            <a:endParaRPr lang="zh-TW" altLang="en-US" sz="1800" dirty="0"/>
+          </a:p>
+        </p:txBody>
+      </p:sp>
+      <p:sp>
+        <p:nvSpPr>
+          <p:cNvPr id="4" name="日期版面配置區 3">
+            <a:extLst>
+              <a:ext uri="{FF2B5EF4-FFF2-40B4-BE49-F238E27FC236}">
+                <a16:creationId xmlns:a16="http://schemas.microsoft.com/office/drawing/2014/main" id="{EDE68752-682C-45BC-A0AC-4CCED83D1CD9}"/>
+              </a:ext>
+            </a:extLst>
+          </p:cNvPr>
+          <p:cNvSpPr>
+            <a:spLocks noGrp="1"/>
+          </p:cNvSpPr>
+          <p:nvPr>
+            <p:ph type="dt" sz="half" idx="10"/>
+          </p:nvPr>
+        </p:nvSpPr>
+        <p:spPr/>
+        <p:txBody>
+          <a:bodyPr/>
+          <a:lstStyle/>
+          <a:p>
+            <a:pPr rtl="0"/>
+            <a:fld id="{CE847876-3A2B-49FA-B396-40048599C954}" type="datetime1">
+              <a:rPr lang="zh-TW" altLang="en-US" smtClean="0"/>
+              <a:t>2021/3/8</a:t>
+            </a:fld>
+            <a:endParaRPr lang="en-US"/>
+          </a:p>
+        </p:txBody>
+      </p:sp>
+    </p:spTree>
+    <p:extLst>
+      <p:ext uri="{BB962C8B-B14F-4D97-AF65-F5344CB8AC3E}">
+        <p14:creationId xmlns:p14="http://schemas.microsoft.com/office/powerpoint/2010/main" val="4139562817"/>
+      </p:ext>
+    </p:extLst>
+  </p:cSld>
+  <p:clrMapOvr>
+    <a:masterClrMapping/>
+  </p:clrMapOvr>
+</p:sld>
+</file>
+
+<file path=ppt/slides/slide17.xml><?xml version="1.0" encoding="utf-8"?>
+<p:sld xmlns:a="http://schemas.openxmlformats.org/drawingml/2006/main" xmlns:r="http://schemas.openxmlformats.org/officeDocument/2006/relationships" xmlns:p="http://schemas.openxmlformats.org/presentationml/2006/main">
+  <p:cSld>
+    <p:spTree>
+      <p:nvGrpSpPr>
+        <p:cNvPr id="1" name=""/>
+        <p:cNvGrpSpPr/>
+        <p:nvPr/>
+      </p:nvGrpSpPr>
+      <p:grpSpPr>
+        <a:xfrm>
+          <a:off x="0" y="0"/>
+          <a:ext cx="0" cy="0"/>
+          <a:chOff x="0" y="0"/>
+          <a:chExt cx="0" cy="0"/>
+        </a:xfrm>
+      </p:grpSpPr>
+      <p:sp>
+        <p:nvSpPr>
+          <p:cNvPr id="2" name="標題 1">
+            <a:extLst>
+              <a:ext uri="{FF2B5EF4-FFF2-40B4-BE49-F238E27FC236}">
+                <a16:creationId xmlns:a16="http://schemas.microsoft.com/office/drawing/2014/main" id="{E7F56767-EA5C-4EE3-B495-0F1BC271BBCD}"/>
+              </a:ext>
+            </a:extLst>
+          </p:cNvPr>
+          <p:cNvSpPr>
+            <a:spLocks noGrp="1"/>
+          </p:cNvSpPr>
+          <p:nvPr>
+            <p:ph type="title"/>
+          </p:nvPr>
+        </p:nvSpPr>
+        <p:spPr>
+          <a:xfrm>
+            <a:off x="1066800" y="499338"/>
+            <a:ext cx="10058400" cy="957606"/>
+          </a:xfrm>
+        </p:spPr>
+        <p:txBody>
+          <a:bodyPr/>
+          <a:lstStyle/>
+          <a:p>
+            <a:r>
+              <a:rPr lang="en-US" altLang="zh-TW" dirty="0"/>
+              <a:t>Result(spacy)</a:t>
+            </a:r>
+            <a:endParaRPr lang="zh-TW" altLang="en-US" dirty="0"/>
+          </a:p>
+        </p:txBody>
+      </p:sp>
+      <p:sp>
+        <p:nvSpPr>
+          <p:cNvPr id="3" name="內容版面配置區 2">
+            <a:extLst>
+              <a:ext uri="{FF2B5EF4-FFF2-40B4-BE49-F238E27FC236}">
+                <a16:creationId xmlns:a16="http://schemas.microsoft.com/office/drawing/2014/main" id="{B1E0FCB0-CDD5-4978-A660-D0A1D88B836A}"/>
+              </a:ext>
+            </a:extLst>
+          </p:cNvPr>
+          <p:cNvSpPr>
+            <a:spLocks noGrp="1"/>
+          </p:cNvSpPr>
+          <p:nvPr>
+            <p:ph idx="1"/>
+          </p:nvPr>
+        </p:nvSpPr>
+        <p:spPr>
+          <a:xfrm>
+            <a:off x="792480" y="1173480"/>
+            <a:ext cx="10058400" cy="4741164"/>
+          </a:xfrm>
+        </p:spPr>
+        <p:txBody>
+          <a:bodyPr>
+            <a:noAutofit/>
+          </a:bodyPr>
+          <a:lstStyle/>
+          <a:p>
+            <a:r>
+              <a:rPr lang="en-US" altLang="zh-TW" sz="1800" dirty="0"/>
+              <a:t>Text = Attending to the </a:t>
+            </a:r>
+            <a:r>
+              <a:rPr lang="en-US" altLang="zh-TW" sz="1800" dirty="0">
+                <a:solidFill>
+                  <a:schemeClr val="accent2"/>
+                </a:solidFill>
+              </a:rPr>
+              <a:t>Baghdad</a:t>
+            </a:r>
+            <a:r>
+              <a:rPr lang="en-US" altLang="zh-TW" sz="1800" dirty="0"/>
+              <a:t> church where he works as a caretaker, </a:t>
+            </a:r>
+            <a:r>
+              <a:rPr lang="en-US" altLang="zh-TW" sz="1800" dirty="0" err="1">
+                <a:solidFill>
+                  <a:schemeClr val="accent2"/>
+                </a:solidFill>
+              </a:rPr>
+              <a:t>Natiq</a:t>
+            </a:r>
+            <a:r>
+              <a:rPr lang="en-US" altLang="zh-TW" sz="1800" dirty="0">
+                <a:solidFill>
+                  <a:schemeClr val="accent2"/>
+                </a:solidFill>
+              </a:rPr>
+              <a:t> Anwar </a:t>
+            </a:r>
+            <a:r>
+              <a:rPr lang="en-US" altLang="zh-TW" sz="1800" dirty="0"/>
+              <a:t>relives the most horrific experience of his life each and every </a:t>
+            </a:r>
+            <a:r>
+              <a:rPr lang="en-US" altLang="zh-TW" sz="1800" dirty="0" err="1">
+                <a:solidFill>
+                  <a:schemeClr val="accent2"/>
+                </a:solidFill>
+              </a:rPr>
+              <a:t>day</a:t>
+            </a:r>
+            <a:r>
+              <a:rPr lang="en-US" altLang="zh-TW" sz="1800" dirty="0" err="1"/>
+              <a:t>.Near</a:t>
+            </a:r>
+            <a:r>
+              <a:rPr lang="en-US" altLang="zh-TW" sz="1800" dirty="0"/>
+              <a:t> the pew where the 66-year-old sits, a scattering of crimson tiles marks the places where churchgoers and clergy died </a:t>
+            </a:r>
+            <a:r>
+              <a:rPr lang="en-US" altLang="zh-TW" sz="1800" dirty="0">
+                <a:solidFill>
+                  <a:schemeClr val="accent2"/>
+                </a:solidFill>
+              </a:rPr>
+              <a:t>10</a:t>
+            </a:r>
+            <a:r>
+              <a:rPr lang="en-US" altLang="zh-TW" sz="1800" dirty="0"/>
+              <a:t> years </a:t>
+            </a:r>
+            <a:r>
+              <a:rPr lang="en-US" altLang="zh-TW" sz="1800" dirty="0" err="1"/>
+              <a:t>ago.The</a:t>
+            </a:r>
+            <a:r>
+              <a:rPr lang="en-US" altLang="zh-TW" sz="1800" dirty="0"/>
+              <a:t> sacristy, a tiny room next to the altar, is packed with bad memories. Dozens of worshipers sought refuge here as terrorists laid siege to the church. Many were gunned down, or killed by grenades, leaving behind blood-stained hand prints on the walls. </a:t>
+            </a:r>
+            <a:r>
+              <a:rPr lang="en-US" altLang="zh-TW" sz="1800" dirty="0" err="1">
+                <a:solidFill>
+                  <a:schemeClr val="accent2"/>
+                </a:solidFill>
+              </a:rPr>
+              <a:t>Natiq</a:t>
+            </a:r>
+            <a:r>
+              <a:rPr lang="en-US" altLang="zh-TW" sz="1800" dirty="0"/>
+              <a:t>, as well as his wife and child, were among </a:t>
+            </a:r>
+            <a:r>
+              <a:rPr lang="en-US" altLang="zh-TW" sz="1800" dirty="0" err="1"/>
+              <a:t>them.</a:t>
+            </a:r>
+            <a:r>
+              <a:rPr lang="en-US" altLang="zh-TW" sz="1800" dirty="0" err="1">
+                <a:solidFill>
+                  <a:schemeClr val="accent2"/>
+                </a:solidFill>
+              </a:rPr>
+              <a:t>Today</a:t>
+            </a:r>
+            <a:r>
+              <a:rPr lang="en-US" altLang="zh-TW" sz="1800" dirty="0"/>
+              <a:t>, Our Lady of Salvation Church is adorned with the engraved names of those who were murdered on that </a:t>
+            </a:r>
+            <a:r>
+              <a:rPr lang="en-US" altLang="zh-TW" sz="1800" dirty="0">
+                <a:solidFill>
+                  <a:schemeClr val="accent2"/>
+                </a:solidFill>
+              </a:rPr>
+              <a:t>day</a:t>
+            </a:r>
+            <a:r>
+              <a:rPr lang="en-US" altLang="zh-TW" sz="1800" dirty="0"/>
+              <a:t> -- 51 congregants and two </a:t>
+            </a:r>
+            <a:r>
+              <a:rPr lang="en-US" altLang="zh-TW" sz="1800" dirty="0" err="1"/>
+              <a:t>priests.The</a:t>
+            </a:r>
+            <a:r>
+              <a:rPr lang="en-US" altLang="zh-TW" sz="1800" dirty="0"/>
+              <a:t> attack left </a:t>
+            </a:r>
+            <a:r>
+              <a:rPr lang="en-US" altLang="zh-TW" sz="1800" dirty="0">
+                <a:solidFill>
+                  <a:schemeClr val="accent2"/>
+                </a:solidFill>
+              </a:rPr>
+              <a:t>Anwar</a:t>
+            </a:r>
+            <a:r>
+              <a:rPr lang="en-US" altLang="zh-TW" sz="1800" dirty="0"/>
+              <a:t> partially blinded, his right arm badly </a:t>
+            </a:r>
+            <a:r>
+              <a:rPr lang="en-US" altLang="zh-TW" sz="1800" dirty="0" err="1"/>
+              <a:t>injured.Eyes</a:t>
+            </a:r>
+            <a:r>
+              <a:rPr lang="en-US" altLang="zh-TW" sz="1800" dirty="0"/>
+              <a:t> half closed, he looks towards a new addition to the church: A white throne, positioned below a towering collage of the parish's martyrs. </a:t>
+            </a:r>
+            <a:r>
+              <a:rPr lang="en-US" altLang="zh-TW" sz="1800" dirty="0">
+                <a:solidFill>
+                  <a:schemeClr val="accent2"/>
+                </a:solidFill>
+              </a:rPr>
+              <a:t>Pope Francis </a:t>
+            </a:r>
+            <a:r>
+              <a:rPr lang="en-US" altLang="zh-TW" sz="1800" dirty="0"/>
+              <a:t>is set to deliver a speech here when he arrives in </a:t>
+            </a:r>
+            <a:r>
+              <a:rPr lang="en-US" altLang="zh-TW" sz="1800" dirty="0">
+                <a:solidFill>
+                  <a:schemeClr val="accent2"/>
+                </a:solidFill>
+              </a:rPr>
+              <a:t>Iraq</a:t>
+            </a:r>
+            <a:r>
+              <a:rPr lang="en-US" altLang="zh-TW" sz="1800" dirty="0"/>
+              <a:t> on </a:t>
+            </a:r>
+            <a:r>
+              <a:rPr lang="en-US" altLang="zh-TW" sz="1800" dirty="0" err="1">
+                <a:solidFill>
+                  <a:schemeClr val="accent2"/>
+                </a:solidFill>
+              </a:rPr>
+              <a:t>Friday</a:t>
+            </a:r>
+            <a:r>
+              <a:rPr lang="en-US" altLang="zh-TW" sz="1800" dirty="0" err="1"/>
+              <a:t>."I'm</a:t>
+            </a:r>
+            <a:r>
+              <a:rPr lang="en-US" altLang="zh-TW" sz="1800" dirty="0"/>
+              <a:t> extremely happy. I'm very, very happy," </a:t>
+            </a:r>
+            <a:r>
+              <a:rPr lang="en-US" altLang="zh-TW" sz="1800" dirty="0">
+                <a:solidFill>
+                  <a:schemeClr val="accent2"/>
+                </a:solidFill>
+              </a:rPr>
+              <a:t>Anwar</a:t>
+            </a:r>
+            <a:r>
+              <a:rPr lang="en-US" altLang="zh-TW" sz="1800" dirty="0"/>
+              <a:t> said, looking ahead to the visit. Despite his effusive words, the caretaker looks slightly non-plussed. "I want to tell him to look after us," he added, "because the state doesn't look after </a:t>
+            </a:r>
+            <a:r>
+              <a:rPr lang="en-US" altLang="zh-TW" sz="1800" dirty="0" err="1"/>
+              <a:t>us."But</a:t>
+            </a:r>
+            <a:r>
+              <a:rPr lang="en-US" altLang="zh-TW" sz="1800" dirty="0"/>
+              <a:t> </a:t>
+            </a:r>
+            <a:r>
+              <a:rPr lang="en-US" altLang="zh-TW" sz="1800" dirty="0">
+                <a:solidFill>
+                  <a:schemeClr val="accent2"/>
+                </a:solidFill>
+              </a:rPr>
+              <a:t>Anwar</a:t>
+            </a:r>
+            <a:r>
+              <a:rPr lang="en-US" altLang="zh-TW" sz="1800" dirty="0"/>
+              <a:t> will not be among the small gathering of church members to greet the </a:t>
+            </a:r>
+            <a:r>
+              <a:rPr lang="en-US" altLang="zh-TW" sz="1800" dirty="0">
+                <a:solidFill>
+                  <a:schemeClr val="accent2"/>
+                </a:solidFill>
+              </a:rPr>
+              <a:t>Pontiff</a:t>
+            </a:r>
+            <a:r>
+              <a:rPr lang="en-US" altLang="zh-TW" sz="1800" dirty="0"/>
+              <a:t> here during his historic visit. Because of the pandemic, crowds are being kept away.</a:t>
+            </a:r>
+          </a:p>
+          <a:p>
+            <a:endParaRPr lang="zh-TW" altLang="en-US" sz="1800" dirty="0"/>
+          </a:p>
+        </p:txBody>
+      </p:sp>
+      <p:sp>
+        <p:nvSpPr>
+          <p:cNvPr id="4" name="日期版面配置區 3">
+            <a:extLst>
+              <a:ext uri="{FF2B5EF4-FFF2-40B4-BE49-F238E27FC236}">
+                <a16:creationId xmlns:a16="http://schemas.microsoft.com/office/drawing/2014/main" id="{EDE68752-682C-45BC-A0AC-4CCED83D1CD9}"/>
+              </a:ext>
+            </a:extLst>
+          </p:cNvPr>
+          <p:cNvSpPr>
+            <a:spLocks noGrp="1"/>
+          </p:cNvSpPr>
+          <p:nvPr>
+            <p:ph type="dt" sz="half" idx="10"/>
+          </p:nvPr>
+        </p:nvSpPr>
+        <p:spPr/>
+        <p:txBody>
+          <a:bodyPr/>
+          <a:lstStyle/>
+          <a:p>
+            <a:pPr rtl="0"/>
+            <a:fld id="{CE847876-3A2B-49FA-B396-40048599C954}" type="datetime1">
+              <a:rPr lang="zh-TW" altLang="en-US" smtClean="0"/>
+              <a:t>2021/3/8</a:t>
+            </a:fld>
+            <a:endParaRPr lang="en-US"/>
+          </a:p>
+        </p:txBody>
+      </p:sp>
+    </p:spTree>
+    <p:extLst>
+      <p:ext uri="{BB962C8B-B14F-4D97-AF65-F5344CB8AC3E}">
+        <p14:creationId xmlns:p14="http://schemas.microsoft.com/office/powerpoint/2010/main" val="3093352781"/>
+      </p:ext>
+    </p:extLst>
+  </p:cSld>
+  <p:clrMapOvr>
+    <a:masterClrMapping/>
+  </p:clrMapOvr>
+</p:sld>
+</file>
+
+<file path=ppt/slides/slide18.xml><?xml version="1.0" encoding="utf-8"?>
+<p:sld xmlns:a="http://schemas.openxmlformats.org/drawingml/2006/main" xmlns:r="http://schemas.openxmlformats.org/officeDocument/2006/relationships" xmlns:p="http://schemas.openxmlformats.org/presentationml/2006/main">
+  <p:cSld>
+    <p:spTree>
+      <p:nvGrpSpPr>
+        <p:cNvPr id="1" name=""/>
+        <p:cNvGrpSpPr/>
+        <p:nvPr/>
+      </p:nvGrpSpPr>
+      <p:grpSpPr>
+        <a:xfrm>
+          <a:off x="0" y="0"/>
+          <a:ext cx="0" cy="0"/>
+          <a:chOff x="0" y="0"/>
+          <a:chExt cx="0" cy="0"/>
+        </a:xfrm>
+      </p:grpSpPr>
+      <p:sp>
+        <p:nvSpPr>
+          <p:cNvPr id="2" name="標題 1">
+            <a:extLst>
+              <a:ext uri="{FF2B5EF4-FFF2-40B4-BE49-F238E27FC236}">
+                <a16:creationId xmlns:a16="http://schemas.microsoft.com/office/drawing/2014/main" id="{E7F56767-EA5C-4EE3-B495-0F1BC271BBCD}"/>
+              </a:ext>
+            </a:extLst>
+          </p:cNvPr>
+          <p:cNvSpPr>
+            <a:spLocks noGrp="1"/>
+          </p:cNvSpPr>
+          <p:nvPr>
+            <p:ph type="title"/>
+          </p:nvPr>
+        </p:nvSpPr>
+        <p:spPr>
+          <a:xfrm>
+            <a:off x="1066800" y="499338"/>
+            <a:ext cx="10058400" cy="957606"/>
+          </a:xfrm>
+        </p:spPr>
+        <p:txBody>
+          <a:bodyPr/>
+          <a:lstStyle/>
+          <a:p>
+            <a:r>
+              <a:rPr lang="en-US" altLang="zh-TW" dirty="0"/>
+              <a:t>Result(</a:t>
+            </a:r>
+            <a:r>
+              <a:rPr lang="en-US" altLang="zh-TW" dirty="0" err="1"/>
+              <a:t>SQuAD+spacy</a:t>
+            </a:r>
+            <a:r>
+              <a:rPr lang="en-US" altLang="zh-TW" dirty="0"/>
+              <a:t>)</a:t>
+            </a:r>
+            <a:endParaRPr lang="zh-TW" altLang="en-US" dirty="0"/>
+          </a:p>
+        </p:txBody>
+      </p:sp>
+      <p:sp>
+        <p:nvSpPr>
+          <p:cNvPr id="3" name="內容版面配置區 2">
+            <a:extLst>
+              <a:ext uri="{FF2B5EF4-FFF2-40B4-BE49-F238E27FC236}">
+                <a16:creationId xmlns:a16="http://schemas.microsoft.com/office/drawing/2014/main" id="{B1E0FCB0-CDD5-4978-A660-D0A1D88B836A}"/>
+              </a:ext>
+            </a:extLst>
+          </p:cNvPr>
+          <p:cNvSpPr>
+            <a:spLocks noGrp="1"/>
+          </p:cNvSpPr>
+          <p:nvPr>
+            <p:ph idx="1"/>
+          </p:nvPr>
+        </p:nvSpPr>
+        <p:spPr>
+          <a:xfrm>
+            <a:off x="792480" y="1173480"/>
+            <a:ext cx="10058400" cy="4741164"/>
+          </a:xfrm>
+        </p:spPr>
+        <p:txBody>
+          <a:bodyPr>
+            <a:noAutofit/>
+          </a:bodyPr>
+          <a:lstStyle/>
+          <a:p>
+            <a:r>
+              <a:rPr lang="en-US" altLang="zh-TW" sz="1800" dirty="0"/>
+              <a:t>Text = Attending to the </a:t>
+            </a:r>
+            <a:r>
+              <a:rPr lang="en-US" altLang="zh-TW" sz="1800" dirty="0">
+                <a:solidFill>
+                  <a:srgbClr val="FF0000"/>
+                </a:solidFill>
+              </a:rPr>
+              <a:t>Baghdad church </a:t>
+            </a:r>
+            <a:r>
+              <a:rPr lang="en-US" altLang="zh-TW" sz="1800" dirty="0"/>
+              <a:t>where he works as a caretaker, </a:t>
+            </a:r>
+            <a:r>
+              <a:rPr lang="en-US" altLang="zh-TW" sz="1800" dirty="0" err="1">
+                <a:solidFill>
+                  <a:schemeClr val="accent2"/>
+                </a:solidFill>
+              </a:rPr>
+              <a:t>Natiq</a:t>
+            </a:r>
+            <a:r>
+              <a:rPr lang="en-US" altLang="zh-TW" sz="1800" dirty="0">
+                <a:solidFill>
+                  <a:schemeClr val="accent2"/>
+                </a:solidFill>
+              </a:rPr>
+              <a:t> Anwar </a:t>
+            </a:r>
+            <a:r>
+              <a:rPr lang="en-US" altLang="zh-TW" sz="1800" dirty="0"/>
+              <a:t>relives the most horrific experience of his life </a:t>
+            </a:r>
+            <a:r>
+              <a:rPr lang="en-US" altLang="zh-TW" sz="1800" dirty="0">
+                <a:solidFill>
+                  <a:srgbClr val="FF0000"/>
+                </a:solidFill>
+              </a:rPr>
+              <a:t>each</a:t>
+            </a:r>
+            <a:r>
+              <a:rPr lang="en-US" altLang="zh-TW" sz="1800" dirty="0"/>
+              <a:t> and </a:t>
+            </a:r>
+            <a:r>
+              <a:rPr lang="en-US" altLang="zh-TW" sz="1800" dirty="0">
+                <a:solidFill>
+                  <a:srgbClr val="FF0000"/>
+                </a:solidFill>
+              </a:rPr>
+              <a:t>every </a:t>
+            </a:r>
+            <a:r>
+              <a:rPr lang="en-US" altLang="zh-TW" sz="1800" dirty="0" err="1">
+                <a:solidFill>
+                  <a:srgbClr val="FF0000"/>
+                </a:solidFill>
+              </a:rPr>
+              <a:t>day.</a:t>
+            </a:r>
+            <a:r>
+              <a:rPr lang="en-US" altLang="zh-TW" sz="1800" dirty="0" err="1"/>
+              <a:t>Near</a:t>
+            </a:r>
+            <a:r>
+              <a:rPr lang="en-US" altLang="zh-TW" sz="1800" dirty="0"/>
+              <a:t> the pew where the </a:t>
+            </a:r>
+            <a:r>
+              <a:rPr lang="en-US" altLang="zh-TW" sz="1800" dirty="0">
+                <a:solidFill>
+                  <a:srgbClr val="FF0000"/>
+                </a:solidFill>
+              </a:rPr>
+              <a:t>66-year-old </a:t>
+            </a:r>
+            <a:r>
+              <a:rPr lang="en-US" altLang="zh-TW" sz="1800" dirty="0"/>
+              <a:t>sits, a scattering of </a:t>
+            </a:r>
+            <a:r>
+              <a:rPr lang="en-US" altLang="zh-TW" sz="1800" dirty="0">
+                <a:solidFill>
+                  <a:srgbClr val="FF0000"/>
+                </a:solidFill>
+              </a:rPr>
+              <a:t>crimson</a:t>
+            </a:r>
+            <a:r>
+              <a:rPr lang="en-US" altLang="zh-TW" sz="1800" dirty="0"/>
+              <a:t> tiles marks the places where churchgoers and clergy died </a:t>
+            </a:r>
+            <a:r>
+              <a:rPr lang="en-US" altLang="zh-TW" sz="1800" dirty="0">
+                <a:solidFill>
+                  <a:srgbClr val="FF0000"/>
+                </a:solidFill>
+              </a:rPr>
+              <a:t>10 years </a:t>
+            </a:r>
+            <a:r>
+              <a:rPr lang="en-US" altLang="zh-TW" sz="1800" dirty="0" err="1">
+                <a:solidFill>
+                  <a:srgbClr val="FF0000"/>
+                </a:solidFill>
+              </a:rPr>
+              <a:t>ago</a:t>
+            </a:r>
+            <a:r>
+              <a:rPr lang="en-US" altLang="zh-TW" sz="1800" dirty="0" err="1"/>
+              <a:t>.The</a:t>
+            </a:r>
+            <a:r>
+              <a:rPr lang="en-US" altLang="zh-TW" sz="1800" dirty="0"/>
+              <a:t> sacristy, a tiny room next to the altar, is packed with bad memories. Dozens of worshipers sought refuge here as terrorists laid siege to the church. Many were gunned down, or killed by grenades, leaving behind blood-stained hand prints on the walls. </a:t>
+            </a:r>
+            <a:r>
+              <a:rPr lang="en-US" altLang="zh-TW" sz="1800" dirty="0" err="1">
+                <a:solidFill>
+                  <a:schemeClr val="accent2"/>
+                </a:solidFill>
+              </a:rPr>
+              <a:t>Natiq</a:t>
+            </a:r>
+            <a:r>
+              <a:rPr lang="en-US" altLang="zh-TW" sz="1800" dirty="0"/>
+              <a:t>, as well as his wife and child, were among </a:t>
+            </a:r>
+            <a:r>
+              <a:rPr lang="en-US" altLang="zh-TW" sz="1800" dirty="0" err="1"/>
+              <a:t>them.</a:t>
+            </a:r>
+            <a:r>
+              <a:rPr lang="en-US" altLang="zh-TW" sz="1800" dirty="0" err="1">
+                <a:solidFill>
+                  <a:schemeClr val="accent2"/>
+                </a:solidFill>
+              </a:rPr>
+              <a:t>Today</a:t>
+            </a:r>
+            <a:r>
+              <a:rPr lang="en-US" altLang="zh-TW" sz="1800" dirty="0"/>
+              <a:t>, </a:t>
+            </a:r>
+            <a:r>
+              <a:rPr lang="en-US" altLang="zh-TW" sz="1800" dirty="0">
+                <a:solidFill>
+                  <a:srgbClr val="FF0000"/>
+                </a:solidFill>
+              </a:rPr>
+              <a:t>Our Lady of Salvation Church</a:t>
+            </a:r>
+            <a:r>
+              <a:rPr lang="en-US" altLang="zh-TW" sz="1800" dirty="0"/>
+              <a:t> is adorned with the engraved names of those who were murdered on </a:t>
+            </a:r>
+            <a:r>
+              <a:rPr lang="en-US" altLang="zh-TW" sz="1800" dirty="0">
+                <a:solidFill>
+                  <a:srgbClr val="FF0000"/>
+                </a:solidFill>
+              </a:rPr>
+              <a:t>that day -- 51 </a:t>
+            </a:r>
+            <a:r>
+              <a:rPr lang="en-US" altLang="zh-TW" sz="1800" dirty="0"/>
+              <a:t>congregants and </a:t>
+            </a:r>
+            <a:r>
+              <a:rPr lang="en-US" altLang="zh-TW" sz="1800" dirty="0">
+                <a:solidFill>
+                  <a:srgbClr val="FF0000"/>
+                </a:solidFill>
+              </a:rPr>
+              <a:t>two</a:t>
+            </a:r>
+            <a:r>
+              <a:rPr lang="en-US" altLang="zh-TW" sz="1800" dirty="0"/>
+              <a:t> </a:t>
+            </a:r>
+            <a:r>
+              <a:rPr lang="en-US" altLang="zh-TW" sz="1800" dirty="0" err="1"/>
+              <a:t>priests.The</a:t>
+            </a:r>
+            <a:r>
+              <a:rPr lang="en-US" altLang="zh-TW" sz="1800" dirty="0"/>
+              <a:t> attack left </a:t>
+            </a:r>
+            <a:r>
+              <a:rPr lang="en-US" altLang="zh-TW" sz="1800" dirty="0">
+                <a:solidFill>
+                  <a:schemeClr val="accent2"/>
+                </a:solidFill>
+              </a:rPr>
+              <a:t>Anwar</a:t>
+            </a:r>
+            <a:r>
+              <a:rPr lang="en-US" altLang="zh-TW" sz="1800" dirty="0"/>
+              <a:t> partially blinded, his right arm badly </a:t>
+            </a:r>
+            <a:r>
+              <a:rPr lang="en-US" altLang="zh-TW" sz="1800" dirty="0" err="1"/>
+              <a:t>injured.Eyes</a:t>
+            </a:r>
+            <a:r>
+              <a:rPr lang="en-US" altLang="zh-TW" sz="1800" dirty="0"/>
+              <a:t> half closed, he looks towards a new addition to the church: A white throne, positioned below a towering collage of the parish's martyrs. </a:t>
+            </a:r>
+            <a:r>
+              <a:rPr lang="en-US" altLang="zh-TW" sz="1800" dirty="0">
+                <a:solidFill>
+                  <a:schemeClr val="accent2"/>
+                </a:solidFill>
+              </a:rPr>
+              <a:t>Pope Francis </a:t>
+            </a:r>
+            <a:r>
+              <a:rPr lang="en-US" altLang="zh-TW" sz="1800" dirty="0"/>
+              <a:t>is set to deliver a speech here when he arrives in </a:t>
+            </a:r>
+            <a:r>
+              <a:rPr lang="en-US" altLang="zh-TW" sz="1800" dirty="0">
+                <a:solidFill>
+                  <a:srgbClr val="FF0000"/>
+                </a:solidFill>
+              </a:rPr>
+              <a:t>Iraq</a:t>
+            </a:r>
+            <a:r>
+              <a:rPr lang="en-US" altLang="zh-TW" sz="1800" dirty="0"/>
+              <a:t> on </a:t>
+            </a:r>
+            <a:r>
+              <a:rPr lang="en-US" altLang="zh-TW" sz="1800" dirty="0" err="1">
+                <a:solidFill>
+                  <a:schemeClr val="accent2"/>
+                </a:solidFill>
+              </a:rPr>
+              <a:t>Friday</a:t>
+            </a:r>
+            <a:r>
+              <a:rPr lang="en-US" altLang="zh-TW" sz="1800" dirty="0" err="1"/>
+              <a:t>."I'm</a:t>
+            </a:r>
+            <a:r>
+              <a:rPr lang="en-US" altLang="zh-TW" sz="1800" dirty="0"/>
+              <a:t> extremely happy. I'm very, very happy," </a:t>
+            </a:r>
+            <a:r>
+              <a:rPr lang="en-US" altLang="zh-TW" sz="1800" dirty="0">
+                <a:solidFill>
+                  <a:schemeClr val="accent2"/>
+                </a:solidFill>
+              </a:rPr>
+              <a:t>Anwar</a:t>
+            </a:r>
+            <a:r>
+              <a:rPr lang="en-US" altLang="zh-TW" sz="1800" dirty="0"/>
+              <a:t> said, looking ahead to the visit. Despite his effusive words, the caretaker looks slightly non-plussed. "I want to tell him to look after us," he added, "because the state doesn't look after </a:t>
+            </a:r>
+            <a:r>
+              <a:rPr lang="en-US" altLang="zh-TW" sz="1800" dirty="0" err="1"/>
+              <a:t>us."But</a:t>
+            </a:r>
+            <a:r>
+              <a:rPr lang="en-US" altLang="zh-TW" sz="1800" dirty="0"/>
+              <a:t> </a:t>
+            </a:r>
+            <a:r>
+              <a:rPr lang="en-US" altLang="zh-TW" sz="1800" dirty="0">
+                <a:solidFill>
+                  <a:schemeClr val="accent2"/>
+                </a:solidFill>
+              </a:rPr>
+              <a:t>Anwar</a:t>
+            </a:r>
+            <a:r>
+              <a:rPr lang="en-US" altLang="zh-TW" sz="1800" dirty="0"/>
+              <a:t> will not be among the small gathering of church members to greet the </a:t>
+            </a:r>
+            <a:r>
+              <a:rPr lang="en-US" altLang="zh-TW" sz="1800" dirty="0">
+                <a:solidFill>
+                  <a:schemeClr val="accent2"/>
+                </a:solidFill>
+              </a:rPr>
+              <a:t>Pontiff</a:t>
+            </a:r>
+            <a:r>
+              <a:rPr lang="en-US" altLang="zh-TW" sz="1800" dirty="0"/>
+              <a:t> here during his historic visit. Because of the pandemic, crowds are being kept away.</a:t>
+            </a:r>
+          </a:p>
+          <a:p>
+            <a:endParaRPr lang="zh-TW" altLang="en-US" sz="1800" dirty="0"/>
+          </a:p>
+        </p:txBody>
+      </p:sp>
+      <p:sp>
+        <p:nvSpPr>
+          <p:cNvPr id="4" name="日期版面配置區 3">
+            <a:extLst>
+              <a:ext uri="{FF2B5EF4-FFF2-40B4-BE49-F238E27FC236}">
+                <a16:creationId xmlns:a16="http://schemas.microsoft.com/office/drawing/2014/main" id="{EDE68752-682C-45BC-A0AC-4CCED83D1CD9}"/>
+              </a:ext>
+            </a:extLst>
+          </p:cNvPr>
+          <p:cNvSpPr>
+            <a:spLocks noGrp="1"/>
+          </p:cNvSpPr>
+          <p:nvPr>
+            <p:ph type="dt" sz="half" idx="10"/>
+          </p:nvPr>
+        </p:nvSpPr>
+        <p:spPr/>
+        <p:txBody>
+          <a:bodyPr/>
+          <a:lstStyle/>
+          <a:p>
+            <a:pPr rtl="0"/>
+            <a:fld id="{CE847876-3A2B-49FA-B396-40048599C954}" type="datetime1">
+              <a:rPr lang="zh-TW" altLang="en-US" smtClean="0"/>
+              <a:t>2021/3/8</a:t>
+            </a:fld>
+            <a:endParaRPr lang="en-US"/>
+          </a:p>
+        </p:txBody>
+      </p:sp>
+    </p:spTree>
+    <p:extLst>
+      <p:ext uri="{BB962C8B-B14F-4D97-AF65-F5344CB8AC3E}">
+        <p14:creationId xmlns:p14="http://schemas.microsoft.com/office/powerpoint/2010/main" val="3745006435"/>
+      </p:ext>
+    </p:extLst>
+  </p:cSld>
+  <p:clrMapOvr>
+    <a:masterClrMapping/>
+  </p:clrMapOvr>
+</p:sld>
+</file>
+
+<file path=ppt/slides/slide19.xml><?xml version="1.0" encoding="utf-8"?>
+<p:sld xmlns:a="http://schemas.openxmlformats.org/drawingml/2006/main" xmlns:r="http://schemas.openxmlformats.org/officeDocument/2006/relationships" xmlns:p="http://schemas.openxmlformats.org/presentationml/2006/main">
+  <p:cSld>
+    <p:spTree>
+      <p:nvGrpSpPr>
+        <p:cNvPr id="1" name=""/>
+        <p:cNvGrpSpPr/>
+        <p:nvPr/>
+      </p:nvGrpSpPr>
+      <p:grpSpPr>
+        <a:xfrm>
+          <a:off x="0" y="0"/>
+          <a:ext cx="0" cy="0"/>
+          <a:chOff x="0" y="0"/>
+          <a:chExt cx="0" cy="0"/>
+        </a:xfrm>
+      </p:grpSpPr>
+      <p:sp>
+        <p:nvSpPr>
+          <p:cNvPr id="2" name="標題 1">
+            <a:extLst>
+              <a:ext uri="{FF2B5EF4-FFF2-40B4-BE49-F238E27FC236}">
                 <a16:creationId xmlns:a16="http://schemas.microsoft.com/office/drawing/2014/main" id="{3DC5313A-6941-4C56-B3EB-168FF9C2F532}"/>
               </a:ext>
             </a:extLst>
@@ -6169,7 +7721,7 @@
             </a:r>
             <a:r>
               <a:rPr lang="en-US" altLang="zh-TW" sz="2000" dirty="0" err="1"/>
-              <a:t>spAcy</a:t>
+              <a:t>spaCy</a:t>
             </a:r>
             <a:r>
               <a:rPr lang="zh-TW" altLang="en-US" sz="2000" dirty="0"/>
@@ -6229,7 +7781,7 @@
             <a:pPr rtl="0"/>
             <a:fld id="{CE847876-3A2B-49FA-B396-40048599C954}" type="datetime1">
               <a:rPr lang="zh-TW" altLang="en-US" smtClean="0"/>
-              <a:t>2021/3/7</a:t>
+              <a:t>2021/3/8</a:t>
             </a:fld>
             <a:endParaRPr lang="en-US"/>
           </a:p>
@@ -6332,8 +7884,8 @@
               <a:t>與 </a:t>
             </a:r>
             <a:r>
-              <a:rPr lang="en-US" altLang="zh-TW" dirty="0"/>
-              <a:t>spacy</a:t>
+              <a:rPr lang="en-US" altLang="zh-TW" dirty="0" err="1"/>
+              <a:t>spaCy</a:t>
             </a:r>
             <a:r>
               <a:rPr lang="zh-TW" altLang="en-US" dirty="0"/>
@@ -6347,8 +7899,12 @@
               <a:t>會比較只使用</a:t>
             </a:r>
             <a:r>
+              <a:rPr lang="en-US" altLang="zh-TW" dirty="0" err="1"/>
+              <a:t>spaCy</a:t>
+            </a:r>
+            <a:r>
               <a:rPr lang="en-US" altLang="zh-TW" dirty="0"/>
-              <a:t>spacy </a:t>
+              <a:t> </a:t>
             </a:r>
             <a:r>
               <a:rPr lang="zh-TW" altLang="en-US" dirty="0"/>
@@ -6381,7 +7937,7 @@
             <a:pPr rtl="0"/>
             <a:fld id="{CE847876-3A2B-49FA-B396-40048599C954}" type="datetime1">
               <a:rPr lang="zh-TW" altLang="en-US" smtClean="0"/>
-              <a:t>2021/3/7</a:t>
+              <a:t>2021/3/8</a:t>
             </a:fld>
             <a:endParaRPr lang="en-US"/>
           </a:p>
@@ -6422,7 +7978,7 @@
           <p:cNvPr id="2" name="標題 1">
             <a:extLst>
               <a:ext uri="{FF2B5EF4-FFF2-40B4-BE49-F238E27FC236}">
-                <a16:creationId xmlns:a16="http://schemas.microsoft.com/office/drawing/2014/main" id="{A5F3C31E-C00A-42A5-B5A0-8ACBDD24CE0B}"/>
+                <a16:creationId xmlns:a16="http://schemas.microsoft.com/office/drawing/2014/main" id="{674227A9-89EC-435D-A60D-54F2D6D32C62}"/>
               </a:ext>
             </a:extLst>
           </p:cNvPr>
@@ -6430,7 +7986,7 @@
             <a:spLocks noGrp="1"/>
           </p:cNvSpPr>
           <p:nvPr>
-            <p:ph type="title"/>
+            <p:ph type="ctrTitle"/>
           </p:nvPr>
         </p:nvSpPr>
         <p:spPr/>
@@ -6439,8 +7995,8 @@
           <a:lstStyle/>
           <a:p>
             <a:r>
-              <a:rPr lang="en-US" altLang="zh-TW" dirty="0" err="1"/>
-              <a:t>Squad+spacy</a:t>
+              <a:rPr lang="en-US" altLang="zh-TW" dirty="0"/>
+              <a:t>example1</a:t>
             </a:r>
             <a:endParaRPr lang="zh-TW" altLang="en-US" dirty="0"/>
           </a:p>
@@ -6448,10 +8004,10 @@
       </p:sp>
       <p:sp>
         <p:nvSpPr>
-          <p:cNvPr id="3" name="文字版面配置區 2">
+          <p:cNvPr id="3" name="副標題 2">
             <a:extLst>
               <a:ext uri="{FF2B5EF4-FFF2-40B4-BE49-F238E27FC236}">
-                <a16:creationId xmlns:a16="http://schemas.microsoft.com/office/drawing/2014/main" id="{8D45EFDD-DA3C-44D8-AFF7-D0D7E6A3965B}"/>
+                <a16:creationId xmlns:a16="http://schemas.microsoft.com/office/drawing/2014/main" id="{8D91E56A-908D-40A7-BE35-6755CF51ED68}"/>
               </a:ext>
             </a:extLst>
           </p:cNvPr>
@@ -6459,7 +8015,7 @@
             <a:spLocks noGrp="1"/>
           </p:cNvSpPr>
           <p:nvPr>
-            <p:ph type="body" idx="1"/>
+            <p:ph type="subTitle" idx="1"/>
           </p:nvPr>
         </p:nvSpPr>
         <p:spPr/>
@@ -6476,7 +8032,7 @@
           <p:cNvPr id="4" name="日期版面配置區 3">
             <a:extLst>
               <a:ext uri="{FF2B5EF4-FFF2-40B4-BE49-F238E27FC236}">
-                <a16:creationId xmlns:a16="http://schemas.microsoft.com/office/drawing/2014/main" id="{098F17CA-948B-484A-B87D-CBAB36A3DB1D}"/>
+                <a16:creationId xmlns:a16="http://schemas.microsoft.com/office/drawing/2014/main" id="{8F4BDFF1-5E7F-4401-B6F5-89494DDEC4DB}"/>
               </a:ext>
             </a:extLst>
           </p:cNvPr>
@@ -6492,18 +8048,18 @@
           <a:bodyPr/>
           <a:lstStyle/>
           <a:p>
-            <a:fld id="{294347CA-4B58-4AEE-8DA6-4E2B096FC96F}" type="datetime1">
-              <a:rPr lang="en-US" altLang="zh-TW" smtClean="0"/>
-              <a:t>3/7/2021</a:t>
+            <a:fld id="{4D9EAB54-90A7-4427-8D5D-1517AC1256FE}" type="datetime1">
+              <a:rPr lang="zh-TW" altLang="en-US" smtClean="0"/>
+              <a:t>2021/3/8</a:t>
             </a:fld>
-            <a:endParaRPr lang="zh-TW" altLang="en-US" dirty="0"/>
+            <a:endParaRPr lang="en-US" dirty="0"/>
           </a:p>
         </p:txBody>
       </p:sp>
     </p:spTree>
     <p:extLst>
       <p:ext uri="{BB962C8B-B14F-4D97-AF65-F5344CB8AC3E}">
-        <p14:creationId xmlns:p14="http://schemas.microsoft.com/office/powerpoint/2010/main" val="2954743863"/>
+        <p14:creationId xmlns:p14="http://schemas.microsoft.com/office/powerpoint/2010/main" val="2625540380"/>
       </p:ext>
     </p:extLst>
   </p:cSld>
@@ -6560,7 +8116,15 @@
           <a:p>
             <a:r>
               <a:rPr lang="en-US" altLang="zh-TW" dirty="0"/>
-              <a:t>Result</a:t>
+              <a:t>Result (</a:t>
+            </a:r>
+            <a:r>
+              <a:rPr lang="en-US" altLang="zh-TW" dirty="0" err="1"/>
+              <a:t>SQuAD</a:t>
+            </a:r>
+            <a:r>
+              <a:rPr lang="en-US" altLang="zh-TW" dirty="0"/>
+              <a:t>)</a:t>
             </a:r>
             <a:endParaRPr lang="zh-TW" altLang="en-US" dirty="0"/>
           </a:p>
@@ -6600,226 +8164,101 @@
             </a:r>
             <a:r>
               <a:rPr lang="en-US" altLang="zh-TW" sz="2000" dirty="0">
-                <a:solidFill>
-                  <a:srgbClr val="FF0000"/>
-                </a:solidFill>
                 <a:latin typeface="Arial" panose="020B0604020202020204" pitchFamily="34" charset="0"/>
                 <a:cs typeface="Arial" panose="020B0604020202020204" pitchFamily="34" charset="0"/>
               </a:rPr>
-              <a:t>Gerald Ford </a:t>
-            </a:r>
-            <a:r>
-              <a:rPr lang="en-US" altLang="zh-TW" sz="2000" dirty="0">
+              <a:t>Gerald </a:t>
+            </a:r>
+            <a:r>
+              <a:rPr lang="en-US" altLang="zh-TW" sz="2000" dirty="0">
+                <a:solidFill>
+                  <a:srgbClr val="FF0000"/>
+                </a:solidFill>
                 <a:latin typeface="Arial" panose="020B0604020202020204" pitchFamily="34" charset="0"/>
                 <a:cs typeface="Arial" panose="020B0604020202020204" pitchFamily="34" charset="0"/>
               </a:rPr>
-              <a:t>came in with a </a:t>
-            </a:r>
-            <a:r>
-              <a:rPr lang="en-US" altLang="zh-TW" sz="2000" dirty="0">
-                <a:solidFill>
-                  <a:srgbClr val="FF0000"/>
-                </a:solidFill>
+              <a:t>Ford</a:t>
+            </a:r>
+            <a:r>
+              <a:rPr lang="en-US" altLang="zh-TW" sz="2000" dirty="0">
                 <a:latin typeface="Arial" panose="020B0604020202020204" pitchFamily="34" charset="0"/>
                 <a:cs typeface="Arial" panose="020B0604020202020204" pitchFamily="34" charset="0"/>
               </a:rPr>
-              <a:t>80%</a:t>
-            </a:r>
-            <a:r>
-              <a:rPr lang="en-US" altLang="zh-TW" sz="2000" dirty="0">
+              <a:t> came in with a </a:t>
+            </a:r>
+            <a:r>
+              <a:rPr lang="en-US" altLang="zh-TW" sz="2000" dirty="0">
+                <a:solidFill>
+                  <a:srgbClr val="FF0000"/>
+                </a:solidFill>
                 <a:latin typeface="Arial" panose="020B0604020202020204" pitchFamily="34" charset="0"/>
                 <a:cs typeface="Arial" panose="020B0604020202020204" pitchFamily="34" charset="0"/>
               </a:rPr>
-              <a:t> approval rating among </a:t>
-            </a:r>
-            <a:r>
-              <a:rPr lang="en-US" altLang="zh-TW" sz="2000" dirty="0">
-                <a:solidFill>
-                  <a:srgbClr val="FF0000"/>
-                </a:solidFill>
+              <a:t>80%</a:t>
+            </a:r>
+            <a:r>
+              <a:rPr lang="en-US" altLang="zh-TW" sz="2000" dirty="0">
                 <a:latin typeface="Arial" panose="020B0604020202020204" pitchFamily="34" charset="0"/>
                 <a:cs typeface="Arial" panose="020B0604020202020204" pitchFamily="34" charset="0"/>
               </a:rPr>
-              <a:t>Republicans</a:t>
-            </a:r>
-            <a:r>
-              <a:rPr lang="en-US" altLang="zh-TW" sz="2000" dirty="0">
+              <a:t> approval rating among Republicans in December 1976 Gallup polling. Jimmy Carter was at a mere </a:t>
+            </a:r>
+            <a:r>
+              <a:rPr lang="en-US" altLang="zh-TW" sz="2000" dirty="0">
+                <a:solidFill>
+                  <a:srgbClr val="FF0000"/>
+                </a:solidFill>
                 <a:latin typeface="Arial" panose="020B0604020202020204" pitchFamily="34" charset="0"/>
                 <a:cs typeface="Arial" panose="020B0604020202020204" pitchFamily="34" charset="0"/>
               </a:rPr>
-              <a:t> in </a:t>
-            </a:r>
-            <a:r>
-              <a:rPr lang="en-US" altLang="zh-TW" sz="2000" dirty="0">
-                <a:solidFill>
-                  <a:srgbClr val="FF0000"/>
-                </a:solidFill>
+              <a:t>50%</a:t>
+            </a:r>
+            <a:r>
+              <a:rPr lang="en-US" altLang="zh-TW" sz="2000" dirty="0">
                 <a:latin typeface="Arial" panose="020B0604020202020204" pitchFamily="34" charset="0"/>
                 <a:cs typeface="Arial" panose="020B0604020202020204" pitchFamily="34" charset="0"/>
               </a:rPr>
-              <a:t>December 1976 </a:t>
-            </a:r>
-            <a:r>
-              <a:rPr lang="en-US" altLang="zh-TW" sz="2000" dirty="0">
+              <a:t> among Democrats in November and December 1980 Gallup numbers. </a:t>
+            </a:r>
+            <a:r>
+              <a:rPr lang="en-US" altLang="zh-TW" sz="2000" dirty="0">
+                <a:solidFill>
+                  <a:srgbClr val="FF0000"/>
+                </a:solidFill>
                 <a:latin typeface="Arial" panose="020B0604020202020204" pitchFamily="34" charset="0"/>
                 <a:cs typeface="Arial" panose="020B0604020202020204" pitchFamily="34" charset="0"/>
               </a:rPr>
-              <a:t>Gallup polling. </a:t>
-            </a:r>
-            <a:r>
-              <a:rPr lang="en-US" altLang="zh-TW" sz="2000" dirty="0">
-                <a:solidFill>
-                  <a:srgbClr val="FF0000"/>
-                </a:solidFill>
+              <a:t>George H.W.</a:t>
+            </a:r>
+            <a:r>
+              <a:rPr lang="en-US" altLang="zh-TW" sz="2000" dirty="0">
                 <a:latin typeface="Arial" panose="020B0604020202020204" pitchFamily="34" charset="0"/>
                 <a:cs typeface="Arial" panose="020B0604020202020204" pitchFamily="34" charset="0"/>
               </a:rPr>
-              <a:t>Jimmy Carter </a:t>
-            </a:r>
-            <a:r>
-              <a:rPr lang="en-US" altLang="zh-TW" sz="2000" dirty="0">
+              <a:t> Bush averaged an </a:t>
+            </a:r>
+            <a:r>
+              <a:rPr lang="en-US" altLang="zh-TW" sz="2000" dirty="0">
+                <a:solidFill>
+                  <a:srgbClr val="FF0000"/>
+                </a:solidFill>
                 <a:latin typeface="Arial" panose="020B0604020202020204" pitchFamily="34" charset="0"/>
                 <a:cs typeface="Arial" panose="020B0604020202020204" pitchFamily="34" charset="0"/>
               </a:rPr>
-              <a:t>was at a </a:t>
-            </a:r>
-            <a:r>
-              <a:rPr lang="en-US" altLang="zh-TW" sz="2000" dirty="0">
-                <a:solidFill>
-                  <a:srgbClr val="FF0000"/>
-                </a:solidFill>
+              <a:t>84%</a:t>
+            </a:r>
+            <a:r>
+              <a:rPr lang="en-US" altLang="zh-TW" sz="2000" dirty="0">
                 <a:latin typeface="Arial" panose="020B0604020202020204" pitchFamily="34" charset="0"/>
                 <a:cs typeface="Arial" panose="020B0604020202020204" pitchFamily="34" charset="0"/>
               </a:rPr>
-              <a:t>mere 50% </a:t>
-            </a:r>
-            <a:r>
-              <a:rPr lang="en-US" altLang="zh-TW" sz="2000" dirty="0">
-                <a:latin typeface="Arial" panose="020B0604020202020204" pitchFamily="34" charset="0"/>
-                <a:cs typeface="Arial" panose="020B0604020202020204" pitchFamily="34" charset="0"/>
-              </a:rPr>
-              <a:t>among </a:t>
-            </a:r>
-            <a:r>
-              <a:rPr lang="en-US" altLang="zh-TW" sz="2000" dirty="0">
-                <a:solidFill>
-                  <a:srgbClr val="FF0000"/>
-                </a:solidFill>
-                <a:latin typeface="Arial" panose="020B0604020202020204" pitchFamily="34" charset="0"/>
-                <a:cs typeface="Arial" panose="020B0604020202020204" pitchFamily="34" charset="0"/>
-              </a:rPr>
-              <a:t>Democrats</a:t>
-            </a:r>
-            <a:r>
-              <a:rPr lang="en-US" altLang="zh-TW" sz="2000" dirty="0">
-                <a:latin typeface="Arial" panose="020B0604020202020204" pitchFamily="34" charset="0"/>
-                <a:cs typeface="Arial" panose="020B0604020202020204" pitchFamily="34" charset="0"/>
-              </a:rPr>
-              <a:t> in </a:t>
-            </a:r>
-            <a:r>
-              <a:rPr lang="en-US" altLang="zh-TW" sz="2000" dirty="0">
-                <a:solidFill>
-                  <a:srgbClr val="FF0000"/>
-                </a:solidFill>
-                <a:latin typeface="Arial" panose="020B0604020202020204" pitchFamily="34" charset="0"/>
-                <a:cs typeface="Arial" panose="020B0604020202020204" pitchFamily="34" charset="0"/>
-              </a:rPr>
-              <a:t>November</a:t>
-            </a:r>
-            <a:r>
-              <a:rPr lang="en-US" altLang="zh-TW" sz="2000" dirty="0">
-                <a:latin typeface="Arial" panose="020B0604020202020204" pitchFamily="34" charset="0"/>
-                <a:cs typeface="Arial" panose="020B0604020202020204" pitchFamily="34" charset="0"/>
-              </a:rPr>
-              <a:t> and </a:t>
-            </a:r>
-            <a:r>
-              <a:rPr lang="en-US" altLang="zh-TW" sz="2000" dirty="0">
-                <a:solidFill>
-                  <a:srgbClr val="FF0000"/>
-                </a:solidFill>
-                <a:latin typeface="Arial" panose="020B0604020202020204" pitchFamily="34" charset="0"/>
-                <a:cs typeface="Arial" panose="020B0604020202020204" pitchFamily="34" charset="0"/>
-              </a:rPr>
-              <a:t>December 1980</a:t>
-            </a:r>
-            <a:r>
-              <a:rPr lang="en-US" altLang="zh-TW" sz="2000" dirty="0">
-                <a:latin typeface="Arial" panose="020B0604020202020204" pitchFamily="34" charset="0"/>
-                <a:cs typeface="Arial" panose="020B0604020202020204" pitchFamily="34" charset="0"/>
-              </a:rPr>
-              <a:t> Gallup numbers. </a:t>
-            </a:r>
-            <a:r>
-              <a:rPr lang="en-US" altLang="zh-TW" sz="2000" dirty="0">
-                <a:solidFill>
-                  <a:srgbClr val="FF0000"/>
-                </a:solidFill>
-                <a:latin typeface="Arial" panose="020B0604020202020204" pitchFamily="34" charset="0"/>
-                <a:cs typeface="Arial" panose="020B0604020202020204" pitchFamily="34" charset="0"/>
-              </a:rPr>
-              <a:t>George H.W. Bush</a:t>
-            </a:r>
-            <a:r>
-              <a:rPr lang="en-US" altLang="zh-TW" sz="2000" dirty="0">
-                <a:latin typeface="Arial" panose="020B0604020202020204" pitchFamily="34" charset="0"/>
-                <a:cs typeface="Arial" panose="020B0604020202020204" pitchFamily="34" charset="0"/>
-              </a:rPr>
-              <a:t> averaged an </a:t>
-            </a:r>
-            <a:r>
-              <a:rPr lang="en-US" altLang="zh-TW" sz="2000" dirty="0">
-                <a:solidFill>
-                  <a:srgbClr val="FF0000"/>
-                </a:solidFill>
-                <a:latin typeface="Arial" panose="020B0604020202020204" pitchFamily="34" charset="0"/>
-                <a:cs typeface="Arial" panose="020B0604020202020204" pitchFamily="34" charset="0"/>
-              </a:rPr>
-              <a:t>84%</a:t>
-            </a:r>
-            <a:r>
-              <a:rPr lang="en-US" altLang="zh-TW" sz="2000" dirty="0">
-                <a:latin typeface="Arial" panose="020B0604020202020204" pitchFamily="34" charset="0"/>
-                <a:cs typeface="Arial" panose="020B0604020202020204" pitchFamily="34" charset="0"/>
-              </a:rPr>
-              <a:t> approval rating among Republicans in an average of November 1992 through </a:t>
-            </a:r>
-            <a:r>
-              <a:rPr lang="en-US" altLang="zh-TW" sz="2000" dirty="0">
-                <a:solidFill>
-                  <a:srgbClr val="FF0000"/>
-                </a:solidFill>
-                <a:latin typeface="Arial" panose="020B0604020202020204" pitchFamily="34" charset="0"/>
-                <a:cs typeface="Arial" panose="020B0604020202020204" pitchFamily="34" charset="0"/>
-              </a:rPr>
-              <a:t>January 1993</a:t>
-            </a:r>
-            <a:r>
-              <a:rPr lang="en-US" altLang="zh-TW" sz="2000" dirty="0">
-                <a:latin typeface="Arial" panose="020B0604020202020204" pitchFamily="34" charset="0"/>
-                <a:cs typeface="Arial" panose="020B0604020202020204" pitchFamily="34" charset="0"/>
-              </a:rPr>
-              <a:t> Gallup polls.</a:t>
-            </a:r>
-          </a:p>
-          <a:p>
-            <a:r>
-              <a:rPr lang="zh-TW" altLang="en-US" sz="2000" dirty="0">
-                <a:latin typeface="Arial" panose="020B0604020202020204" pitchFamily="34" charset="0"/>
-                <a:cs typeface="Arial" panose="020B0604020202020204" pitchFamily="34" charset="0"/>
-              </a:rPr>
-              <a:t>還是無法完整抓取 </a:t>
-            </a:r>
-            <a:r>
-              <a:rPr lang="en-US" altLang="zh-TW" sz="2000" dirty="0">
-                <a:latin typeface="Arial" panose="020B0604020202020204" pitchFamily="34" charset="0"/>
-                <a:cs typeface="Arial" panose="020B0604020202020204" pitchFamily="34" charset="0"/>
-              </a:rPr>
-              <a:t>November 1992 through January 1993</a:t>
-            </a:r>
-          </a:p>
-          <a:p>
+              <a:t> approval rating among Republicans in an average of November 1992 through January 1993 Gallup polls.</a:t>
+            </a:r>
+          </a:p>
+          <a:p>
+            <a:pPr marL="0" indent="0">
+              <a:buNone/>
+            </a:pPr>
             <a:endParaRPr lang="zh-TW" altLang="en-US" sz="2000" dirty="0"/>
           </a:p>
         </p:txBody>
@@ -6848,7 +8287,7 @@
             <a:pPr rtl="0"/>
             <a:fld id="{CE847876-3A2B-49FA-B396-40048599C954}" type="datetime1">
               <a:rPr lang="zh-TW" altLang="en-US" smtClean="0"/>
-              <a:t>2021/3/7</a:t>
+              <a:t>2021/3/8</a:t>
             </a:fld>
             <a:endParaRPr lang="en-US"/>
           </a:p>
@@ -6857,7 +8296,7 @@
     </p:spTree>
     <p:extLst>
       <p:ext uri="{BB962C8B-B14F-4D97-AF65-F5344CB8AC3E}">
-        <p14:creationId xmlns:p14="http://schemas.microsoft.com/office/powerpoint/2010/main" val="261833018"/>
+        <p14:creationId xmlns:p14="http://schemas.microsoft.com/office/powerpoint/2010/main" val="3998073184"/>
       </p:ext>
     </p:extLst>
   </p:cSld>
@@ -6918,7 +8357,7 @@
             </a:r>
             <a:r>
               <a:rPr lang="en-US" altLang="zh-TW" dirty="0" err="1"/>
-              <a:t>SQuAD+SPaCY</a:t>
+              <a:t>spaCy</a:t>
             </a:r>
             <a:r>
               <a:rPr lang="en-US" altLang="zh-TW" dirty="0"/>
@@ -6958,170 +8397,251 @@
           <a:p>
             <a:r>
               <a:rPr lang="en-US" altLang="zh-TW" sz="2000" dirty="0"/>
-              <a:t>Text =</a:t>
-            </a:r>
-            <a:r>
-              <a:rPr lang="zh-TW" altLang="en-US" sz="2000" dirty="0"/>
-              <a:t> </a:t>
+              <a:t>Text = </a:t>
             </a:r>
             <a:r>
               <a:rPr lang="en-US" altLang="zh-TW" sz="2000" dirty="0">
                 <a:solidFill>
                   <a:srgbClr val="FF0000"/>
                 </a:solidFill>
-              </a:rPr>
-              <a:t>The US Food and Drug Administration</a:t>
-            </a:r>
-            <a:r>
-              <a:rPr lang="en-US" altLang="zh-TW" sz="2000" dirty="0"/>
-              <a:t> on </a:t>
+                <a:latin typeface="Arial" panose="020B0604020202020204" pitchFamily="34" charset="0"/>
+                <a:cs typeface="Arial" panose="020B0604020202020204" pitchFamily="34" charset="0"/>
+              </a:rPr>
+              <a:t>Gerald Ford </a:t>
+            </a:r>
+            <a:r>
+              <a:rPr lang="en-US" altLang="zh-TW" sz="2000" dirty="0">
+                <a:latin typeface="Arial" panose="020B0604020202020204" pitchFamily="34" charset="0"/>
+                <a:cs typeface="Arial" panose="020B0604020202020204" pitchFamily="34" charset="0"/>
+              </a:rPr>
+              <a:t>came in with a </a:t>
             </a:r>
             <a:r>
               <a:rPr lang="en-US" altLang="zh-TW" sz="2000" dirty="0">
                 <a:solidFill>
                   <a:srgbClr val="FF0000"/>
                 </a:solidFill>
-              </a:rPr>
-              <a:t>Friday</a:t>
-            </a:r>
-            <a:r>
-              <a:rPr lang="en-US" altLang="zh-TW" sz="2000" dirty="0"/>
-              <a:t> said that people should not use </a:t>
+                <a:latin typeface="Arial" panose="020B0604020202020204" pitchFamily="34" charset="0"/>
+                <a:cs typeface="Arial" panose="020B0604020202020204" pitchFamily="34" charset="0"/>
+              </a:rPr>
+              <a:t>80%</a:t>
+            </a:r>
+            <a:r>
+              <a:rPr lang="en-US" altLang="zh-TW" sz="2000" dirty="0">
+                <a:latin typeface="Arial" panose="020B0604020202020204" pitchFamily="34" charset="0"/>
+                <a:cs typeface="Arial" panose="020B0604020202020204" pitchFamily="34" charset="0"/>
+              </a:rPr>
+              <a:t> approval rating among </a:t>
             </a:r>
             <a:r>
               <a:rPr lang="en-US" altLang="zh-TW" sz="2000" dirty="0">
                 <a:solidFill>
                   <a:srgbClr val="FF0000"/>
                 </a:solidFill>
-              </a:rPr>
-              <a:t>ivermectin</a:t>
-            </a:r>
-            <a:r>
-              <a:rPr lang="en-US" altLang="zh-TW" sz="2000" dirty="0"/>
-              <a:t> to attempt to treat or prevent </a:t>
+                <a:latin typeface="Arial" panose="020B0604020202020204" pitchFamily="34" charset="0"/>
+                <a:cs typeface="Arial" panose="020B0604020202020204" pitchFamily="34" charset="0"/>
+              </a:rPr>
+              <a:t>Republicans</a:t>
+            </a:r>
+            <a:r>
+              <a:rPr lang="en-US" altLang="zh-TW" sz="2000" dirty="0">
+                <a:latin typeface="Arial" panose="020B0604020202020204" pitchFamily="34" charset="0"/>
+                <a:cs typeface="Arial" panose="020B0604020202020204" pitchFamily="34" charset="0"/>
+              </a:rPr>
+              <a:t> in </a:t>
             </a:r>
             <a:r>
               <a:rPr lang="en-US" altLang="zh-TW" sz="2000" dirty="0">
                 <a:solidFill>
                   <a:srgbClr val="FF0000"/>
                 </a:solidFill>
-              </a:rPr>
-              <a:t>Covid-19</a:t>
-            </a:r>
-            <a:r>
-              <a:rPr lang="en-US" altLang="zh-TW" sz="2000" dirty="0"/>
-              <a:t>. The drug is typically used to treat </a:t>
+                <a:latin typeface="Arial" panose="020B0604020202020204" pitchFamily="34" charset="0"/>
+                <a:cs typeface="Arial" panose="020B0604020202020204" pitchFamily="34" charset="0"/>
+              </a:rPr>
+              <a:t>December 1976 Gallup </a:t>
+            </a:r>
+            <a:r>
+              <a:rPr lang="en-US" altLang="zh-TW" sz="2000" dirty="0">
+                <a:latin typeface="Arial" panose="020B0604020202020204" pitchFamily="34" charset="0"/>
+                <a:cs typeface="Arial" panose="020B0604020202020204" pitchFamily="34" charset="0"/>
+              </a:rPr>
+              <a:t>polling. </a:t>
             </a:r>
             <a:r>
               <a:rPr lang="en-US" altLang="zh-TW" sz="2000" dirty="0">
                 <a:solidFill>
                   <a:srgbClr val="FF0000"/>
                 </a:solidFill>
-              </a:rPr>
-              <a:t>parasites</a:t>
-            </a:r>
-            <a:r>
-              <a:rPr lang="en-US" altLang="zh-TW" sz="2000" dirty="0"/>
-              <a:t>, such as </a:t>
+                <a:latin typeface="Arial" panose="020B0604020202020204" pitchFamily="34" charset="0"/>
+                <a:cs typeface="Arial" panose="020B0604020202020204" pitchFamily="34" charset="0"/>
+              </a:rPr>
+              <a:t>Jimmy Carter</a:t>
+            </a:r>
+            <a:r>
+              <a:rPr lang="en-US" altLang="zh-TW" sz="2000" dirty="0">
+                <a:latin typeface="Arial" panose="020B0604020202020204" pitchFamily="34" charset="0"/>
+                <a:cs typeface="Arial" panose="020B0604020202020204" pitchFamily="34" charset="0"/>
+              </a:rPr>
+              <a:t> was at </a:t>
             </a:r>
             <a:r>
               <a:rPr lang="en-US" altLang="zh-TW" sz="2000" dirty="0">
                 <a:solidFill>
                   <a:srgbClr val="FF0000"/>
                 </a:solidFill>
-              </a:rPr>
-              <a:t>lice and scabies</a:t>
-            </a:r>
-            <a:r>
-              <a:rPr lang="en-US" altLang="zh-TW" sz="2000" dirty="0"/>
-              <a:t>.</a:t>
-            </a:r>
-          </a:p>
-          <a:p>
-            <a:r>
-              <a:rPr lang="en-US" altLang="zh-TW" sz="2000" dirty="0"/>
-              <a:t>"There seems to be a growing interest in a drug called ivermectin to treat humans with </a:t>
+                <a:latin typeface="Arial" panose="020B0604020202020204" pitchFamily="34" charset="0"/>
+                <a:cs typeface="Arial" panose="020B0604020202020204" pitchFamily="34" charset="0"/>
+              </a:rPr>
+              <a:t>a mere 50% </a:t>
+            </a:r>
+            <a:r>
+              <a:rPr lang="en-US" altLang="zh-TW" sz="2000" dirty="0">
+                <a:latin typeface="Arial" panose="020B0604020202020204" pitchFamily="34" charset="0"/>
+                <a:cs typeface="Arial" panose="020B0604020202020204" pitchFamily="34" charset="0"/>
+              </a:rPr>
+              <a:t>among </a:t>
             </a:r>
             <a:r>
               <a:rPr lang="en-US" altLang="zh-TW" sz="2000" dirty="0">
                 <a:solidFill>
                   <a:srgbClr val="FF0000"/>
                 </a:solidFill>
-              </a:rPr>
-              <a:t>COVID-19</a:t>
-            </a:r>
-            <a:r>
-              <a:rPr lang="en-US" altLang="zh-TW" sz="2000" dirty="0"/>
-              <a:t>. Ivermectin is often used in the </a:t>
+                <a:latin typeface="Arial" panose="020B0604020202020204" pitchFamily="34" charset="0"/>
+                <a:cs typeface="Arial" panose="020B0604020202020204" pitchFamily="34" charset="0"/>
+              </a:rPr>
+              <a:t>Democrats</a:t>
+            </a:r>
+            <a:r>
+              <a:rPr lang="en-US" altLang="zh-TW" sz="2000" dirty="0">
+                <a:latin typeface="Arial" panose="020B0604020202020204" pitchFamily="34" charset="0"/>
+                <a:cs typeface="Arial" panose="020B0604020202020204" pitchFamily="34" charset="0"/>
+              </a:rPr>
+              <a:t> in </a:t>
             </a:r>
             <a:r>
               <a:rPr lang="en-US" altLang="zh-TW" sz="2000" dirty="0">
                 <a:solidFill>
                   <a:srgbClr val="FF0000"/>
                 </a:solidFill>
-              </a:rPr>
-              <a:t>U.S.</a:t>
-            </a:r>
-            <a:r>
-              <a:rPr lang="en-US" altLang="zh-TW" sz="2000" dirty="0"/>
-              <a:t> to treat or prevent parasites in animals. The </a:t>
+                <a:latin typeface="Arial" panose="020B0604020202020204" pitchFamily="34" charset="0"/>
+                <a:cs typeface="Arial" panose="020B0604020202020204" pitchFamily="34" charset="0"/>
+              </a:rPr>
+              <a:t>November</a:t>
+            </a:r>
+            <a:r>
+              <a:rPr lang="en-US" altLang="zh-TW" sz="2000" dirty="0">
+                <a:latin typeface="Arial" panose="020B0604020202020204" pitchFamily="34" charset="0"/>
+                <a:cs typeface="Arial" panose="020B0604020202020204" pitchFamily="34" charset="0"/>
+              </a:rPr>
+              <a:t> and </a:t>
             </a:r>
             <a:r>
               <a:rPr lang="en-US" altLang="zh-TW" sz="2000" dirty="0">
                 <a:solidFill>
                   <a:srgbClr val="FF0000"/>
                 </a:solidFill>
-              </a:rPr>
-              <a:t>FDA</a:t>
-            </a:r>
-            <a:r>
-              <a:rPr lang="en-US" altLang="zh-TW" sz="2000" dirty="0"/>
-              <a:t> has received multiple reports of patients who have required medical support and been hospitalized after self-medicating with ivermectin intended for </a:t>
+                <a:latin typeface="Arial" panose="020B0604020202020204" pitchFamily="34" charset="0"/>
+                <a:cs typeface="Arial" panose="020B0604020202020204" pitchFamily="34" charset="0"/>
+              </a:rPr>
+              <a:t>December 1980 </a:t>
+            </a:r>
+            <a:r>
+              <a:rPr lang="en-US" altLang="zh-TW" sz="2000" dirty="0">
+                <a:latin typeface="Arial" panose="020B0604020202020204" pitchFamily="34" charset="0"/>
+                <a:cs typeface="Arial" panose="020B0604020202020204" pitchFamily="34" charset="0"/>
+              </a:rPr>
+              <a:t>Gallup numbers. </a:t>
             </a:r>
             <a:r>
               <a:rPr lang="en-US" altLang="zh-TW" sz="2000" dirty="0">
                 <a:solidFill>
                   <a:srgbClr val="FF0000"/>
                 </a:solidFill>
-              </a:rPr>
-              <a:t>horses</a:t>
-            </a:r>
-            <a:r>
-              <a:rPr lang="en-US" altLang="zh-TW" sz="2000" dirty="0"/>
-              <a:t>," the agency's announcement said on Friday.</a:t>
-            </a:r>
-          </a:p>
-          <a:p>
-            <a:r>
-              <a:rPr lang="en-US" altLang="zh-TW" sz="2000" dirty="0"/>
-              <a:t>The announcement noted that the </a:t>
+                <a:latin typeface="Arial" panose="020B0604020202020204" pitchFamily="34" charset="0"/>
+                <a:cs typeface="Arial" panose="020B0604020202020204" pitchFamily="34" charset="0"/>
+              </a:rPr>
+              <a:t>George H.W. Bush </a:t>
+            </a:r>
+            <a:r>
+              <a:rPr lang="en-US" altLang="zh-TW" sz="2000" dirty="0">
+                <a:latin typeface="Arial" panose="020B0604020202020204" pitchFamily="34" charset="0"/>
+                <a:cs typeface="Arial" panose="020B0604020202020204" pitchFamily="34" charset="0"/>
+              </a:rPr>
+              <a:t>averaged an </a:t>
             </a:r>
             <a:r>
               <a:rPr lang="en-US" altLang="zh-TW" sz="2000" dirty="0">
                 <a:solidFill>
                   <a:srgbClr val="FF0000"/>
                 </a:solidFill>
-              </a:rPr>
-              <a:t>FDA</a:t>
-            </a:r>
-            <a:r>
-              <a:rPr lang="en-US" altLang="zh-TW" sz="2000" dirty="0"/>
-              <a:t> has not approved ivermectin to treat or prevent Covid-19 in humans and the drug is not an anti</a:t>
+                <a:latin typeface="Arial" panose="020B0604020202020204" pitchFamily="34" charset="0"/>
+                <a:cs typeface="Arial" panose="020B0604020202020204" pitchFamily="34" charset="0"/>
+              </a:rPr>
+              <a:t>84%</a:t>
+            </a:r>
+            <a:r>
+              <a:rPr lang="en-US" altLang="zh-TW" sz="2000" dirty="0">
+                <a:latin typeface="Arial" panose="020B0604020202020204" pitchFamily="34" charset="0"/>
+                <a:cs typeface="Arial" panose="020B0604020202020204" pitchFamily="34" charset="0"/>
+              </a:rPr>
+              <a:t> approval rating among </a:t>
             </a:r>
             <a:r>
               <a:rPr lang="en-US" altLang="zh-TW" sz="2000" dirty="0">
                 <a:solidFill>
                   <a:srgbClr val="FF0000"/>
                 </a:solidFill>
-              </a:rPr>
-              <a:t>-viral</a:t>
-            </a:r>
-            <a:r>
-              <a:rPr lang="en-US" altLang="zh-TW" sz="2000" dirty="0"/>
-              <a:t> medication. </a:t>
-            </a:r>
-          </a:p>
-          <a:p>
+                <a:latin typeface="Arial" panose="020B0604020202020204" pitchFamily="34" charset="0"/>
+                <a:cs typeface="Arial" panose="020B0604020202020204" pitchFamily="34" charset="0"/>
+              </a:rPr>
+              <a:t>Republicans</a:t>
+            </a:r>
+            <a:r>
+              <a:rPr lang="en-US" altLang="zh-TW" sz="2000" dirty="0">
+                <a:latin typeface="Arial" panose="020B0604020202020204" pitchFamily="34" charset="0"/>
+                <a:cs typeface="Arial" panose="020B0604020202020204" pitchFamily="34" charset="0"/>
+              </a:rPr>
+              <a:t> in an average of </a:t>
+            </a:r>
+            <a:r>
+              <a:rPr lang="en-US" altLang="zh-TW" sz="2000" dirty="0">
+                <a:solidFill>
+                  <a:srgbClr val="FF0000"/>
+                </a:solidFill>
+                <a:latin typeface="Arial" panose="020B0604020202020204" pitchFamily="34" charset="0"/>
+                <a:cs typeface="Arial" panose="020B0604020202020204" pitchFamily="34" charset="0"/>
+              </a:rPr>
+              <a:t>November 1992</a:t>
+            </a:r>
+            <a:r>
+              <a:rPr lang="en-US" altLang="zh-TW" sz="2000" dirty="0">
+                <a:latin typeface="Arial" panose="020B0604020202020204" pitchFamily="34" charset="0"/>
+                <a:cs typeface="Arial" panose="020B0604020202020204" pitchFamily="34" charset="0"/>
+              </a:rPr>
+              <a:t> through </a:t>
+            </a:r>
+            <a:r>
+              <a:rPr lang="en-US" altLang="zh-TW" sz="2000" dirty="0">
+                <a:solidFill>
+                  <a:srgbClr val="FF0000"/>
+                </a:solidFill>
+                <a:latin typeface="Arial" panose="020B0604020202020204" pitchFamily="34" charset="0"/>
+                <a:cs typeface="Arial" panose="020B0604020202020204" pitchFamily="34" charset="0"/>
+              </a:rPr>
+              <a:t>January 1993</a:t>
+            </a:r>
+            <a:r>
+              <a:rPr lang="en-US" altLang="zh-TW" sz="2000" dirty="0">
+                <a:latin typeface="Arial" panose="020B0604020202020204" pitchFamily="34" charset="0"/>
+                <a:cs typeface="Arial" panose="020B0604020202020204" pitchFamily="34" charset="0"/>
+              </a:rPr>
+              <a:t> Gallup polls.</a:t>
+            </a:r>
+          </a:p>
+          <a:p>
+            <a:pPr marL="0" indent="0">
+              <a:buNone/>
+            </a:pPr>
             <a:endParaRPr lang="zh-TW" altLang="en-US" sz="2000" dirty="0"/>
           </a:p>
         </p:txBody>
@@ -7150,7 +8670,7 @@
             <a:pPr rtl="0"/>
             <a:fld id="{CE847876-3A2B-49FA-B396-40048599C954}" type="datetime1">
               <a:rPr lang="zh-TW" altLang="en-US" smtClean="0"/>
-              <a:t>2021/3/7</a:t>
+              <a:t>2021/3/8</a:t>
             </a:fld>
             <a:endParaRPr lang="en-US"/>
           </a:p>
@@ -7159,7 +8679,7 @@
     </p:spTree>
     <p:extLst>
       <p:ext uri="{BB962C8B-B14F-4D97-AF65-F5344CB8AC3E}">
-        <p14:creationId xmlns:p14="http://schemas.microsoft.com/office/powerpoint/2010/main" val="1718701095"/>
+        <p14:creationId xmlns:p14="http://schemas.microsoft.com/office/powerpoint/2010/main" val="1544408356"/>
       </p:ext>
     </p:extLst>
   </p:cSld>
@@ -7191,7 +8711,7 @@
           <p:cNvPr id="2" name="標題 1">
             <a:extLst>
               <a:ext uri="{FF2B5EF4-FFF2-40B4-BE49-F238E27FC236}">
-                <a16:creationId xmlns:a16="http://schemas.microsoft.com/office/drawing/2014/main" id="{DE7EEDE1-BD26-4FB4-836F-99132C4AA07D}"/>
+                <a16:creationId xmlns:a16="http://schemas.microsoft.com/office/drawing/2014/main" id="{D7403881-F59A-4151-A310-494FD2BE6834}"/>
               </a:ext>
             </a:extLst>
           </p:cNvPr>
@@ -7202,14 +8722,29 @@
             <p:ph type="title"/>
           </p:nvPr>
         </p:nvSpPr>
-        <p:spPr/>
-        <p:txBody>
-          <a:bodyPr/>
+        <p:spPr>
+          <a:xfrm>
+            <a:off x="1066800" y="642594"/>
+            <a:ext cx="10058400" cy="607086"/>
+          </a:xfrm>
+        </p:spPr>
+        <p:txBody>
+          <a:bodyPr>
+            <a:normAutofit fontScale="90000"/>
+          </a:bodyPr>
           <a:lstStyle/>
           <a:p>
             <a:r>
+              <a:rPr lang="en-US" altLang="zh-TW" dirty="0"/>
+              <a:t>Result (</a:t>
+            </a:r>
+            <a:r>
               <a:rPr lang="en-US" altLang="zh-TW" dirty="0" err="1"/>
-              <a:t>hEALTH</a:t>
+              <a:t>SQuAD+spaCy</a:t>
+            </a:r>
+            <a:r>
+              <a:rPr lang="en-US" altLang="zh-TW" dirty="0"/>
+              <a:t>)</a:t>
             </a:r>
             <a:endParaRPr lang="zh-TW" altLang="en-US" dirty="0"/>
           </a:p>
@@ -7217,10 +8752,10 @@
       </p:sp>
       <p:sp>
         <p:nvSpPr>
-          <p:cNvPr id="3" name="文字版面配置區 2">
+          <p:cNvPr id="3" name="內容版面配置區 2">
             <a:extLst>
               <a:ext uri="{FF2B5EF4-FFF2-40B4-BE49-F238E27FC236}">
-                <a16:creationId xmlns:a16="http://schemas.microsoft.com/office/drawing/2014/main" id="{C1DA731B-CC5C-4BF5-8AC0-6300A74C89CB}"/>
+                <a16:creationId xmlns:a16="http://schemas.microsoft.com/office/drawing/2014/main" id="{73A0045B-F87A-4893-83FE-4EDF497A1B8D}"/>
               </a:ext>
             </a:extLst>
           </p:cNvPr>
@@ -7228,15 +8763,248 @@
             <a:spLocks noGrp="1"/>
           </p:cNvSpPr>
           <p:nvPr>
-            <p:ph type="body" idx="1"/>
-          </p:nvPr>
-        </p:nvSpPr>
-        <p:spPr/>
-        <p:txBody>
-          <a:bodyPr/>
+            <p:ph idx="1"/>
+          </p:nvPr>
+        </p:nvSpPr>
+        <p:spPr>
+          <a:xfrm>
+            <a:off x="1066800" y="1146048"/>
+            <a:ext cx="10058400" cy="4806696"/>
+          </a:xfrm>
+        </p:spPr>
+        <p:txBody>
+          <a:bodyPr>
+            <a:normAutofit/>
+          </a:bodyPr>
           <a:lstStyle/>
           <a:p>
-            <a:endParaRPr lang="zh-TW" altLang="en-US"/>
+            <a:r>
+              <a:rPr lang="en-US" altLang="zh-TW" sz="2000" dirty="0"/>
+              <a:t>Text = </a:t>
+            </a:r>
+            <a:r>
+              <a:rPr lang="en-US" altLang="zh-TW" sz="2000" dirty="0">
+                <a:solidFill>
+                  <a:srgbClr val="FF0000"/>
+                </a:solidFill>
+                <a:latin typeface="Arial" panose="020B0604020202020204" pitchFamily="34" charset="0"/>
+                <a:cs typeface="Arial" panose="020B0604020202020204" pitchFamily="34" charset="0"/>
+              </a:rPr>
+              <a:t>Gerald Ford </a:t>
+            </a:r>
+            <a:r>
+              <a:rPr lang="en-US" altLang="zh-TW" sz="2000" dirty="0">
+                <a:latin typeface="Arial" panose="020B0604020202020204" pitchFamily="34" charset="0"/>
+                <a:cs typeface="Arial" panose="020B0604020202020204" pitchFamily="34" charset="0"/>
+              </a:rPr>
+              <a:t>came in with a </a:t>
+            </a:r>
+            <a:r>
+              <a:rPr lang="en-US" altLang="zh-TW" sz="2000" dirty="0">
+                <a:solidFill>
+                  <a:srgbClr val="FF0000"/>
+                </a:solidFill>
+                <a:latin typeface="Arial" panose="020B0604020202020204" pitchFamily="34" charset="0"/>
+                <a:cs typeface="Arial" panose="020B0604020202020204" pitchFamily="34" charset="0"/>
+              </a:rPr>
+              <a:t>80%</a:t>
+            </a:r>
+            <a:r>
+              <a:rPr lang="en-US" altLang="zh-TW" sz="2000" dirty="0">
+                <a:latin typeface="Arial" panose="020B0604020202020204" pitchFamily="34" charset="0"/>
+                <a:cs typeface="Arial" panose="020B0604020202020204" pitchFamily="34" charset="0"/>
+              </a:rPr>
+              <a:t> approval rating among </a:t>
+            </a:r>
+            <a:r>
+              <a:rPr lang="en-US" altLang="zh-TW" sz="2000" dirty="0">
+                <a:solidFill>
+                  <a:srgbClr val="FF0000"/>
+                </a:solidFill>
+                <a:latin typeface="Arial" panose="020B0604020202020204" pitchFamily="34" charset="0"/>
+                <a:cs typeface="Arial" panose="020B0604020202020204" pitchFamily="34" charset="0"/>
+              </a:rPr>
+              <a:t>Republicans</a:t>
+            </a:r>
+            <a:r>
+              <a:rPr lang="en-US" altLang="zh-TW" sz="2000" dirty="0">
+                <a:latin typeface="Arial" panose="020B0604020202020204" pitchFamily="34" charset="0"/>
+                <a:cs typeface="Arial" panose="020B0604020202020204" pitchFamily="34" charset="0"/>
+              </a:rPr>
+              <a:t> in </a:t>
+            </a:r>
+            <a:r>
+              <a:rPr lang="en-US" altLang="zh-TW" sz="2000" dirty="0">
+                <a:solidFill>
+                  <a:srgbClr val="FF0000"/>
+                </a:solidFill>
+                <a:latin typeface="Arial" panose="020B0604020202020204" pitchFamily="34" charset="0"/>
+                <a:cs typeface="Arial" panose="020B0604020202020204" pitchFamily="34" charset="0"/>
+              </a:rPr>
+              <a:t>December 1976 </a:t>
+            </a:r>
+            <a:r>
+              <a:rPr lang="en-US" altLang="zh-TW" sz="2000" dirty="0">
+                <a:latin typeface="Arial" panose="020B0604020202020204" pitchFamily="34" charset="0"/>
+                <a:cs typeface="Arial" panose="020B0604020202020204" pitchFamily="34" charset="0"/>
+              </a:rPr>
+              <a:t>Gallup polling. </a:t>
+            </a:r>
+            <a:r>
+              <a:rPr lang="en-US" altLang="zh-TW" sz="2000" dirty="0">
+                <a:solidFill>
+                  <a:srgbClr val="FF0000"/>
+                </a:solidFill>
+                <a:latin typeface="Arial" panose="020B0604020202020204" pitchFamily="34" charset="0"/>
+                <a:cs typeface="Arial" panose="020B0604020202020204" pitchFamily="34" charset="0"/>
+              </a:rPr>
+              <a:t>Jimmy Carter </a:t>
+            </a:r>
+            <a:r>
+              <a:rPr lang="en-US" altLang="zh-TW" sz="2000" dirty="0">
+                <a:latin typeface="Arial" panose="020B0604020202020204" pitchFamily="34" charset="0"/>
+                <a:cs typeface="Arial" panose="020B0604020202020204" pitchFamily="34" charset="0"/>
+              </a:rPr>
+              <a:t>was at a </a:t>
+            </a:r>
+            <a:r>
+              <a:rPr lang="en-US" altLang="zh-TW" sz="2000" dirty="0">
+                <a:solidFill>
+                  <a:srgbClr val="FF0000"/>
+                </a:solidFill>
+                <a:latin typeface="Arial" panose="020B0604020202020204" pitchFamily="34" charset="0"/>
+                <a:cs typeface="Arial" panose="020B0604020202020204" pitchFamily="34" charset="0"/>
+              </a:rPr>
+              <a:t>mere 50% </a:t>
+            </a:r>
+            <a:r>
+              <a:rPr lang="en-US" altLang="zh-TW" sz="2000" dirty="0">
+                <a:latin typeface="Arial" panose="020B0604020202020204" pitchFamily="34" charset="0"/>
+                <a:cs typeface="Arial" panose="020B0604020202020204" pitchFamily="34" charset="0"/>
+              </a:rPr>
+              <a:t>among </a:t>
+            </a:r>
+            <a:r>
+              <a:rPr lang="en-US" altLang="zh-TW" sz="2000" dirty="0">
+                <a:solidFill>
+                  <a:srgbClr val="FF0000"/>
+                </a:solidFill>
+                <a:latin typeface="Arial" panose="020B0604020202020204" pitchFamily="34" charset="0"/>
+                <a:cs typeface="Arial" panose="020B0604020202020204" pitchFamily="34" charset="0"/>
+              </a:rPr>
+              <a:t>Democrats</a:t>
+            </a:r>
+            <a:r>
+              <a:rPr lang="en-US" altLang="zh-TW" sz="2000" dirty="0">
+                <a:latin typeface="Arial" panose="020B0604020202020204" pitchFamily="34" charset="0"/>
+                <a:cs typeface="Arial" panose="020B0604020202020204" pitchFamily="34" charset="0"/>
+              </a:rPr>
+              <a:t> in </a:t>
+            </a:r>
+            <a:r>
+              <a:rPr lang="en-US" altLang="zh-TW" sz="2000" dirty="0">
+                <a:solidFill>
+                  <a:srgbClr val="FF0000"/>
+                </a:solidFill>
+                <a:latin typeface="Arial" panose="020B0604020202020204" pitchFamily="34" charset="0"/>
+                <a:cs typeface="Arial" panose="020B0604020202020204" pitchFamily="34" charset="0"/>
+              </a:rPr>
+              <a:t>November</a:t>
+            </a:r>
+            <a:r>
+              <a:rPr lang="en-US" altLang="zh-TW" sz="2000" dirty="0">
+                <a:latin typeface="Arial" panose="020B0604020202020204" pitchFamily="34" charset="0"/>
+                <a:cs typeface="Arial" panose="020B0604020202020204" pitchFamily="34" charset="0"/>
+              </a:rPr>
+              <a:t> and </a:t>
+            </a:r>
+            <a:r>
+              <a:rPr lang="en-US" altLang="zh-TW" sz="2000" dirty="0">
+                <a:solidFill>
+                  <a:srgbClr val="FF0000"/>
+                </a:solidFill>
+                <a:latin typeface="Arial" panose="020B0604020202020204" pitchFamily="34" charset="0"/>
+                <a:cs typeface="Arial" panose="020B0604020202020204" pitchFamily="34" charset="0"/>
+              </a:rPr>
+              <a:t>December 1980</a:t>
+            </a:r>
+            <a:r>
+              <a:rPr lang="en-US" altLang="zh-TW" sz="2000" dirty="0">
+                <a:latin typeface="Arial" panose="020B0604020202020204" pitchFamily="34" charset="0"/>
+                <a:cs typeface="Arial" panose="020B0604020202020204" pitchFamily="34" charset="0"/>
+              </a:rPr>
+              <a:t> Gallup numbers. </a:t>
+            </a:r>
+            <a:r>
+              <a:rPr lang="en-US" altLang="zh-TW" sz="2000" dirty="0">
+                <a:solidFill>
+                  <a:srgbClr val="FF0000"/>
+                </a:solidFill>
+                <a:latin typeface="Arial" panose="020B0604020202020204" pitchFamily="34" charset="0"/>
+                <a:cs typeface="Arial" panose="020B0604020202020204" pitchFamily="34" charset="0"/>
+              </a:rPr>
+              <a:t>George H.W. Bush</a:t>
+            </a:r>
+            <a:r>
+              <a:rPr lang="en-US" altLang="zh-TW" sz="2000" dirty="0">
+                <a:latin typeface="Arial" panose="020B0604020202020204" pitchFamily="34" charset="0"/>
+                <a:cs typeface="Arial" panose="020B0604020202020204" pitchFamily="34" charset="0"/>
+              </a:rPr>
+              <a:t> averaged an </a:t>
+            </a:r>
+            <a:r>
+              <a:rPr lang="en-US" altLang="zh-TW" sz="2000" dirty="0">
+                <a:solidFill>
+                  <a:srgbClr val="FF0000"/>
+                </a:solidFill>
+                <a:latin typeface="Arial" panose="020B0604020202020204" pitchFamily="34" charset="0"/>
+                <a:cs typeface="Arial" panose="020B0604020202020204" pitchFamily="34" charset="0"/>
+              </a:rPr>
+              <a:t>84%</a:t>
+            </a:r>
+            <a:r>
+              <a:rPr lang="en-US" altLang="zh-TW" sz="2000" dirty="0">
+                <a:latin typeface="Arial" panose="020B0604020202020204" pitchFamily="34" charset="0"/>
+                <a:cs typeface="Arial" panose="020B0604020202020204" pitchFamily="34" charset="0"/>
+              </a:rPr>
+              <a:t> approval rating among Republicans in an average of November 1992 through </a:t>
+            </a:r>
+            <a:r>
+              <a:rPr lang="en-US" altLang="zh-TW" sz="2000" dirty="0">
+                <a:solidFill>
+                  <a:srgbClr val="FF0000"/>
+                </a:solidFill>
+                <a:latin typeface="Arial" panose="020B0604020202020204" pitchFamily="34" charset="0"/>
+                <a:cs typeface="Arial" panose="020B0604020202020204" pitchFamily="34" charset="0"/>
+              </a:rPr>
+              <a:t>January 1993</a:t>
+            </a:r>
+            <a:r>
+              <a:rPr lang="en-US" altLang="zh-TW" sz="2000" dirty="0">
+                <a:latin typeface="Arial" panose="020B0604020202020204" pitchFamily="34" charset="0"/>
+                <a:cs typeface="Arial" panose="020B0604020202020204" pitchFamily="34" charset="0"/>
+              </a:rPr>
+              <a:t> Gallup polls.</a:t>
+            </a:r>
+          </a:p>
+          <a:p>
+            <a:r>
+              <a:rPr lang="zh-TW" altLang="en-US" sz="2000" dirty="0">
+                <a:latin typeface="Arial" panose="020B0604020202020204" pitchFamily="34" charset="0"/>
+                <a:cs typeface="Arial" panose="020B0604020202020204" pitchFamily="34" charset="0"/>
+              </a:rPr>
+              <a:t>還是無法完整抓取 </a:t>
+            </a:r>
+            <a:r>
+              <a:rPr lang="en-US" altLang="zh-TW" sz="2000" dirty="0">
+                <a:latin typeface="Arial" panose="020B0604020202020204" pitchFamily="34" charset="0"/>
+                <a:cs typeface="Arial" panose="020B0604020202020204" pitchFamily="34" charset="0"/>
+              </a:rPr>
+              <a:t>November 1992 through January 1993</a:t>
+            </a:r>
+          </a:p>
+          <a:p>
+            <a:endParaRPr lang="zh-TW" altLang="en-US" sz="2000" dirty="0"/>
           </a:p>
         </p:txBody>
       </p:sp>
@@ -7245,7 +9013,7 @@
           <p:cNvPr id="4" name="日期版面配置區 3">
             <a:extLst>
               <a:ext uri="{FF2B5EF4-FFF2-40B4-BE49-F238E27FC236}">
-                <a16:creationId xmlns:a16="http://schemas.microsoft.com/office/drawing/2014/main" id="{E9ECE8A8-5CC7-44F4-84D2-BE70CC713272}"/>
+                <a16:creationId xmlns:a16="http://schemas.microsoft.com/office/drawing/2014/main" id="{E6460A80-FEAB-4C74-A357-E212772A8F58}"/>
               </a:ext>
             </a:extLst>
           </p:cNvPr>
@@ -7261,18 +9029,19 @@
           <a:bodyPr/>
           <a:lstStyle/>
           <a:p>
-            <a:fld id="{294347CA-4B58-4AEE-8DA6-4E2B096FC96F}" type="datetime1">
-              <a:rPr lang="en-US" altLang="zh-TW" smtClean="0"/>
-              <a:t>3/7/2021</a:t>
+            <a:pPr rtl="0"/>
+            <a:fld id="{CE847876-3A2B-49FA-B396-40048599C954}" type="datetime1">
+              <a:rPr lang="zh-TW" altLang="en-US" smtClean="0"/>
+              <a:t>2021/3/8</a:t>
             </a:fld>
-            <a:endParaRPr lang="zh-TW" altLang="en-US" dirty="0"/>
+            <a:endParaRPr lang="en-US"/>
           </a:p>
         </p:txBody>
       </p:sp>
     </p:spTree>
     <p:extLst>
       <p:ext uri="{BB962C8B-B14F-4D97-AF65-F5344CB8AC3E}">
-        <p14:creationId xmlns:p14="http://schemas.microsoft.com/office/powerpoint/2010/main" val="1651229676"/>
+        <p14:creationId xmlns:p14="http://schemas.microsoft.com/office/powerpoint/2010/main" val="261833018"/>
       </p:ext>
     </p:extLst>
   </p:cSld>
@@ -7304,7 +9073,7 @@
           <p:cNvPr id="2" name="標題 1">
             <a:extLst>
               <a:ext uri="{FF2B5EF4-FFF2-40B4-BE49-F238E27FC236}">
-                <a16:creationId xmlns:a16="http://schemas.microsoft.com/office/drawing/2014/main" id="{94A2B766-5CDB-4599-B3DA-B53268F41928}"/>
+                <a16:creationId xmlns:a16="http://schemas.microsoft.com/office/drawing/2014/main" id="{77EB2161-D52D-4301-B8C7-14BDF5DEE08B}"/>
               </a:ext>
             </a:extLst>
           </p:cNvPr>
@@ -7312,30 +9081,17 @@
             <a:spLocks noGrp="1"/>
           </p:cNvSpPr>
           <p:nvPr>
-            <p:ph type="title"/>
-          </p:nvPr>
-        </p:nvSpPr>
-        <p:spPr>
-          <a:xfrm>
-            <a:off x="1066800" y="642594"/>
-            <a:ext cx="10058400" cy="952526"/>
-          </a:xfrm>
-        </p:spPr>
+            <p:ph type="ctrTitle"/>
+          </p:nvPr>
+        </p:nvSpPr>
+        <p:spPr/>
         <p:txBody>
           <a:bodyPr/>
           <a:lstStyle/>
           <a:p>
             <a:r>
               <a:rPr lang="en-US" altLang="zh-TW" dirty="0"/>
-              <a:t>Result (</a:t>
-            </a:r>
-            <a:r>
-              <a:rPr lang="en-US" altLang="zh-TW" dirty="0" err="1"/>
-              <a:t>spAcy</a:t>
-            </a:r>
-            <a:r>
-              <a:rPr lang="en-US" altLang="zh-TW" dirty="0"/>
-              <a:t>)</a:t>
+              <a:t>example2</a:t>
             </a:r>
             <a:endParaRPr lang="zh-TW" altLang="en-US" dirty="0"/>
           </a:p>
@@ -7343,10 +9099,10 @@
       </p:sp>
       <p:sp>
         <p:nvSpPr>
-          <p:cNvPr id="3" name="內容版面配置區 2">
+          <p:cNvPr id="3" name="副標題 2">
             <a:extLst>
               <a:ext uri="{FF2B5EF4-FFF2-40B4-BE49-F238E27FC236}">
-                <a16:creationId xmlns:a16="http://schemas.microsoft.com/office/drawing/2014/main" id="{9A681B59-C9CA-4AA0-8ADB-E58654A2CABE}"/>
+                <a16:creationId xmlns:a16="http://schemas.microsoft.com/office/drawing/2014/main" id="{983630C0-3688-47AF-8E68-78F5A861A8AD}"/>
               </a:ext>
             </a:extLst>
           </p:cNvPr>
@@ -7354,158 +9110,15 @@
             <a:spLocks noGrp="1"/>
           </p:cNvSpPr>
           <p:nvPr>
-            <p:ph idx="1"/>
-          </p:nvPr>
-        </p:nvSpPr>
-        <p:spPr>
-          <a:xfrm>
-            <a:off x="1066800" y="1463040"/>
-            <a:ext cx="10058400" cy="4489704"/>
-          </a:xfrm>
-        </p:spPr>
-        <p:txBody>
-          <a:bodyPr>
-            <a:normAutofit/>
-          </a:bodyPr>
+            <p:ph type="subTitle" idx="1"/>
+          </p:nvPr>
+        </p:nvSpPr>
+        <p:spPr/>
+        <p:txBody>
+          <a:bodyPr/>
           <a:lstStyle/>
           <a:p>
-            <a:r>
-              <a:rPr lang="en-US" altLang="zh-TW" sz="2000" dirty="0"/>
-              <a:t>Text = In </a:t>
-            </a:r>
-            <a:r>
-              <a:rPr lang="en-US" altLang="zh-TW" sz="2000" dirty="0">
-                <a:solidFill>
-                  <a:srgbClr val="FF0000"/>
-                </a:solidFill>
-              </a:rPr>
-              <a:t>January</a:t>
-            </a:r>
-            <a:r>
-              <a:rPr lang="en-US" altLang="zh-TW" sz="2000" dirty="0"/>
-              <a:t>, the </a:t>
-            </a:r>
-            <a:r>
-              <a:rPr lang="en-US" altLang="zh-TW" sz="2000" dirty="0">
-                <a:solidFill>
-                  <a:srgbClr val="FF0000"/>
-                </a:solidFill>
-              </a:rPr>
-              <a:t>National Institutes of Health's Treatment Guidelines Panel </a:t>
-            </a:r>
-            <a:r>
-              <a:rPr lang="en-US" altLang="zh-TW" sz="2000" dirty="0"/>
-              <a:t>said that there is not enough data to recommend for or against the drug to treat Covid-19 patients.</a:t>
-            </a:r>
-          </a:p>
-          <a:p>
-            <a:r>
-              <a:rPr lang="en-US" altLang="zh-TW" sz="2000" dirty="0"/>
-              <a:t>In the </a:t>
-            </a:r>
-            <a:r>
-              <a:rPr lang="en-US" altLang="zh-TW" sz="2000" dirty="0">
-                <a:solidFill>
-                  <a:srgbClr val="FF0000"/>
-                </a:solidFill>
-              </a:rPr>
-              <a:t>JAMA</a:t>
-            </a:r>
-            <a:r>
-              <a:rPr lang="en-US" altLang="zh-TW" sz="2000" dirty="0"/>
-              <a:t> study based in </a:t>
-            </a:r>
-            <a:r>
-              <a:rPr lang="en-US" altLang="zh-TW" sz="2000" dirty="0">
-                <a:solidFill>
-                  <a:srgbClr val="FF0000"/>
-                </a:solidFill>
-              </a:rPr>
-              <a:t>Cali</a:t>
-            </a:r>
-            <a:r>
-              <a:rPr lang="en-US" altLang="zh-TW" sz="2000" dirty="0"/>
-              <a:t>, </a:t>
-            </a:r>
-            <a:r>
-              <a:rPr lang="en-US" altLang="zh-TW" sz="2000" dirty="0">
-                <a:solidFill>
-                  <a:srgbClr val="FF0000"/>
-                </a:solidFill>
-              </a:rPr>
-              <a:t>Colombia</a:t>
-            </a:r>
-            <a:r>
-              <a:rPr lang="en-US" altLang="zh-TW" sz="2000" dirty="0"/>
-              <a:t>, nearly 500 adults with mild disease who had symptoms for </a:t>
-            </a:r>
-            <a:r>
-              <a:rPr lang="en-US" altLang="zh-TW" sz="2000" dirty="0">
-                <a:solidFill>
-                  <a:srgbClr val="FF0000"/>
-                </a:solidFill>
-              </a:rPr>
-              <a:t>seven </a:t>
-            </a:r>
-            <a:r>
-              <a:rPr lang="en-US" altLang="zh-TW" sz="2000" dirty="0"/>
-              <a:t>days, volunteered to help test the drug. The trial is what's known as a double-blind randomized control trial, the gold-standard of trials.</a:t>
-            </a:r>
-          </a:p>
-          <a:p>
-            <a:r>
-              <a:rPr lang="en-US" altLang="zh-TW" sz="2000" dirty="0"/>
-              <a:t>Half the volunteers received the drug for </a:t>
-            </a:r>
-            <a:r>
-              <a:rPr lang="en-US" altLang="zh-TW" sz="2000" dirty="0">
-                <a:solidFill>
-                  <a:srgbClr val="FF0000"/>
-                </a:solidFill>
-              </a:rPr>
-              <a:t>five </a:t>
-            </a:r>
-            <a:r>
-              <a:rPr lang="en-US" altLang="zh-TW" sz="2000" dirty="0"/>
-              <a:t>days, the other half got a placebo, and standard care. Patients were enrolled in the trial </a:t>
-            </a:r>
-            <a:r>
-              <a:rPr lang="en-US" altLang="zh-TW" sz="2000" dirty="0">
-                <a:solidFill>
-                  <a:srgbClr val="FF0000"/>
-                </a:solidFill>
-              </a:rPr>
-              <a:t>between July 2020 and November 2020</a:t>
-            </a:r>
-            <a:r>
-              <a:rPr lang="en-US" altLang="zh-TW" sz="2000" dirty="0"/>
-              <a:t> and doctors followed up with them </a:t>
-            </a:r>
-            <a:r>
-              <a:rPr lang="en-US" altLang="zh-TW" sz="2000" dirty="0">
-                <a:solidFill>
-                  <a:schemeClr val="accent2"/>
-                </a:solidFill>
-              </a:rPr>
-              <a:t>through</a:t>
-            </a:r>
-            <a:r>
-              <a:rPr lang="en-US" altLang="zh-TW" sz="2000" dirty="0"/>
-              <a:t> </a:t>
-            </a:r>
-            <a:r>
-              <a:rPr lang="en-US" altLang="zh-TW" sz="2000" dirty="0">
-                <a:solidFill>
-                  <a:srgbClr val="FF0000"/>
-                </a:solidFill>
-              </a:rPr>
-              <a:t>December</a:t>
-            </a:r>
-            <a:r>
-              <a:rPr lang="en-US" altLang="zh-TW" sz="2000" dirty="0"/>
-              <a:t>.</a:t>
-            </a:r>
-            <a:endParaRPr lang="zh-TW" altLang="en-US" sz="2000" dirty="0"/>
+            <a:endParaRPr lang="zh-TW" altLang="en-US"/>
           </a:p>
         </p:txBody>
       </p:sp>
@@ -7514,7 +9127,7 @@
           <p:cNvPr id="4" name="日期版面配置區 3">
             <a:extLst>
               <a:ext uri="{FF2B5EF4-FFF2-40B4-BE49-F238E27FC236}">
-                <a16:creationId xmlns:a16="http://schemas.microsoft.com/office/drawing/2014/main" id="{5E652408-4941-4486-A0C3-BD0DDBEB31E9}"/>
+                <a16:creationId xmlns:a16="http://schemas.microsoft.com/office/drawing/2014/main" id="{4DA81C7B-4ADB-450D-AB04-99F68D898224}"/>
               </a:ext>
             </a:extLst>
           </p:cNvPr>
@@ -7530,19 +9143,18 @@
           <a:bodyPr/>
           <a:lstStyle/>
           <a:p>
-            <a:pPr rtl="0"/>
-            <a:fld id="{CE847876-3A2B-49FA-B396-40048599C954}" type="datetime1">
+            <a:fld id="{4D9EAB54-90A7-4427-8D5D-1517AC1256FE}" type="datetime1">
               <a:rPr lang="zh-TW" altLang="en-US" smtClean="0"/>
-              <a:t>2021/3/7</a:t>
+              <a:t>2021/3/8</a:t>
             </a:fld>
-            <a:endParaRPr lang="en-US"/>
+            <a:endParaRPr lang="en-US" dirty="0"/>
           </a:p>
         </p:txBody>
       </p:sp>
     </p:spTree>
     <p:extLst>
       <p:ext uri="{BB962C8B-B14F-4D97-AF65-F5344CB8AC3E}">
-        <p14:creationId xmlns:p14="http://schemas.microsoft.com/office/powerpoint/2010/main" val="2517168779"/>
+        <p14:creationId xmlns:p14="http://schemas.microsoft.com/office/powerpoint/2010/main" val="152993505"/>
       </p:ext>
     </p:extLst>
   </p:cSld>
@@ -7574,7 +9186,7 @@
           <p:cNvPr id="2" name="標題 1">
             <a:extLst>
               <a:ext uri="{FF2B5EF4-FFF2-40B4-BE49-F238E27FC236}">
-                <a16:creationId xmlns:a16="http://schemas.microsoft.com/office/drawing/2014/main" id="{94A2B766-5CDB-4599-B3DA-B53268F41928}"/>
+                <a16:creationId xmlns:a16="http://schemas.microsoft.com/office/drawing/2014/main" id="{D7403881-F59A-4151-A310-494FD2BE6834}"/>
               </a:ext>
             </a:extLst>
           </p:cNvPr>
@@ -7588,11 +9200,13 @@
         <p:spPr>
           <a:xfrm>
             <a:off x="1066800" y="642594"/>
-            <a:ext cx="10058400" cy="952526"/>
+            <a:ext cx="10058400" cy="607086"/>
           </a:xfrm>
         </p:spPr>
         <p:txBody>
-          <a:bodyPr/>
+          <a:bodyPr>
+            <a:normAutofit fontScale="90000"/>
+          </a:bodyPr>
           <a:lstStyle/>
           <a:p>
             <a:r>
@@ -7601,7 +9215,7 @@
             </a:r>
             <a:r>
               <a:rPr lang="en-US" altLang="zh-TW" dirty="0" err="1"/>
-              <a:t>SQuAD+spAcy</a:t>
+              <a:t>SQuAD</a:t>
             </a:r>
             <a:r>
               <a:rPr lang="en-US" altLang="zh-TW" dirty="0"/>
@@ -7616,7 +9230,7 @@
           <p:cNvPr id="3" name="內容版面配置區 2">
             <a:extLst>
               <a:ext uri="{FF2B5EF4-FFF2-40B4-BE49-F238E27FC236}">
-                <a16:creationId xmlns:a16="http://schemas.microsoft.com/office/drawing/2014/main" id="{9A681B59-C9CA-4AA0-8ADB-E58654A2CABE}"/>
+                <a16:creationId xmlns:a16="http://schemas.microsoft.com/office/drawing/2014/main" id="{73A0045B-F87A-4893-83FE-4EDF497A1B8D}"/>
               </a:ext>
             </a:extLst>
           </p:cNvPr>
@@ -7629,8 +9243,8 @@
         </p:nvSpPr>
         <p:spPr>
           <a:xfrm>
-            <a:off x="1066800" y="1463040"/>
-            <a:ext cx="10058400" cy="4489704"/>
+            <a:off x="1066800" y="1146048"/>
+            <a:ext cx="10058400" cy="4806696"/>
           </a:xfrm>
         </p:spPr>
         <p:txBody>
@@ -7641,247 +9255,58 @@
           <a:p>
             <a:r>
               <a:rPr lang="en-US" altLang="zh-TW" sz="2000" dirty="0"/>
-              <a:t>Text = In </a:t>
+              <a:t>Text =</a:t>
+            </a:r>
+            <a:r>
+              <a:rPr lang="zh-TW" altLang="en-US" sz="2000" dirty="0"/>
+              <a:t> </a:t>
+            </a:r>
+            <a:r>
+              <a:rPr lang="en-US" altLang="zh-TW" sz="2000" dirty="0"/>
+              <a:t>The US Food and Drug Administration on Friday said that people should not use </a:t>
             </a:r>
             <a:r>
               <a:rPr lang="en-US" altLang="zh-TW" sz="2000" dirty="0">
                 <a:solidFill>
                   <a:srgbClr val="FF0000"/>
                 </a:solidFill>
-                <a:highlight>
-                  <a:srgbClr val="FFFF00"/>
-                </a:highlight>
-              </a:rPr>
-              <a:t>January</a:t>
+              </a:rPr>
+              <a:t>ivermectin</a:t>
             </a:r>
             <a:r>
               <a:rPr lang="en-US" altLang="zh-TW" sz="2000" dirty="0"/>
-              <a:t>, </a:t>
-            </a:r>
-            <a:r>
-              <a:rPr lang="en-US" altLang="zh-TW" sz="2000" dirty="0">
-                <a:highlight>
-                  <a:srgbClr val="FFFF00"/>
-                </a:highlight>
-              </a:rPr>
-              <a:t>the </a:t>
+              <a:t> to attempt to treat or prevent Covid</a:t>
             </a:r>
             <a:r>
               <a:rPr lang="en-US" altLang="zh-TW" sz="2000" dirty="0">
                 <a:solidFill>
                   <a:srgbClr val="FF0000"/>
                 </a:solidFill>
-                <a:highlight>
-                  <a:srgbClr val="FFFF00"/>
-                </a:highlight>
-              </a:rPr>
-              <a:t>National Institutes of Health's Treatment Guidelines Panel </a:t>
+              </a:rPr>
+              <a:t>-19</a:t>
             </a:r>
             <a:r>
               <a:rPr lang="en-US" altLang="zh-TW" sz="2000" dirty="0"/>
-              <a:t>said that there is not enough data to recommend for or against the drug to treat </a:t>
-            </a:r>
-            <a:r>
-              <a:rPr lang="en-US" altLang="zh-TW" sz="2000" dirty="0">
-                <a:highlight>
-                  <a:srgbClr val="FFFF00"/>
-                </a:highlight>
-              </a:rPr>
-              <a:t>Covid-19</a:t>
+              <a:t>. The drug is typically used to treat parasites, such as lice and </a:t>
+            </a:r>
+            <a:r>
+              <a:rPr lang="en-US" altLang="zh-TW" sz="2000" dirty="0" err="1"/>
+              <a:t>scabies."There</a:t>
             </a:r>
             <a:r>
               <a:rPr lang="en-US" altLang="zh-TW" sz="2000" dirty="0"/>
-              <a:t> patients.</a:t>
-            </a:r>
-          </a:p>
-          <a:p>
+              <a:t> seems to be a growing interest in a drug called ivermectin to treat humans with COVID-19. Ivermectin is often used in the U.S. to treat or prevent parasites in animals. The FDA has received multiple reports of patients who have required medical support and been hospitalized after self-medicating with ivermectin intended for horses," the agency's announcement said on </a:t>
+            </a:r>
+            <a:r>
+              <a:rPr lang="en-US" altLang="zh-TW" sz="2000" dirty="0" err="1"/>
+              <a:t>Friday.The</a:t>
+            </a:r>
             <a:r>
               <a:rPr lang="en-US" altLang="zh-TW" sz="2000" dirty="0"/>
-              <a:t>In the </a:t>
-            </a:r>
-            <a:r>
-              <a:rPr lang="en-US" altLang="zh-TW" sz="2000" dirty="0">
-                <a:solidFill>
-                  <a:srgbClr val="FF0000"/>
-                </a:solidFill>
-                <a:highlight>
-                  <a:srgbClr val="FFFF00"/>
-                </a:highlight>
-              </a:rPr>
-              <a:t>JAMA</a:t>
-            </a:r>
-            <a:r>
-              <a:rPr lang="en-US" altLang="zh-TW" sz="2000" dirty="0"/>
-              <a:t> study based in </a:t>
-            </a:r>
-            <a:r>
-              <a:rPr lang="en-US" altLang="zh-TW" sz="2000" dirty="0">
-                <a:solidFill>
-                  <a:srgbClr val="FF0000"/>
-                </a:solidFill>
-                <a:highlight>
-                  <a:srgbClr val="FFFF00"/>
-                </a:highlight>
-              </a:rPr>
-              <a:t>Cali</a:t>
-            </a:r>
-            <a:r>
-              <a:rPr lang="en-US" altLang="zh-TW" sz="2000" dirty="0"/>
-              <a:t>, </a:t>
-            </a:r>
-            <a:r>
-              <a:rPr lang="en-US" altLang="zh-TW" sz="2000" dirty="0">
-                <a:solidFill>
-                  <a:srgbClr val="FF0000"/>
-                </a:solidFill>
-                <a:highlight>
-                  <a:srgbClr val="FFFF00"/>
-                </a:highlight>
-              </a:rPr>
-              <a:t>Colombia</a:t>
-            </a:r>
-            <a:r>
-              <a:rPr lang="en-US" altLang="zh-TW" sz="2000" dirty="0"/>
-              <a:t>, </a:t>
-            </a:r>
-            <a:r>
-              <a:rPr lang="en-US" altLang="zh-TW" sz="2000" dirty="0">
-                <a:highlight>
-                  <a:srgbClr val="FFFF00"/>
-                </a:highlight>
-              </a:rPr>
-              <a:t>nearly 500</a:t>
-            </a:r>
-            <a:r>
-              <a:rPr lang="en-US" altLang="zh-TW" sz="2000" dirty="0"/>
-              <a:t> adults with mild disease who had symptoms for </a:t>
-            </a:r>
-            <a:r>
-              <a:rPr lang="en-US" altLang="zh-TW" sz="2000" dirty="0">
-                <a:solidFill>
-                  <a:srgbClr val="FF0000"/>
-                </a:solidFill>
-                <a:highlight>
-                  <a:srgbClr val="FFFF00"/>
-                </a:highlight>
-              </a:rPr>
-              <a:t>seven </a:t>
-            </a:r>
-            <a:r>
-              <a:rPr lang="en-US" altLang="zh-TW" sz="2000" dirty="0">
-                <a:highlight>
-                  <a:srgbClr val="FFFF00"/>
-                </a:highlight>
-              </a:rPr>
-              <a:t>days</a:t>
-            </a:r>
-            <a:r>
-              <a:rPr lang="en-US" altLang="zh-TW" sz="2000" dirty="0"/>
-              <a:t>, volunteered to help test the drug. The trial is what's known as a double-blind randomized control trial, the gold-standard of trials.</a:t>
-            </a:r>
-          </a:p>
-          <a:p>
-            <a:r>
-              <a:rPr lang="en-US" altLang="zh-TW" sz="2000" dirty="0">
-                <a:highlight>
-                  <a:srgbClr val="FFFF00"/>
-                </a:highlight>
-              </a:rPr>
-              <a:t>Half</a:t>
-            </a:r>
-            <a:r>
-              <a:rPr lang="en-US" altLang="zh-TW" sz="2000" dirty="0"/>
-              <a:t> the volunteers received the drug for </a:t>
-            </a:r>
-            <a:r>
-              <a:rPr lang="en-US" altLang="zh-TW" sz="2000" dirty="0">
-                <a:solidFill>
-                  <a:srgbClr val="FF0000"/>
-                </a:solidFill>
-                <a:highlight>
-                  <a:srgbClr val="FFFF00"/>
-                </a:highlight>
-              </a:rPr>
-              <a:t>five </a:t>
-            </a:r>
-            <a:r>
-              <a:rPr lang="en-US" altLang="zh-TW" sz="2000" dirty="0">
-                <a:highlight>
-                  <a:srgbClr val="FFFF00"/>
-                </a:highlight>
-              </a:rPr>
-              <a:t>days</a:t>
-            </a:r>
-            <a:r>
-              <a:rPr lang="en-US" altLang="zh-TW" sz="2000" dirty="0"/>
-              <a:t>, the other </a:t>
-            </a:r>
-            <a:r>
-              <a:rPr lang="en-US" altLang="zh-TW" sz="2000" dirty="0">
-                <a:highlight>
-                  <a:srgbClr val="FFFF00"/>
-                </a:highlight>
-              </a:rPr>
-              <a:t>half</a:t>
-            </a:r>
-            <a:r>
-              <a:rPr lang="en-US" altLang="zh-TW" sz="2000" dirty="0"/>
-              <a:t> got a </a:t>
-            </a:r>
-            <a:r>
-              <a:rPr lang="en-US" altLang="zh-TW" sz="2000" dirty="0">
-                <a:highlight>
-                  <a:srgbClr val="FFFF00"/>
-                </a:highlight>
-              </a:rPr>
-              <a:t>placebo</a:t>
-            </a:r>
-            <a:r>
-              <a:rPr lang="en-US" altLang="zh-TW" sz="2000" dirty="0"/>
-              <a:t>, and standard care. Patients were enrolled in the trial </a:t>
-            </a:r>
-            <a:r>
-              <a:rPr lang="en-US" altLang="zh-TW" sz="2000" dirty="0">
-                <a:solidFill>
-                  <a:srgbClr val="FF0000"/>
-                </a:solidFill>
-                <a:highlight>
-                  <a:srgbClr val="FFFF00"/>
-                </a:highlight>
-              </a:rPr>
-              <a:t>between July 2020 and November 2020</a:t>
-            </a:r>
-            <a:r>
-              <a:rPr lang="en-US" altLang="zh-TW" sz="2000" dirty="0"/>
-              <a:t> and doctors followed up with them </a:t>
-            </a:r>
-            <a:r>
-              <a:rPr lang="en-US" altLang="zh-TW" sz="2000" dirty="0">
-                <a:solidFill>
-                  <a:schemeClr val="accent2"/>
-                </a:solidFill>
-              </a:rPr>
-              <a:t>through</a:t>
-            </a:r>
-            <a:r>
-              <a:rPr lang="en-US" altLang="zh-TW" sz="2000" dirty="0"/>
-              <a:t> </a:t>
-            </a:r>
-            <a:r>
-              <a:rPr lang="en-US" altLang="zh-TW" sz="2000" dirty="0">
-                <a:solidFill>
-                  <a:srgbClr val="FF0000"/>
-                </a:solidFill>
-                <a:highlight>
-                  <a:srgbClr val="FFFF00"/>
-                </a:highlight>
-              </a:rPr>
-              <a:t>December</a:t>
-            </a:r>
-            <a:r>
-              <a:rPr lang="en-US" altLang="zh-TW" sz="2000" dirty="0"/>
-              <a:t>.</a:t>
-            </a:r>
+              <a:t> announcement noted that the FDA has not approved ivermectin to treat or prevent Covid-19 in humans and the drug is not an anti-viral medication. </a:t>
+            </a:r>
+          </a:p>
+          <a:p>
             <a:endParaRPr lang="zh-TW" altLang="en-US" sz="2000" dirty="0"/>
           </a:p>
         </p:txBody>
@@ -7891,7 +9316,7 @@
           <p:cNvPr id="4" name="日期版面配置區 3">
             <a:extLst>
               <a:ext uri="{FF2B5EF4-FFF2-40B4-BE49-F238E27FC236}">
-                <a16:creationId xmlns:a16="http://schemas.microsoft.com/office/drawing/2014/main" id="{5E652408-4941-4486-A0C3-BD0DDBEB31E9}"/>
+                <a16:creationId xmlns:a16="http://schemas.microsoft.com/office/drawing/2014/main" id="{E6460A80-FEAB-4C74-A357-E212772A8F58}"/>
               </a:ext>
             </a:extLst>
           </p:cNvPr>
@@ -7910,7 +9335,7 @@
             <a:pPr rtl="0"/>
             <a:fld id="{CE847876-3A2B-49FA-B396-40048599C954}" type="datetime1">
               <a:rPr lang="zh-TW" altLang="en-US" smtClean="0"/>
-              <a:t>2021/3/7</a:t>
+              <a:t>2021/3/8</a:t>
             </a:fld>
             <a:endParaRPr lang="en-US"/>
           </a:p>
@@ -7919,7 +9344,7 @@
     </p:spTree>
     <p:extLst>
       <p:ext uri="{BB962C8B-B14F-4D97-AF65-F5344CB8AC3E}">
-        <p14:creationId xmlns:p14="http://schemas.microsoft.com/office/powerpoint/2010/main" val="1724135615"/>
+        <p14:creationId xmlns:p14="http://schemas.microsoft.com/office/powerpoint/2010/main" val="1196201066"/>
       </p:ext>
     </p:extLst>
   </p:cSld>
@@ -7951,7 +9376,7 @@
           <p:cNvPr id="2" name="標題 1">
             <a:extLst>
               <a:ext uri="{FF2B5EF4-FFF2-40B4-BE49-F238E27FC236}">
-                <a16:creationId xmlns:a16="http://schemas.microsoft.com/office/drawing/2014/main" id="{2B26B273-BD7A-4139-9170-484488537FBF}"/>
+                <a16:creationId xmlns:a16="http://schemas.microsoft.com/office/drawing/2014/main" id="{D7403881-F59A-4151-A310-494FD2BE6834}"/>
               </a:ext>
             </a:extLst>
           </p:cNvPr>
@@ -7962,14 +9387,29 @@
             <p:ph type="title"/>
           </p:nvPr>
         </p:nvSpPr>
-        <p:spPr/>
-        <p:txBody>
-          <a:bodyPr/>
+        <p:spPr>
+          <a:xfrm>
+            <a:off x="1066800" y="642594"/>
+            <a:ext cx="10058400" cy="607086"/>
+          </a:xfrm>
+        </p:spPr>
+        <p:txBody>
+          <a:bodyPr>
+            <a:normAutofit fontScale="90000"/>
+          </a:bodyPr>
           <a:lstStyle/>
           <a:p>
             <a:r>
               <a:rPr lang="en-US" altLang="zh-TW" dirty="0"/>
-              <a:t>WORLD</a:t>
+              <a:t>Result (</a:t>
+            </a:r>
+            <a:r>
+              <a:rPr lang="en-US" altLang="zh-TW" dirty="0" err="1"/>
+              <a:t>spaCy</a:t>
+            </a:r>
+            <a:r>
+              <a:rPr lang="en-US" altLang="zh-TW" dirty="0"/>
+              <a:t>)</a:t>
             </a:r>
             <a:endParaRPr lang="zh-TW" altLang="en-US" dirty="0"/>
           </a:p>
@@ -7977,10 +9417,10 @@
       </p:sp>
       <p:sp>
         <p:nvSpPr>
-          <p:cNvPr id="3" name="文字版面配置區 2">
+          <p:cNvPr id="3" name="內容版面配置區 2">
             <a:extLst>
               <a:ext uri="{FF2B5EF4-FFF2-40B4-BE49-F238E27FC236}">
-                <a16:creationId xmlns:a16="http://schemas.microsoft.com/office/drawing/2014/main" id="{7222788B-7EB5-4EBA-B801-E1407C27077A}"/>
+                <a16:creationId xmlns:a16="http://schemas.microsoft.com/office/drawing/2014/main" id="{73A0045B-F87A-4893-83FE-4EDF497A1B8D}"/>
               </a:ext>
             </a:extLst>
           </p:cNvPr>
@@ -7988,15 +9428,140 @@
             <a:spLocks noGrp="1"/>
           </p:cNvSpPr>
           <p:nvPr>
-            <p:ph type="body" idx="1"/>
-          </p:nvPr>
-        </p:nvSpPr>
-        <p:spPr/>
-        <p:txBody>
-          <a:bodyPr/>
+            <p:ph idx="1"/>
+          </p:nvPr>
+        </p:nvSpPr>
+        <p:spPr>
+          <a:xfrm>
+            <a:off x="1066800" y="1146048"/>
+            <a:ext cx="10058400" cy="4806696"/>
+          </a:xfrm>
+        </p:spPr>
+        <p:txBody>
+          <a:bodyPr>
+            <a:normAutofit/>
+          </a:bodyPr>
           <a:lstStyle/>
           <a:p>
-            <a:endParaRPr lang="zh-TW" altLang="en-US"/>
+            <a:r>
+              <a:rPr lang="en-US" altLang="zh-TW" sz="2000" dirty="0"/>
+              <a:t>Text =</a:t>
+            </a:r>
+            <a:r>
+              <a:rPr lang="zh-TW" altLang="en-US" sz="2000" dirty="0"/>
+              <a:t> </a:t>
+            </a:r>
+            <a:r>
+              <a:rPr lang="en-US" altLang="zh-TW" sz="2000" dirty="0">
+                <a:solidFill>
+                  <a:srgbClr val="FF0000"/>
+                </a:solidFill>
+              </a:rPr>
+              <a:t>The US Food and Drug Administration </a:t>
+            </a:r>
+            <a:r>
+              <a:rPr lang="en-US" altLang="zh-TW" sz="2000" dirty="0"/>
+              <a:t>on </a:t>
+            </a:r>
+            <a:r>
+              <a:rPr lang="en-US" altLang="zh-TW" sz="2000" dirty="0">
+                <a:solidFill>
+                  <a:srgbClr val="FF0000"/>
+                </a:solidFill>
+              </a:rPr>
+              <a:t>Friday</a:t>
+            </a:r>
+            <a:r>
+              <a:rPr lang="en-US" altLang="zh-TW" sz="2000" dirty="0"/>
+              <a:t> said that people should not use ivermectin to attempt to treat or prevent </a:t>
+            </a:r>
+            <a:r>
+              <a:rPr lang="en-US" altLang="zh-TW" sz="2000" dirty="0">
+                <a:solidFill>
+                  <a:srgbClr val="FF0000"/>
+                </a:solidFill>
+              </a:rPr>
+              <a:t>Covid</a:t>
+            </a:r>
+            <a:r>
+              <a:rPr lang="en-US" altLang="zh-TW" sz="2000" dirty="0"/>
+              <a:t>-</a:t>
+            </a:r>
+            <a:r>
+              <a:rPr lang="en-US" altLang="zh-TW" sz="2000" dirty="0">
+                <a:solidFill>
+                  <a:srgbClr val="FF0000"/>
+                </a:solidFill>
+              </a:rPr>
+              <a:t>19</a:t>
+            </a:r>
+            <a:r>
+              <a:rPr lang="en-US" altLang="zh-TW" sz="2000" dirty="0"/>
+              <a:t>. The drug is typically used to treat parasites, such as lice and </a:t>
+            </a:r>
+            <a:r>
+              <a:rPr lang="en-US" altLang="zh-TW" sz="2000" dirty="0" err="1"/>
+              <a:t>scabies."There</a:t>
+            </a:r>
+            <a:r>
+              <a:rPr lang="en-US" altLang="zh-TW" sz="2000" dirty="0"/>
+              <a:t> seems to be a growing interest in a drug called ivermectin to treat humans with COVID-</a:t>
+            </a:r>
+            <a:r>
+              <a:rPr lang="en-US" altLang="zh-TW" sz="2000" dirty="0">
+                <a:solidFill>
+                  <a:srgbClr val="FF0000"/>
+                </a:solidFill>
+              </a:rPr>
+              <a:t>19</a:t>
+            </a:r>
+            <a:r>
+              <a:rPr lang="en-US" altLang="zh-TW" sz="2000" dirty="0"/>
+              <a:t>. Ivermectin is often used in the </a:t>
+            </a:r>
+            <a:r>
+              <a:rPr lang="en-US" altLang="zh-TW" sz="2000" dirty="0">
+                <a:solidFill>
+                  <a:srgbClr val="FF0000"/>
+                </a:solidFill>
+              </a:rPr>
+              <a:t>U.S.</a:t>
+            </a:r>
+            <a:r>
+              <a:rPr lang="en-US" altLang="zh-TW" sz="2000" dirty="0"/>
+              <a:t> to treat or prevent parasites in animals. The </a:t>
+            </a:r>
+            <a:r>
+              <a:rPr lang="en-US" altLang="zh-TW" sz="2000" dirty="0">
+                <a:solidFill>
+                  <a:srgbClr val="FF0000"/>
+                </a:solidFill>
+              </a:rPr>
+              <a:t>FDA</a:t>
+            </a:r>
+            <a:r>
+              <a:rPr lang="en-US" altLang="zh-TW" sz="2000" dirty="0"/>
+              <a:t> has received multiple reports of patients who have required medical support and been hospitalized after self-medicating with ivermectin intended for horses," the agency's announcement said on </a:t>
+            </a:r>
+            <a:r>
+              <a:rPr lang="en-US" altLang="zh-TW" sz="2000" dirty="0" err="1">
+                <a:solidFill>
+                  <a:srgbClr val="FF0000"/>
+                </a:solidFill>
+              </a:rPr>
+              <a:t>Friday</a:t>
+            </a:r>
+            <a:r>
+              <a:rPr lang="en-US" altLang="zh-TW" sz="2000" dirty="0" err="1"/>
+              <a:t>.The</a:t>
+            </a:r>
+            <a:r>
+              <a:rPr lang="en-US" altLang="zh-TW" sz="2000" dirty="0"/>
+              <a:t> announcement noted that the FDA has not approved ivermectin to treat or prevent Covid-19 in humans and the drug is not an anti-viral medication. </a:t>
+            </a:r>
+          </a:p>
+          <a:p>
+            <a:endParaRPr lang="zh-TW" altLang="en-US" sz="2000" dirty="0"/>
           </a:p>
         </p:txBody>
       </p:sp>
@@ -8005,7 +9570,7 @@
           <p:cNvPr id="4" name="日期版面配置區 3">
             <a:extLst>
               <a:ext uri="{FF2B5EF4-FFF2-40B4-BE49-F238E27FC236}">
-                <a16:creationId xmlns:a16="http://schemas.microsoft.com/office/drawing/2014/main" id="{121A60DA-D647-4218-A803-2FE4A6B5F64A}"/>
+                <a16:creationId xmlns:a16="http://schemas.microsoft.com/office/drawing/2014/main" id="{E6460A80-FEAB-4C74-A357-E212772A8F58}"/>
               </a:ext>
             </a:extLst>
           </p:cNvPr>
@@ -8021,18 +9586,19 @@
           <a:bodyPr/>
           <a:lstStyle/>
           <a:p>
-            <a:fld id="{294347CA-4B58-4AEE-8DA6-4E2B096FC96F}" type="datetime1">
-              <a:rPr lang="en-US" altLang="zh-TW" smtClean="0"/>
-              <a:t>3/7/2021</a:t>
+            <a:pPr rtl="0"/>
+            <a:fld id="{CE847876-3A2B-49FA-B396-40048599C954}" type="datetime1">
+              <a:rPr lang="zh-TW" altLang="en-US" smtClean="0"/>
+              <a:t>2021/3/8</a:t>
             </a:fld>
-            <a:endParaRPr lang="zh-TW" altLang="en-US" dirty="0"/>
+            <a:endParaRPr lang="en-US"/>
           </a:p>
         </p:txBody>
       </p:sp>
     </p:spTree>
     <p:extLst>
       <p:ext uri="{BB962C8B-B14F-4D97-AF65-F5344CB8AC3E}">
-        <p14:creationId xmlns:p14="http://schemas.microsoft.com/office/powerpoint/2010/main" val="3056343546"/>
+        <p14:creationId xmlns:p14="http://schemas.microsoft.com/office/powerpoint/2010/main" val="1601421780"/>
       </p:ext>
     </p:extLst>
   </p:cSld>
